--- a/Documents/Presentation.pptx
+++ b/Documents/Presentation.pptx
@@ -2,12 +2,14 @@
 <file path=ppt/presentation.xml><?xml version="1.0" encoding="utf-8"?>
 <p:presentation xmlns:a="http://schemas.openxmlformats.org/drawingml/2006/main" xmlns:r="http://schemas.openxmlformats.org/officeDocument/2006/relationships" xmlns:p="http://schemas.openxmlformats.org/presentationml/2006/main" rtl="1" saveSubsetFonts="1">
   <p:sldMasterIdLst>
-    <p:sldMasterId id="2147483648" r:id="rId1"/>
+    <p:sldMasterId id="2147483708" r:id="rId1"/>
   </p:sldMasterIdLst>
   <p:sldIdLst>
     <p:sldId id="256" r:id="rId2"/>
     <p:sldId id="257" r:id="rId3"/>
     <p:sldId id="258" r:id="rId4"/>
+    <p:sldId id="259" r:id="rId5"/>
+    <p:sldId id="260" r:id="rId6"/>
   </p:sldIdLst>
   <p:sldSz cx="9144000" cy="6858000" type="screen4x3"/>
   <p:notesSz cx="6858000" cy="9144000"/>
@@ -290,7 +292,8 @@
           <a:p>
             <a:fld id="{501FE48C-6519-4B61-962B-C11787253B8E}" type="datetimeFigureOut">
               <a:rPr lang="he-IL" smtClean="0"/>
-              <a:t>י'/אייר/תשפ"ד</a:t>
+              <a:pPr/>
+              <a:t>כ"ה/אייר/תשפ"ד</a:t>
             </a:fld>
             <a:endParaRPr lang="he-IL"/>
           </a:p>
@@ -332,6 +335,7 @@
           <a:p>
             <a:fld id="{97EF3457-0598-4B1F-8552-586F45CFA51A}" type="slidenum">
               <a:rPr lang="he-IL" smtClean="0"/>
+              <a:pPr/>
               <a:t>‹#›</a:t>
             </a:fld>
             <a:endParaRPr lang="he-IL"/>
@@ -455,7 +459,8 @@
           <a:p>
             <a:fld id="{501FE48C-6519-4B61-962B-C11787253B8E}" type="datetimeFigureOut">
               <a:rPr lang="he-IL" smtClean="0"/>
-              <a:t>י'/אייר/תשפ"ד</a:t>
+              <a:pPr/>
+              <a:t>כ"ה/אייר/תשפ"ד</a:t>
             </a:fld>
             <a:endParaRPr lang="he-IL"/>
           </a:p>
@@ -497,6 +502,7 @@
           <a:p>
             <a:fld id="{97EF3457-0598-4B1F-8552-586F45CFA51A}" type="slidenum">
               <a:rPr lang="he-IL" smtClean="0"/>
+              <a:pPr/>
               <a:t>‹#›</a:t>
             </a:fld>
             <a:endParaRPr lang="he-IL"/>
@@ -630,7 +636,8 @@
           <a:p>
             <a:fld id="{501FE48C-6519-4B61-962B-C11787253B8E}" type="datetimeFigureOut">
               <a:rPr lang="he-IL" smtClean="0"/>
-              <a:t>י'/אייר/תשפ"ד</a:t>
+              <a:pPr/>
+              <a:t>כ"ה/אייר/תשפ"ד</a:t>
             </a:fld>
             <a:endParaRPr lang="he-IL"/>
           </a:p>
@@ -672,6 +679,7 @@
           <a:p>
             <a:fld id="{97EF3457-0598-4B1F-8552-586F45CFA51A}" type="slidenum">
               <a:rPr lang="he-IL" smtClean="0"/>
+              <a:pPr/>
               <a:t>‹#›</a:t>
             </a:fld>
             <a:endParaRPr lang="he-IL"/>
@@ -795,7 +803,8 @@
           <a:p>
             <a:fld id="{501FE48C-6519-4B61-962B-C11787253B8E}" type="datetimeFigureOut">
               <a:rPr lang="he-IL" smtClean="0"/>
-              <a:t>י'/אייר/תשפ"ד</a:t>
+              <a:pPr/>
+              <a:t>כ"ה/אייר/תשפ"ד</a:t>
             </a:fld>
             <a:endParaRPr lang="he-IL"/>
           </a:p>
@@ -837,6 +846,7 @@
           <a:p>
             <a:fld id="{97EF3457-0598-4B1F-8552-586F45CFA51A}" type="slidenum">
               <a:rPr lang="he-IL" smtClean="0"/>
+              <a:pPr/>
               <a:t>‹#›</a:t>
             </a:fld>
             <a:endParaRPr lang="he-IL"/>
@@ -1036,7 +1046,8 @@
           <a:p>
             <a:fld id="{501FE48C-6519-4B61-962B-C11787253B8E}" type="datetimeFigureOut">
               <a:rPr lang="he-IL" smtClean="0"/>
-              <a:t>י'/אייר/תשפ"ד</a:t>
+              <a:pPr/>
+              <a:t>כ"ה/אייר/תשפ"ד</a:t>
             </a:fld>
             <a:endParaRPr lang="he-IL"/>
           </a:p>
@@ -1078,6 +1089,7 @@
           <a:p>
             <a:fld id="{97EF3457-0598-4B1F-8552-586F45CFA51A}" type="slidenum">
               <a:rPr lang="he-IL" smtClean="0"/>
+              <a:pPr/>
               <a:t>‹#›</a:t>
             </a:fld>
             <a:endParaRPr lang="he-IL"/>
@@ -1319,7 +1331,8 @@
           <a:p>
             <a:fld id="{501FE48C-6519-4B61-962B-C11787253B8E}" type="datetimeFigureOut">
               <a:rPr lang="he-IL" smtClean="0"/>
-              <a:t>י'/אייר/תשפ"ד</a:t>
+              <a:pPr/>
+              <a:t>כ"ה/אייר/תשפ"ד</a:t>
             </a:fld>
             <a:endParaRPr lang="he-IL"/>
           </a:p>
@@ -1361,6 +1374,7 @@
           <a:p>
             <a:fld id="{97EF3457-0598-4B1F-8552-586F45CFA51A}" type="slidenum">
               <a:rPr lang="he-IL" smtClean="0"/>
+              <a:pPr/>
               <a:t>‹#›</a:t>
             </a:fld>
             <a:endParaRPr lang="he-IL"/>
@@ -1736,7 +1750,8 @@
           <a:p>
             <a:fld id="{501FE48C-6519-4B61-962B-C11787253B8E}" type="datetimeFigureOut">
               <a:rPr lang="he-IL" smtClean="0"/>
-              <a:t>י'/אייר/תשפ"ד</a:t>
+              <a:pPr/>
+              <a:t>כ"ה/אייר/תשפ"ד</a:t>
             </a:fld>
             <a:endParaRPr lang="he-IL"/>
           </a:p>
@@ -1778,6 +1793,7 @@
           <a:p>
             <a:fld id="{97EF3457-0598-4B1F-8552-586F45CFA51A}" type="slidenum">
               <a:rPr lang="he-IL" smtClean="0"/>
+              <a:pPr/>
               <a:t>‹#›</a:t>
             </a:fld>
             <a:endParaRPr lang="he-IL"/>
@@ -1849,7 +1865,8 @@
           <a:p>
             <a:fld id="{501FE48C-6519-4B61-962B-C11787253B8E}" type="datetimeFigureOut">
               <a:rPr lang="he-IL" smtClean="0"/>
-              <a:t>י'/אייר/תשפ"ד</a:t>
+              <a:pPr/>
+              <a:t>כ"ה/אייר/תשפ"ד</a:t>
             </a:fld>
             <a:endParaRPr lang="he-IL"/>
           </a:p>
@@ -1891,6 +1908,7 @@
           <a:p>
             <a:fld id="{97EF3457-0598-4B1F-8552-586F45CFA51A}" type="slidenum">
               <a:rPr lang="he-IL" smtClean="0"/>
+              <a:pPr/>
               <a:t>‹#›</a:t>
             </a:fld>
             <a:endParaRPr lang="he-IL"/>
@@ -1939,7 +1957,8 @@
           <a:p>
             <a:fld id="{501FE48C-6519-4B61-962B-C11787253B8E}" type="datetimeFigureOut">
               <a:rPr lang="he-IL" smtClean="0"/>
-              <a:t>י'/אייר/תשפ"ד</a:t>
+              <a:pPr/>
+              <a:t>כ"ה/אייר/תשפ"ד</a:t>
             </a:fld>
             <a:endParaRPr lang="he-IL"/>
           </a:p>
@@ -1981,6 +2000,7 @@
           <a:p>
             <a:fld id="{97EF3457-0598-4B1F-8552-586F45CFA51A}" type="slidenum">
               <a:rPr lang="he-IL" smtClean="0"/>
+              <a:pPr/>
               <a:t>‹#›</a:t>
             </a:fld>
             <a:endParaRPr lang="he-IL"/>
@@ -2211,7 +2231,8 @@
           <a:p>
             <a:fld id="{501FE48C-6519-4B61-962B-C11787253B8E}" type="datetimeFigureOut">
               <a:rPr lang="he-IL" smtClean="0"/>
-              <a:t>י'/אייר/תשפ"ד</a:t>
+              <a:pPr/>
+              <a:t>כ"ה/אייר/תשפ"ד</a:t>
             </a:fld>
             <a:endParaRPr lang="he-IL"/>
           </a:p>
@@ -2253,6 +2274,7 @@
           <a:p>
             <a:fld id="{97EF3457-0598-4B1F-8552-586F45CFA51A}" type="slidenum">
               <a:rPr lang="he-IL" smtClean="0"/>
+              <a:pPr/>
               <a:t>‹#›</a:t>
             </a:fld>
             <a:endParaRPr lang="he-IL"/>
@@ -2459,7 +2481,8 @@
           <a:p>
             <a:fld id="{501FE48C-6519-4B61-962B-C11787253B8E}" type="datetimeFigureOut">
               <a:rPr lang="he-IL" smtClean="0"/>
-              <a:t>י'/אייר/תשפ"ד</a:t>
+              <a:pPr/>
+              <a:t>כ"ה/אייר/תשפ"ד</a:t>
             </a:fld>
             <a:endParaRPr lang="he-IL"/>
           </a:p>
@@ -2501,6 +2524,7 @@
           <a:p>
             <a:fld id="{97EF3457-0598-4B1F-8552-586F45CFA51A}" type="slidenum">
               <a:rPr lang="he-IL" smtClean="0"/>
+              <a:pPr/>
               <a:t>‹#›</a:t>
             </a:fld>
             <a:endParaRPr lang="he-IL"/>
@@ -2667,7 +2691,8 @@
           <a:p>
             <a:fld id="{501FE48C-6519-4B61-962B-C11787253B8E}" type="datetimeFigureOut">
               <a:rPr lang="he-IL" smtClean="0"/>
-              <a:t>י'/אייר/תשפ"ד</a:t>
+              <a:pPr/>
+              <a:t>כ"ה/אייר/תשפ"ד</a:t>
             </a:fld>
             <a:endParaRPr lang="he-IL"/>
           </a:p>
@@ -2745,6 +2770,7 @@
           <a:p>
             <a:fld id="{97EF3457-0598-4B1F-8552-586F45CFA51A}" type="slidenum">
               <a:rPr lang="he-IL" smtClean="0"/>
+              <a:pPr/>
               <a:t>‹#›</a:t>
             </a:fld>
             <a:endParaRPr lang="he-IL"/>
@@ -2755,17 +2781,17 @@
   </p:cSld>
   <p:clrMap bg1="lt1" tx1="dk1" bg2="lt2" tx2="dk2" accent1="accent1" accent2="accent2" accent3="accent3" accent4="accent4" accent5="accent5" accent6="accent6" hlink="hlink" folHlink="folHlink"/>
   <p:sldLayoutIdLst>
-    <p:sldLayoutId id="2147483649" r:id="rId1"/>
-    <p:sldLayoutId id="2147483650" r:id="rId2"/>
-    <p:sldLayoutId id="2147483651" r:id="rId3"/>
-    <p:sldLayoutId id="2147483652" r:id="rId4"/>
-    <p:sldLayoutId id="2147483653" r:id="rId5"/>
-    <p:sldLayoutId id="2147483654" r:id="rId6"/>
-    <p:sldLayoutId id="2147483655" r:id="rId7"/>
-    <p:sldLayoutId id="2147483656" r:id="rId8"/>
-    <p:sldLayoutId id="2147483657" r:id="rId9"/>
-    <p:sldLayoutId id="2147483658" r:id="rId10"/>
-    <p:sldLayoutId id="2147483659" r:id="rId11"/>
+    <p:sldLayoutId id="2147483709" r:id="rId1"/>
+    <p:sldLayoutId id="2147483710" r:id="rId2"/>
+    <p:sldLayoutId id="2147483711" r:id="rId3"/>
+    <p:sldLayoutId id="2147483712" r:id="rId4"/>
+    <p:sldLayoutId id="2147483713" r:id="rId5"/>
+    <p:sldLayoutId id="2147483714" r:id="rId6"/>
+    <p:sldLayoutId id="2147483715" r:id="rId7"/>
+    <p:sldLayoutId id="2147483716" r:id="rId8"/>
+    <p:sldLayoutId id="2147483717" r:id="rId9"/>
+    <p:sldLayoutId id="2147483718" r:id="rId10"/>
+    <p:sldLayoutId id="2147483719" r:id="rId11"/>
   </p:sldLayoutIdLst>
   <p:txStyles>
     <p:titleStyle>
@@ -3594,38 +3620,6 @@
           </a:p>
         </p:txBody>
       </p:sp>
-      <p:pic>
-        <p:nvPicPr>
-          <p:cNvPr id="15372" name="Picture 12"/>
-          <p:cNvPicPr>
-            <a:picLocks noChangeAspect="1" noChangeArrowheads="1"/>
-          </p:cNvPicPr>
-          <p:nvPr/>
-        </p:nvPicPr>
-        <p:blipFill>
-          <a:blip r:embed="rId2" cstate="print"/>
-          <a:srcRect/>
-          <a:stretch>
-            <a:fillRect/>
-          </a:stretch>
-        </p:blipFill>
-        <p:spPr bwMode="auto">
-          <a:xfrm>
-            <a:off x="1752600" y="1828800"/>
-            <a:ext cx="5791200" cy="2895600"/>
-          </a:xfrm>
-          <a:prstGeom prst="rect">
-            <a:avLst/>
-          </a:prstGeom>
-          <a:noFill/>
-          <a:ln w="9525">
-            <a:noFill/>
-            <a:miter lim="800000"/>
-            <a:headEnd/>
-            <a:tailEnd/>
-          </a:ln>
-        </p:spPr>
-      </p:pic>
       <p:sp>
         <p:nvSpPr>
           <p:cNvPr id="20" name="כותרת משנה 2"/>
@@ -3743,8 +3737,8 @@
         </p:nvSpPr>
         <p:spPr>
           <a:xfrm>
-            <a:off x="3048000" y="4953000"/>
-            <a:ext cx="3200400" cy="1295400"/>
+            <a:off x="1828800" y="3200400"/>
+            <a:ext cx="5638800" cy="3048000"/>
           </a:xfrm>
           <a:prstGeom prst="rect">
             <a:avLst/>
@@ -3752,7 +3746,7 @@
         </p:spPr>
         <p:txBody>
           <a:bodyPr vert="horz" lIns="91440" tIns="45720" rIns="91440" bIns="45720" rtlCol="1">
-            <a:normAutofit fontScale="92500" lnSpcReduction="10000"/>
+            <a:normAutofit/>
           </a:bodyPr>
           <a:lstStyle/>
           <a:p>
@@ -3774,10 +3768,7 @@
             <a:r>
               <a:rPr lang="he-IL" sz="4000" dirty="0" smtClean="0">
                 <a:solidFill>
-                  <a:schemeClr val="tx1">
-                    <a:lumMod val="95000"/>
-                    <a:lumOff val="5000"/>
-                  </a:schemeClr>
+                  <a:srgbClr val="002060"/>
                 </a:solidFill>
                 <a:latin typeface="Aharoni" pitchFamily="2" charset="-79"/>
                 <a:cs typeface="Aharoni" pitchFamily="2" charset="-79"/>
@@ -3786,10 +3777,7 @@
             </a:r>
             <a:endParaRPr lang="en-US" sz="4000" dirty="0" smtClean="0">
               <a:solidFill>
-                <a:schemeClr val="tx1">
-                  <a:lumMod val="95000"/>
-                  <a:lumOff val="5000"/>
-                </a:schemeClr>
+                <a:srgbClr val="002060"/>
               </a:solidFill>
               <a:latin typeface="Aharoni" pitchFamily="2" charset="-79"/>
               <a:cs typeface="Aharoni" pitchFamily="2" charset="-79"/>
@@ -3814,49 +3802,44 @@
             <a:r>
               <a:rPr lang="he-IL" sz="4000" dirty="0" smtClean="0">
                 <a:solidFill>
-                  <a:schemeClr val="tx1">
-                    <a:lumMod val="95000"/>
-                    <a:lumOff val="5000"/>
-                  </a:schemeClr>
+                  <a:srgbClr val="002060"/>
                 </a:solidFill>
                 <a:latin typeface="Aharoni" pitchFamily="2" charset="-79"/>
                 <a:cs typeface="Aharoni" pitchFamily="2" charset="-79"/>
               </a:rPr>
-              <a:t> משחקי</a:t>
-            </a:r>
-            <a:r>
-              <a:rPr lang="he-IL" sz="4000" dirty="0">
-                <a:solidFill>
-                  <a:schemeClr val="tx1">
-                    <a:lumMod val="95000"/>
-                    <a:lumOff val="5000"/>
-                  </a:schemeClr>
+              <a:t> משחקים</a:t>
+            </a:r>
+          </a:p>
+          <a:p>
+            <a:pPr marL="342900" marR="0" lvl="0" indent="-342900" algn="ctr" defTabSz="914400" rtl="1" eaLnBrk="1" fontAlgn="auto" latinLnBrk="0" hangingPunct="1">
+              <a:lnSpc>
+                <a:spcPct val="100000"/>
+              </a:lnSpc>
+              <a:spcBef>
+                <a:spcPct val="20000"/>
+              </a:spcBef>
+              <a:spcAft>
+                <a:spcPts val="0"/>
+              </a:spcAft>
+              <a:buClrTx/>
+              <a:buSzTx/>
+              <a:tabLst/>
+              <a:defRPr/>
+            </a:pPr>
+            <a:r>
+              <a:rPr lang="he-IL" sz="4000" dirty="0" smtClean="0">
+                <a:solidFill>
+                  <a:srgbClr val="002060"/>
                 </a:solidFill>
                 <a:latin typeface="Aharoni" pitchFamily="2" charset="-79"/>
                 <a:cs typeface="Aharoni" pitchFamily="2" charset="-79"/>
               </a:rPr>
-              <a:t>ם</a:t>
-            </a:r>
-            <a:r>
-              <a:rPr lang="he-IL" sz="4000" dirty="0" smtClean="0">
-                <a:solidFill>
-                  <a:schemeClr val="tx1">
-                    <a:lumMod val="95000"/>
-                    <a:lumOff val="5000"/>
-                  </a:schemeClr>
-                </a:solidFill>
-                <a:latin typeface="Aharoni" pitchFamily="2" charset="-79"/>
-                <a:cs typeface="Aharoni" pitchFamily="2" charset="-79"/>
-              </a:rPr>
-              <a:t> </a:t>
+              <a:t>לילדים בגיל 6 עד 10 </a:t>
             </a:r>
             <a:r>
               <a:rPr lang="he-IL" sz="4000" noProof="0" dirty="0" smtClean="0">
                 <a:solidFill>
-                  <a:schemeClr val="tx1">
-                    <a:lumMod val="95000"/>
-                    <a:lumOff val="5000"/>
-                  </a:schemeClr>
+                  <a:srgbClr val="002060"/>
                 </a:solidFill>
                 <a:latin typeface="Aharoni" pitchFamily="2" charset="-79"/>
                 <a:cs typeface="Aharoni" pitchFamily="2" charset="-79"/>
@@ -3868,10 +3851,7 @@
                 <a:noFill/>
               </a:ln>
               <a:solidFill>
-                <a:schemeClr val="tx1">
-                  <a:lumMod val="95000"/>
-                  <a:lumOff val="5000"/>
-                </a:schemeClr>
+                <a:srgbClr val="002060"/>
               </a:solidFill>
               <a:effectLst/>
               <a:uLnTx/>
@@ -3919,6 +3899,32 @@
           </a:p>
         </p:txBody>
       </p:sp>
+      <p:pic>
+        <p:nvPicPr>
+          <p:cNvPr id="1026" name="Picture 2" descr="C:\Users\bestb\Desktop\lotus\gameCreator\view\public\media\Appbackgound\logo.png"/>
+          <p:cNvPicPr>
+            <a:picLocks noChangeAspect="1" noChangeArrowheads="1"/>
+          </p:cNvPicPr>
+          <p:nvPr/>
+        </p:nvPicPr>
+        <p:blipFill>
+          <a:blip r:embed="rId2" cstate="print"/>
+          <a:srcRect/>
+          <a:stretch>
+            <a:fillRect/>
+          </a:stretch>
+        </p:blipFill>
+        <p:spPr bwMode="auto">
+          <a:xfrm>
+            <a:off x="381000" y="609600"/>
+            <a:ext cx="8074025" cy="2560638"/>
+          </a:xfrm>
+          <a:prstGeom prst="rect">
+            <a:avLst/>
+          </a:prstGeom>
+          <a:noFill/>
+        </p:spPr>
+      </p:pic>
     </p:spTree>
   </p:cSld>
   <p:clrMapOvr>
@@ -3931,6 +3937,394 @@
       </p:par>
     </p:tnLst>
   </p:timing>
+</p:sld>
+</file>
+
+<file path=ppt/slides/slide4.xml><?xml version="1.0" encoding="utf-8"?>
+<p:sld xmlns:a="http://schemas.openxmlformats.org/drawingml/2006/main" xmlns:r="http://schemas.openxmlformats.org/officeDocument/2006/relationships" xmlns:p="http://schemas.openxmlformats.org/presentationml/2006/main">
+  <p:cSld>
+    <p:spTree>
+      <p:nvGrpSpPr>
+        <p:cNvPr id="1" name=""/>
+        <p:cNvGrpSpPr/>
+        <p:nvPr/>
+      </p:nvGrpSpPr>
+      <p:grpSpPr>
+        <a:xfrm>
+          <a:off x="0" y="0"/>
+          <a:ext cx="0" cy="0"/>
+          <a:chOff x="0" y="0"/>
+          <a:chExt cx="0" cy="0"/>
+        </a:xfrm>
+      </p:grpSpPr>
+      <p:pic>
+        <p:nvPicPr>
+          <p:cNvPr id="4" name="Picture 2" descr="C:\Users\bestb\Desktop\lotus\gameCreator\view\public\media\Appbackgound\logo.png"/>
+          <p:cNvPicPr>
+            <a:picLocks noChangeAspect="1" noChangeArrowheads="1"/>
+          </p:cNvPicPr>
+          <p:nvPr/>
+        </p:nvPicPr>
+        <p:blipFill>
+          <a:blip r:embed="rId2" cstate="print"/>
+          <a:srcRect/>
+          <a:stretch>
+            <a:fillRect/>
+          </a:stretch>
+        </p:blipFill>
+        <p:spPr bwMode="auto">
+          <a:xfrm>
+            <a:off x="304800" y="-457200"/>
+            <a:ext cx="8074025" cy="2560638"/>
+          </a:xfrm>
+          <a:prstGeom prst="rect">
+            <a:avLst/>
+          </a:prstGeom>
+          <a:noFill/>
+        </p:spPr>
+      </p:pic>
+      <p:sp>
+        <p:nvSpPr>
+          <p:cNvPr id="5" name="מלבן 4"/>
+          <p:cNvSpPr/>
+          <p:nvPr/>
+        </p:nvSpPr>
+        <p:spPr>
+          <a:xfrm>
+            <a:off x="990600" y="1981200"/>
+            <a:ext cx="6248400" cy="461665"/>
+          </a:xfrm>
+          <a:prstGeom prst="rect">
+            <a:avLst/>
+          </a:prstGeom>
+        </p:spPr>
+        <p:txBody>
+          <a:bodyPr wrap="square">
+            <a:spAutoFit/>
+          </a:bodyPr>
+          <a:lstStyle/>
+          <a:p>
+            <a:r>
+              <a:rPr lang="he-IL" sz="2400" dirty="0" smtClean="0">
+                <a:solidFill>
+                  <a:schemeClr val="tx2">
+                    <a:lumMod val="60000"/>
+                    <a:lumOff val="40000"/>
+                  </a:schemeClr>
+                </a:solidFill>
+              </a:rPr>
+              <a:t>אתר </a:t>
+            </a:r>
+            <a:r>
+              <a:rPr lang="he-IL" sz="2400" dirty="0" smtClean="0">
+                <a:solidFill>
+                  <a:schemeClr val="tx2">
+                    <a:lumMod val="60000"/>
+                    <a:lumOff val="40000"/>
+                  </a:schemeClr>
+                </a:solidFill>
+              </a:rPr>
+              <a:t>ייחודי </a:t>
+            </a:r>
+            <a:r>
+              <a:rPr lang="he-IL" sz="2400" dirty="0" smtClean="0">
+                <a:solidFill>
+                  <a:schemeClr val="tx2">
+                    <a:lumMod val="60000"/>
+                    <a:lumOff val="40000"/>
+                  </a:schemeClr>
+                </a:solidFill>
+              </a:rPr>
+              <a:t>שמאפשר לילדים להתפתח באופן יצירתי  </a:t>
+            </a:r>
+            <a:endParaRPr lang="he-IL" sz="2400" dirty="0">
+              <a:solidFill>
+                <a:schemeClr val="tx2">
+                  <a:lumMod val="60000"/>
+                  <a:lumOff val="40000"/>
+                </a:schemeClr>
+              </a:solidFill>
+            </a:endParaRPr>
+          </a:p>
+        </p:txBody>
+      </p:sp>
+      <p:sp>
+        <p:nvSpPr>
+          <p:cNvPr id="6" name="מלבן 5"/>
+          <p:cNvSpPr/>
+          <p:nvPr/>
+        </p:nvSpPr>
+        <p:spPr>
+          <a:xfrm>
+            <a:off x="1219200" y="2895600"/>
+            <a:ext cx="6858000" cy="2862322"/>
+          </a:xfrm>
+          <a:prstGeom prst="rect">
+            <a:avLst/>
+          </a:prstGeom>
+        </p:spPr>
+        <p:txBody>
+          <a:bodyPr wrap="square">
+            <a:spAutoFit/>
+          </a:bodyPr>
+          <a:lstStyle/>
+          <a:p>
+            <a:pPr algn="ctr"/>
+            <a:r>
+              <a:rPr lang="he-IL" sz="3600" dirty="0" smtClean="0">
+                <a:solidFill>
+                  <a:srgbClr val="002060"/>
+                </a:solidFill>
+                <a:latin typeface="Aharoni" pitchFamily="2" charset="-79"/>
+                <a:cs typeface="Aharoni" pitchFamily="2" charset="-79"/>
+              </a:rPr>
+              <a:t>דרך יצירת משחקים</a:t>
+            </a:r>
+          </a:p>
+          <a:p>
+            <a:pPr algn="ctr"/>
+            <a:r>
+              <a:rPr lang="he-IL" sz="3600" dirty="0" smtClean="0">
+                <a:solidFill>
+                  <a:srgbClr val="002060"/>
+                </a:solidFill>
+                <a:latin typeface="Aharoni" pitchFamily="2" charset="-79"/>
+                <a:cs typeface="Aharoni" pitchFamily="2" charset="-79"/>
+              </a:rPr>
+              <a:t> הילדים מפתחים את הלוגיקה ומשפרים את החשיבה </a:t>
+            </a:r>
+            <a:r>
+              <a:rPr lang="he-IL" sz="3600" dirty="0" err="1" smtClean="0">
+                <a:solidFill>
+                  <a:srgbClr val="002060"/>
+                </a:solidFill>
+                <a:latin typeface="Aharoni" pitchFamily="2" charset="-79"/>
+                <a:cs typeface="Aharoni" pitchFamily="2" charset="-79"/>
+              </a:rPr>
+              <a:t>תהליכית</a:t>
+            </a:r>
+            <a:r>
+              <a:rPr lang="he-IL" sz="3600" dirty="0" smtClean="0">
+                <a:solidFill>
+                  <a:srgbClr val="002060"/>
+                </a:solidFill>
+                <a:latin typeface="Aharoni" pitchFamily="2" charset="-79"/>
+                <a:cs typeface="Aharoni" pitchFamily="2" charset="-79"/>
+              </a:rPr>
+              <a:t> </a:t>
+            </a:r>
+          </a:p>
+          <a:p>
+            <a:pPr algn="ctr"/>
+            <a:r>
+              <a:rPr lang="he-IL" sz="3600" dirty="0" smtClean="0">
+                <a:solidFill>
+                  <a:srgbClr val="002060"/>
+                </a:solidFill>
+                <a:latin typeface="Aharoni" pitchFamily="2" charset="-79"/>
+                <a:cs typeface="Aharoni" pitchFamily="2" charset="-79"/>
+              </a:rPr>
+              <a:t>וגם מתמודדים עם בעיות ואתגרים בצורה מעשית וכפית </a:t>
+            </a:r>
+            <a:endParaRPr lang="he-IL" sz="3600" dirty="0" smtClean="0">
+              <a:solidFill>
+                <a:srgbClr val="002060"/>
+              </a:solidFill>
+              <a:latin typeface="Aharoni" pitchFamily="2" charset="-79"/>
+              <a:cs typeface="Aharoni" pitchFamily="2" charset="-79"/>
+            </a:endParaRPr>
+          </a:p>
+        </p:txBody>
+      </p:sp>
+    </p:spTree>
+  </p:cSld>
+  <p:clrMapOvr>
+    <a:masterClrMapping/>
+  </p:clrMapOvr>
+</p:sld>
+</file>
+
+<file path=ppt/slides/slide5.xml><?xml version="1.0" encoding="utf-8"?>
+<p:sld xmlns:a="http://schemas.openxmlformats.org/drawingml/2006/main" xmlns:r="http://schemas.openxmlformats.org/officeDocument/2006/relationships" xmlns:p="http://schemas.openxmlformats.org/presentationml/2006/main">
+  <p:cSld>
+    <p:spTree>
+      <p:nvGrpSpPr>
+        <p:cNvPr id="1" name=""/>
+        <p:cNvGrpSpPr/>
+        <p:nvPr/>
+      </p:nvGrpSpPr>
+      <p:grpSpPr>
+        <a:xfrm>
+          <a:off x="0" y="0"/>
+          <a:ext cx="0" cy="0"/>
+          <a:chOff x="0" y="0"/>
+          <a:chExt cx="0" cy="0"/>
+        </a:xfrm>
+      </p:grpSpPr>
+      <p:sp>
+        <p:nvSpPr>
+          <p:cNvPr id="3" name="מציין מיקום תוכן 2"/>
+          <p:cNvSpPr>
+            <a:spLocks noGrp="1"/>
+          </p:cNvSpPr>
+          <p:nvPr>
+            <p:ph idx="1"/>
+          </p:nvPr>
+        </p:nvSpPr>
+        <p:spPr/>
+        <p:txBody>
+          <a:bodyPr/>
+          <a:lstStyle/>
+          <a:p>
+            <a:pPr algn="ctr">
+              <a:buNone/>
+            </a:pPr>
+            <a:endParaRPr lang="he-IL" dirty="0" smtClean="0">
+              <a:solidFill>
+                <a:srgbClr val="002060"/>
+              </a:solidFill>
+            </a:endParaRPr>
+          </a:p>
+          <a:p>
+            <a:pPr algn="ctr">
+              <a:buNone/>
+            </a:pPr>
+            <a:endParaRPr lang="he-IL" dirty="0" smtClean="0">
+              <a:solidFill>
+                <a:srgbClr val="002060"/>
+              </a:solidFill>
+            </a:endParaRPr>
+          </a:p>
+        </p:txBody>
+      </p:sp>
+      <p:pic>
+        <p:nvPicPr>
+          <p:cNvPr id="4" name="Picture 2" descr="C:\Users\bestb\Desktop\lotus\gameCreator\view\public\media\Appbackgound\logo.png"/>
+          <p:cNvPicPr>
+            <a:picLocks noChangeAspect="1" noChangeArrowheads="1"/>
+          </p:cNvPicPr>
+          <p:nvPr/>
+        </p:nvPicPr>
+        <p:blipFill>
+          <a:blip r:embed="rId2" cstate="print"/>
+          <a:srcRect/>
+          <a:stretch>
+            <a:fillRect/>
+          </a:stretch>
+        </p:blipFill>
+        <p:spPr bwMode="auto">
+          <a:xfrm>
+            <a:off x="609600" y="-457200"/>
+            <a:ext cx="8074025" cy="2560638"/>
+          </a:xfrm>
+          <a:prstGeom prst="rect">
+            <a:avLst/>
+          </a:prstGeom>
+          <a:noFill/>
+        </p:spPr>
+      </p:pic>
+      <p:sp>
+        <p:nvSpPr>
+          <p:cNvPr id="5" name="מלבן 4"/>
+          <p:cNvSpPr/>
+          <p:nvPr/>
+        </p:nvSpPr>
+        <p:spPr>
+          <a:xfrm>
+            <a:off x="1447800" y="1905000"/>
+            <a:ext cx="6248400" cy="4524315"/>
+          </a:xfrm>
+          <a:prstGeom prst="rect">
+            <a:avLst/>
+          </a:prstGeom>
+        </p:spPr>
+        <p:txBody>
+          <a:bodyPr wrap="square">
+            <a:spAutoFit/>
+          </a:bodyPr>
+          <a:lstStyle/>
+          <a:p>
+            <a:pPr algn="ctr"/>
+            <a:r>
+              <a:rPr lang="he-IL" sz="3600" dirty="0" smtClean="0">
+                <a:solidFill>
+                  <a:srgbClr val="002060"/>
+                </a:solidFill>
+                <a:latin typeface="Aharoni" pitchFamily="2" charset="-79"/>
+                <a:cs typeface="Aharoni" pitchFamily="2" charset="-79"/>
+              </a:rPr>
+              <a:t>המודל העסקי מתבטא במכירת תוכן נוסף כמו : </a:t>
+            </a:r>
+          </a:p>
+          <a:p>
+            <a:pPr algn="ctr"/>
+            <a:r>
+              <a:rPr lang="he-IL" sz="3600" dirty="0" smtClean="0">
+                <a:solidFill>
+                  <a:srgbClr val="002060"/>
+                </a:solidFill>
+                <a:latin typeface="Aharoni" pitchFamily="2" charset="-79"/>
+                <a:cs typeface="Aharoni" pitchFamily="2" charset="-79"/>
+              </a:rPr>
+              <a:t>קטגוריות </a:t>
+            </a:r>
+          </a:p>
+          <a:p>
+            <a:pPr algn="ctr"/>
+            <a:r>
+              <a:rPr lang="he-IL" sz="3600" dirty="0" smtClean="0">
+                <a:solidFill>
+                  <a:srgbClr val="002060"/>
+                </a:solidFill>
+                <a:latin typeface="Aharoni" pitchFamily="2" charset="-79"/>
+                <a:cs typeface="Aharoni" pitchFamily="2" charset="-79"/>
+              </a:rPr>
+              <a:t>דמויות </a:t>
+            </a:r>
+          </a:p>
+          <a:p>
+            <a:pPr algn="ctr"/>
+            <a:r>
+              <a:rPr lang="he-IL" sz="3600" dirty="0" smtClean="0">
+                <a:solidFill>
+                  <a:srgbClr val="002060"/>
+                </a:solidFill>
+                <a:latin typeface="Aharoni" pitchFamily="2" charset="-79"/>
+                <a:cs typeface="Aharoni" pitchFamily="2" charset="-79"/>
+              </a:rPr>
+              <a:t>ומשחקים בנויים </a:t>
+            </a:r>
+          </a:p>
+          <a:p>
+            <a:pPr algn="ctr"/>
+            <a:endParaRPr lang="he-IL" sz="3600" dirty="0" smtClean="0">
+              <a:solidFill>
+                <a:srgbClr val="002060"/>
+              </a:solidFill>
+              <a:latin typeface="Aharoni" pitchFamily="2" charset="-79"/>
+              <a:cs typeface="Aharoni" pitchFamily="2" charset="-79"/>
+            </a:endParaRPr>
+          </a:p>
+          <a:p>
+            <a:pPr algn="ctr"/>
+            <a:r>
+              <a:rPr lang="he-IL" sz="3600" dirty="0" smtClean="0">
+                <a:solidFill>
+                  <a:srgbClr val="002060"/>
+                </a:solidFill>
+                <a:latin typeface="Aharoni" pitchFamily="2" charset="-79"/>
+                <a:cs typeface="Aharoni" pitchFamily="2" charset="-79"/>
+              </a:rPr>
+              <a:t>כדי להעצים את החוויה האישית של המשתמש </a:t>
+            </a:r>
+          </a:p>
+        </p:txBody>
+      </p:sp>
+    </p:spTree>
+  </p:cSld>
+  <p:clrMapOvr>
+    <a:masterClrMapping/>
+  </p:clrMapOvr>
 </p:sld>
 </file>
 

--- a/Documents/Presentation.pptx
+++ b/Documents/Presentation.pptx
@@ -6,8 +6,8 @@
   </p:sldMasterIdLst>
   <p:sldIdLst>
     <p:sldId id="256" r:id="rId2"/>
-    <p:sldId id="257" r:id="rId3"/>
-    <p:sldId id="258" r:id="rId4"/>
+    <p:sldId id="258" r:id="rId3"/>
+    <p:sldId id="257" r:id="rId4"/>
     <p:sldId id="259" r:id="rId5"/>
     <p:sldId id="260" r:id="rId6"/>
   </p:sldIdLst>
@@ -293,7 +293,7 @@
             <a:fld id="{501FE48C-6519-4B61-962B-C11787253B8E}" type="datetimeFigureOut">
               <a:rPr lang="he-IL" smtClean="0"/>
               <a:pPr/>
-              <a:t>כ"ה/אייר/תשפ"ד</a:t>
+              <a:t>כ"ז/סיון/תשפ"ד</a:t>
             </a:fld>
             <a:endParaRPr lang="he-IL"/>
           </a:p>
@@ -460,7 +460,7 @@
             <a:fld id="{501FE48C-6519-4B61-962B-C11787253B8E}" type="datetimeFigureOut">
               <a:rPr lang="he-IL" smtClean="0"/>
               <a:pPr/>
-              <a:t>כ"ה/אייר/תשפ"ד</a:t>
+              <a:t>כ"ז/סיון/תשפ"ד</a:t>
             </a:fld>
             <a:endParaRPr lang="he-IL"/>
           </a:p>
@@ -637,7 +637,7 @@
             <a:fld id="{501FE48C-6519-4B61-962B-C11787253B8E}" type="datetimeFigureOut">
               <a:rPr lang="he-IL" smtClean="0"/>
               <a:pPr/>
-              <a:t>כ"ה/אייר/תשפ"ד</a:t>
+              <a:t>כ"ז/סיון/תשפ"ד</a:t>
             </a:fld>
             <a:endParaRPr lang="he-IL"/>
           </a:p>
@@ -804,7 +804,7 @@
             <a:fld id="{501FE48C-6519-4B61-962B-C11787253B8E}" type="datetimeFigureOut">
               <a:rPr lang="he-IL" smtClean="0"/>
               <a:pPr/>
-              <a:t>כ"ה/אייר/תשפ"ד</a:t>
+              <a:t>כ"ז/סיון/תשפ"ד</a:t>
             </a:fld>
             <a:endParaRPr lang="he-IL"/>
           </a:p>
@@ -1047,7 +1047,7 @@
             <a:fld id="{501FE48C-6519-4B61-962B-C11787253B8E}" type="datetimeFigureOut">
               <a:rPr lang="he-IL" smtClean="0"/>
               <a:pPr/>
-              <a:t>כ"ה/אייר/תשפ"ד</a:t>
+              <a:t>כ"ז/סיון/תשפ"ד</a:t>
             </a:fld>
             <a:endParaRPr lang="he-IL"/>
           </a:p>
@@ -1332,7 +1332,7 @@
             <a:fld id="{501FE48C-6519-4B61-962B-C11787253B8E}" type="datetimeFigureOut">
               <a:rPr lang="he-IL" smtClean="0"/>
               <a:pPr/>
-              <a:t>כ"ה/אייר/תשפ"ד</a:t>
+              <a:t>כ"ז/סיון/תשפ"ד</a:t>
             </a:fld>
             <a:endParaRPr lang="he-IL"/>
           </a:p>
@@ -1751,7 +1751,7 @@
             <a:fld id="{501FE48C-6519-4B61-962B-C11787253B8E}" type="datetimeFigureOut">
               <a:rPr lang="he-IL" smtClean="0"/>
               <a:pPr/>
-              <a:t>כ"ה/אייר/תשפ"ד</a:t>
+              <a:t>כ"ז/סיון/תשפ"ד</a:t>
             </a:fld>
             <a:endParaRPr lang="he-IL"/>
           </a:p>
@@ -1866,7 +1866,7 @@
             <a:fld id="{501FE48C-6519-4B61-962B-C11787253B8E}" type="datetimeFigureOut">
               <a:rPr lang="he-IL" smtClean="0"/>
               <a:pPr/>
-              <a:t>כ"ה/אייר/תשפ"ד</a:t>
+              <a:t>כ"ז/סיון/תשפ"ד</a:t>
             </a:fld>
             <a:endParaRPr lang="he-IL"/>
           </a:p>
@@ -1958,7 +1958,7 @@
             <a:fld id="{501FE48C-6519-4B61-962B-C11787253B8E}" type="datetimeFigureOut">
               <a:rPr lang="he-IL" smtClean="0"/>
               <a:pPr/>
-              <a:t>כ"ה/אייר/תשפ"ד</a:t>
+              <a:t>כ"ז/סיון/תשפ"ד</a:t>
             </a:fld>
             <a:endParaRPr lang="he-IL"/>
           </a:p>
@@ -2232,7 +2232,7 @@
             <a:fld id="{501FE48C-6519-4B61-962B-C11787253B8E}" type="datetimeFigureOut">
               <a:rPr lang="he-IL" smtClean="0"/>
               <a:pPr/>
-              <a:t>כ"ה/אייר/תשפ"ד</a:t>
+              <a:t>כ"ז/סיון/תשפ"ד</a:t>
             </a:fld>
             <a:endParaRPr lang="he-IL"/>
           </a:p>
@@ -2482,7 +2482,7 @@
             <a:fld id="{501FE48C-6519-4B61-962B-C11787253B8E}" type="datetimeFigureOut">
               <a:rPr lang="he-IL" smtClean="0"/>
               <a:pPr/>
-              <a:t>כ"ה/אייר/תשפ"ד</a:t>
+              <a:t>כ"ז/סיון/תשפ"ד</a:t>
             </a:fld>
             <a:endParaRPr lang="he-IL"/>
           </a:p>
@@ -2692,7 +2692,7 @@
             <a:fld id="{501FE48C-6519-4B61-962B-C11787253B8E}" type="datetimeFigureOut">
               <a:rPr lang="he-IL" smtClean="0"/>
               <a:pPr/>
-              <a:t>כ"ה/אייר/תשפ"ד</a:t>
+              <a:t>כ"ז/סיון/תשפ"ד</a:t>
             </a:fld>
             <a:endParaRPr lang="he-IL"/>
           </a:p>
@@ -3218,6 +3218,433 @@
           <a:chExt cx="0" cy="0"/>
         </a:xfrm>
       </p:grpSpPr>
+      <p:sp>
+        <p:nvSpPr>
+          <p:cNvPr id="15366" name="AutoShape 6" descr="C:\Users\bestb\Desktop\lotus\logo.webp"/>
+          <p:cNvSpPr>
+            <a:spLocks noChangeAspect="1" noChangeArrowheads="1"/>
+          </p:cNvSpPr>
+          <p:nvPr/>
+        </p:nvSpPr>
+        <p:spPr bwMode="auto">
+          <a:xfrm>
+            <a:off x="8923338" y="-144463"/>
+            <a:ext cx="304800" cy="304801"/>
+          </a:xfrm>
+          <a:prstGeom prst="rect">
+            <a:avLst/>
+          </a:prstGeom>
+          <a:noFill/>
+        </p:spPr>
+        <p:txBody>
+          <a:bodyPr vert="horz" wrap="square" lIns="91440" tIns="45720" rIns="91440" bIns="45720" numCol="1" anchor="t" anchorCtr="0" compatLnSpc="1">
+            <a:prstTxWarp prst="textNoShape">
+              <a:avLst/>
+            </a:prstTxWarp>
+          </a:bodyPr>
+          <a:lstStyle/>
+          <a:p>
+            <a:endParaRPr lang="he-IL"/>
+          </a:p>
+        </p:txBody>
+      </p:sp>
+      <p:sp>
+        <p:nvSpPr>
+          <p:cNvPr id="15368" name="AutoShape 8" descr="C:\Users\bestb\Desktop\lotus\logo.webp"/>
+          <p:cNvSpPr>
+            <a:spLocks noChangeAspect="1" noChangeArrowheads="1"/>
+          </p:cNvSpPr>
+          <p:nvPr/>
+        </p:nvSpPr>
+        <p:spPr bwMode="auto">
+          <a:xfrm>
+            <a:off x="8923338" y="-144463"/>
+            <a:ext cx="304800" cy="304801"/>
+          </a:xfrm>
+          <a:prstGeom prst="rect">
+            <a:avLst/>
+          </a:prstGeom>
+          <a:noFill/>
+        </p:spPr>
+        <p:txBody>
+          <a:bodyPr vert="horz" wrap="square" lIns="91440" tIns="45720" rIns="91440" bIns="45720" numCol="1" anchor="t" anchorCtr="0" compatLnSpc="1">
+            <a:prstTxWarp prst="textNoShape">
+              <a:avLst/>
+            </a:prstTxWarp>
+          </a:bodyPr>
+          <a:lstStyle/>
+          <a:p>
+            <a:endParaRPr lang="he-IL"/>
+          </a:p>
+        </p:txBody>
+      </p:sp>
+      <p:sp>
+        <p:nvSpPr>
+          <p:cNvPr id="15370" name="AutoShape 10" descr="C:\Users\bestb\Desktop\lotus\logo.webp"/>
+          <p:cNvSpPr>
+            <a:spLocks noChangeAspect="1" noChangeArrowheads="1"/>
+          </p:cNvSpPr>
+          <p:nvPr/>
+        </p:nvSpPr>
+        <p:spPr bwMode="auto">
+          <a:xfrm>
+            <a:off x="8923338" y="-144463"/>
+            <a:ext cx="304800" cy="304801"/>
+          </a:xfrm>
+          <a:prstGeom prst="rect">
+            <a:avLst/>
+          </a:prstGeom>
+          <a:noFill/>
+        </p:spPr>
+        <p:txBody>
+          <a:bodyPr vert="horz" wrap="square" lIns="91440" tIns="45720" rIns="91440" bIns="45720" numCol="1" anchor="t" anchorCtr="0" compatLnSpc="1">
+            <a:prstTxWarp prst="textNoShape">
+              <a:avLst/>
+            </a:prstTxWarp>
+          </a:bodyPr>
+          <a:lstStyle/>
+          <a:p>
+            <a:endParaRPr lang="he-IL"/>
+          </a:p>
+        </p:txBody>
+      </p:sp>
+      <p:sp>
+        <p:nvSpPr>
+          <p:cNvPr id="20" name="כותרת משנה 2"/>
+          <p:cNvSpPr txBox="1">
+            <a:spLocks/>
+          </p:cNvSpPr>
+          <p:nvPr/>
+        </p:nvSpPr>
+        <p:spPr>
+          <a:xfrm>
+            <a:off x="3124200" y="533400"/>
+            <a:ext cx="2514600" cy="1143000"/>
+          </a:xfrm>
+          <a:prstGeom prst="rect">
+            <a:avLst/>
+          </a:prstGeom>
+        </p:spPr>
+        <p:txBody>
+          <a:bodyPr vert="horz" lIns="91440" tIns="45720" rIns="91440" bIns="45720" rtlCol="1">
+            <a:normAutofit/>
+          </a:bodyPr>
+          <a:lstStyle/>
+          <a:p>
+            <a:pPr marL="342900" marR="0" lvl="0" indent="-342900" algn="ctr" defTabSz="914400" rtl="1" eaLnBrk="1" fontAlgn="auto" latinLnBrk="0" hangingPunct="1">
+              <a:lnSpc>
+                <a:spcPct val="100000"/>
+              </a:lnSpc>
+              <a:spcBef>
+                <a:spcPct val="20000"/>
+              </a:spcBef>
+              <a:spcAft>
+                <a:spcPts val="0"/>
+              </a:spcAft>
+              <a:buClrTx/>
+              <a:buSzTx/>
+              <a:tabLst/>
+              <a:defRPr/>
+            </a:pPr>
+            <a:r>
+              <a:rPr lang="he-IL" sz="4000" noProof="0" dirty="0" smtClean="0">
+                <a:solidFill>
+                  <a:schemeClr val="tx1">
+                    <a:lumMod val="95000"/>
+                    <a:lumOff val="5000"/>
+                  </a:schemeClr>
+                </a:solidFill>
+                <a:latin typeface="Aharoni" pitchFamily="2" charset="-79"/>
+                <a:cs typeface="Aharoni" pitchFamily="2" charset="-79"/>
+              </a:rPr>
+              <a:t>הפרויקט שלי </a:t>
+            </a:r>
+            <a:endParaRPr kumimoji="0" lang="he-IL" sz="4000" b="0" i="0" u="none" strike="noStrike" kern="1200" cap="none" spc="0" normalizeH="0" baseline="0" noProof="0" dirty="0" smtClean="0">
+              <a:ln>
+                <a:noFill/>
+              </a:ln>
+              <a:solidFill>
+                <a:schemeClr val="tx1">
+                  <a:lumMod val="95000"/>
+                  <a:lumOff val="5000"/>
+                </a:schemeClr>
+              </a:solidFill>
+              <a:effectLst/>
+              <a:uLnTx/>
+              <a:uFillTx/>
+              <a:latin typeface="Aharoni" pitchFamily="2" charset="-79"/>
+              <a:ea typeface="+mn-ea"/>
+              <a:cs typeface="Aharoni" pitchFamily="2" charset="-79"/>
+            </a:endParaRPr>
+          </a:p>
+          <a:p>
+            <a:pPr marL="342900" marR="0" lvl="0" indent="-342900" algn="r" defTabSz="914400" rtl="1" eaLnBrk="1" fontAlgn="auto" latinLnBrk="0" hangingPunct="1">
+              <a:lnSpc>
+                <a:spcPct val="100000"/>
+              </a:lnSpc>
+              <a:spcBef>
+                <a:spcPct val="20000"/>
+              </a:spcBef>
+              <a:spcAft>
+                <a:spcPts val="0"/>
+              </a:spcAft>
+              <a:buClrTx/>
+              <a:buSzTx/>
+              <a:buFont typeface="Arial" pitchFamily="34" charset="0"/>
+              <a:buChar char="•"/>
+              <a:tabLst/>
+              <a:defRPr/>
+            </a:pPr>
+            <a:endParaRPr kumimoji="0" lang="he-IL" sz="4000" b="0" i="0" u="none" strike="noStrike" kern="1200" cap="none" spc="0" normalizeH="0" baseline="0" noProof="0" dirty="0" smtClean="0">
+              <a:ln>
+                <a:noFill/>
+              </a:ln>
+              <a:solidFill>
+                <a:schemeClr val="tx1">
+                  <a:lumMod val="95000"/>
+                  <a:lumOff val="5000"/>
+                </a:schemeClr>
+              </a:solidFill>
+              <a:effectLst/>
+              <a:uLnTx/>
+              <a:uFillTx/>
+              <a:latin typeface="Aharoni" pitchFamily="2" charset="-79"/>
+              <a:ea typeface="+mn-ea"/>
+              <a:cs typeface="Aharoni" pitchFamily="2" charset="-79"/>
+            </a:endParaRPr>
+          </a:p>
+        </p:txBody>
+      </p:sp>
+      <p:sp>
+        <p:nvSpPr>
+          <p:cNvPr id="21" name="כותרת משנה 2"/>
+          <p:cNvSpPr txBox="1">
+            <a:spLocks/>
+          </p:cNvSpPr>
+          <p:nvPr/>
+        </p:nvSpPr>
+        <p:spPr>
+          <a:xfrm>
+            <a:off x="1828800" y="3200400"/>
+            <a:ext cx="5638800" cy="3048000"/>
+          </a:xfrm>
+          <a:prstGeom prst="rect">
+            <a:avLst/>
+          </a:prstGeom>
+        </p:spPr>
+        <p:txBody>
+          <a:bodyPr vert="horz" lIns="91440" tIns="45720" rIns="91440" bIns="45720" rtlCol="1">
+            <a:normAutofit/>
+          </a:bodyPr>
+          <a:lstStyle/>
+          <a:p>
+            <a:pPr marL="342900" marR="0" lvl="0" indent="-342900" algn="ctr" defTabSz="914400" rtl="1" eaLnBrk="1" fontAlgn="auto" latinLnBrk="0" hangingPunct="1">
+              <a:lnSpc>
+                <a:spcPct val="100000"/>
+              </a:lnSpc>
+              <a:spcBef>
+                <a:spcPct val="20000"/>
+              </a:spcBef>
+              <a:spcAft>
+                <a:spcPts val="0"/>
+              </a:spcAft>
+              <a:buClrTx/>
+              <a:buSzTx/>
+              <a:tabLst/>
+              <a:defRPr/>
+            </a:pPr>
+            <a:r>
+              <a:rPr lang="he-IL" sz="4000" dirty="0" smtClean="0">
+                <a:solidFill>
+                  <a:srgbClr val="002060"/>
+                </a:solidFill>
+                <a:latin typeface="Aharoni" pitchFamily="2" charset="-79"/>
+                <a:cs typeface="Aharoni" pitchFamily="2" charset="-79"/>
+              </a:rPr>
+              <a:t>פלטפורמה ליצירת</a:t>
+            </a:r>
+            <a:endParaRPr lang="en-US" sz="4000" dirty="0" smtClean="0">
+              <a:solidFill>
+                <a:srgbClr val="002060"/>
+              </a:solidFill>
+              <a:latin typeface="Aharoni" pitchFamily="2" charset="-79"/>
+              <a:cs typeface="Aharoni" pitchFamily="2" charset="-79"/>
+            </a:endParaRPr>
+          </a:p>
+          <a:p>
+            <a:pPr marL="342900" marR="0" lvl="0" indent="-342900" algn="ctr" defTabSz="914400" rtl="1" eaLnBrk="1" fontAlgn="auto" latinLnBrk="0" hangingPunct="1">
+              <a:lnSpc>
+                <a:spcPct val="100000"/>
+              </a:lnSpc>
+              <a:spcBef>
+                <a:spcPct val="20000"/>
+              </a:spcBef>
+              <a:spcAft>
+                <a:spcPts val="0"/>
+              </a:spcAft>
+              <a:buClrTx/>
+              <a:buSzTx/>
+              <a:tabLst/>
+              <a:defRPr/>
+            </a:pPr>
+            <a:r>
+              <a:rPr lang="he-IL" sz="4000" dirty="0" smtClean="0">
+                <a:solidFill>
+                  <a:srgbClr val="002060"/>
+                </a:solidFill>
+                <a:latin typeface="Aharoni" pitchFamily="2" charset="-79"/>
+                <a:cs typeface="Aharoni" pitchFamily="2" charset="-79"/>
+              </a:rPr>
+              <a:t> משחקים</a:t>
+            </a:r>
+          </a:p>
+          <a:p>
+            <a:pPr marL="342900" marR="0" lvl="0" indent="-342900" algn="ctr" defTabSz="914400" rtl="1" eaLnBrk="1" fontAlgn="auto" latinLnBrk="0" hangingPunct="1">
+              <a:lnSpc>
+                <a:spcPct val="100000"/>
+              </a:lnSpc>
+              <a:spcBef>
+                <a:spcPct val="20000"/>
+              </a:spcBef>
+              <a:spcAft>
+                <a:spcPts val="0"/>
+              </a:spcAft>
+              <a:buClrTx/>
+              <a:buSzTx/>
+              <a:tabLst/>
+              <a:defRPr/>
+            </a:pPr>
+            <a:r>
+              <a:rPr lang="he-IL" sz="4000" dirty="0" smtClean="0">
+                <a:solidFill>
+                  <a:srgbClr val="002060"/>
+                </a:solidFill>
+                <a:latin typeface="Aharoni" pitchFamily="2" charset="-79"/>
+                <a:cs typeface="Aharoni" pitchFamily="2" charset="-79"/>
+              </a:rPr>
+              <a:t>לילדים בגיל 6 עד 10 </a:t>
+            </a:r>
+            <a:r>
+              <a:rPr lang="he-IL" sz="4000" noProof="0" dirty="0" smtClean="0">
+                <a:solidFill>
+                  <a:srgbClr val="002060"/>
+                </a:solidFill>
+                <a:latin typeface="Aharoni" pitchFamily="2" charset="-79"/>
+                <a:cs typeface="Aharoni" pitchFamily="2" charset="-79"/>
+              </a:rPr>
+              <a:t> </a:t>
+            </a:r>
+            <a:endParaRPr kumimoji="0" lang="he-IL" sz="4000" b="0" i="0" u="none" strike="noStrike" kern="1200" cap="none" spc="0" normalizeH="0" baseline="0" noProof="0" dirty="0" smtClean="0">
+              <a:ln>
+                <a:noFill/>
+              </a:ln>
+              <a:solidFill>
+                <a:srgbClr val="002060"/>
+              </a:solidFill>
+              <a:effectLst/>
+              <a:uLnTx/>
+              <a:uFillTx/>
+              <a:latin typeface="Aharoni" pitchFamily="2" charset="-79"/>
+              <a:ea typeface="+mn-ea"/>
+              <a:cs typeface="Aharoni" pitchFamily="2" charset="-79"/>
+            </a:endParaRPr>
+          </a:p>
+          <a:p>
+            <a:pPr marL="342900" marR="0" lvl="0" indent="-342900" algn="r" defTabSz="914400" rtl="1" eaLnBrk="1" fontAlgn="auto" latinLnBrk="0" hangingPunct="1">
+              <a:lnSpc>
+                <a:spcPct val="100000"/>
+              </a:lnSpc>
+              <a:spcBef>
+                <a:spcPct val="20000"/>
+              </a:spcBef>
+              <a:spcAft>
+                <a:spcPts val="0"/>
+              </a:spcAft>
+              <a:buClrTx/>
+              <a:buSzTx/>
+              <a:buFont typeface="Arial" pitchFamily="34" charset="0"/>
+              <a:buChar char="•"/>
+              <a:tabLst/>
+              <a:defRPr/>
+            </a:pPr>
+            <a:endParaRPr kumimoji="0" lang="he-IL" sz="4000" b="0" i="0" u="none" strike="noStrike" kern="1200" cap="none" spc="0" normalizeH="0" baseline="0" noProof="0" dirty="0" smtClean="0">
+              <a:ln>
+                <a:noFill/>
+              </a:ln>
+              <a:solidFill>
+                <a:schemeClr val="tx1">
+                  <a:lumMod val="95000"/>
+                  <a:lumOff val="5000"/>
+                </a:schemeClr>
+              </a:solidFill>
+              <a:effectLst/>
+              <a:uLnTx/>
+              <a:uFillTx/>
+              <a:latin typeface="Aharoni" pitchFamily="2" charset="-79"/>
+              <a:ea typeface="+mn-ea"/>
+              <a:cs typeface="Aharoni" pitchFamily="2" charset="-79"/>
+            </a:endParaRPr>
+          </a:p>
+        </p:txBody>
+      </p:sp>
+      <p:pic>
+        <p:nvPicPr>
+          <p:cNvPr id="1026" name="Picture 2" descr="C:\Users\bestb\Desktop\lotus\gameCreator\view\public\media\Appbackgound\logo.png"/>
+          <p:cNvPicPr>
+            <a:picLocks noChangeAspect="1" noChangeArrowheads="1"/>
+          </p:cNvPicPr>
+          <p:nvPr/>
+        </p:nvPicPr>
+        <p:blipFill>
+          <a:blip r:embed="rId2" cstate="print"/>
+          <a:srcRect/>
+          <a:stretch>
+            <a:fillRect/>
+          </a:stretch>
+        </p:blipFill>
+        <p:spPr bwMode="auto">
+          <a:xfrm>
+            <a:off x="381000" y="609600"/>
+            <a:ext cx="8074025" cy="2560638"/>
+          </a:xfrm>
+          <a:prstGeom prst="rect">
+            <a:avLst/>
+          </a:prstGeom>
+          <a:noFill/>
+        </p:spPr>
+      </p:pic>
+    </p:spTree>
+  </p:cSld>
+  <p:clrMapOvr>
+    <a:masterClrMapping/>
+  </p:clrMapOvr>
+  <p:timing>
+    <p:tnLst>
+      <p:par>
+        <p:cTn id="1" dur="indefinite" restart="never" nodeType="tmRoot"/>
+      </p:par>
+    </p:tnLst>
+  </p:timing>
+</p:sld>
+</file>
+
+<file path=ppt/slides/slide3.xml><?xml version="1.0" encoding="utf-8"?>
+<p:sld xmlns:a="http://schemas.openxmlformats.org/drawingml/2006/main" xmlns:r="http://schemas.openxmlformats.org/officeDocument/2006/relationships" xmlns:p="http://schemas.openxmlformats.org/presentationml/2006/main">
+  <p:cSld>
+    <p:spTree>
+      <p:nvGrpSpPr>
+        <p:cNvPr id="1" name=""/>
+        <p:cNvGrpSpPr/>
+        <p:nvPr/>
+      </p:nvGrpSpPr>
+      <p:grpSpPr>
+        <a:xfrm>
+          <a:off x="0" y="0"/>
+          <a:ext cx="0" cy="0"/>
+          <a:chOff x="0" y="0"/>
+          <a:chExt cx="0" cy="0"/>
+        </a:xfrm>
+      </p:grpSpPr>
       <p:pic>
         <p:nvPicPr>
           <p:cNvPr id="2050" name="Picture 2" descr="C:\Users\bestb\Desktop\lotus\אורט.png"/>
@@ -3513,433 +3940,6 @@
 </p:sld>
 </file>
 
-<file path=ppt/slides/slide3.xml><?xml version="1.0" encoding="utf-8"?>
-<p:sld xmlns:a="http://schemas.openxmlformats.org/drawingml/2006/main" xmlns:r="http://schemas.openxmlformats.org/officeDocument/2006/relationships" xmlns:p="http://schemas.openxmlformats.org/presentationml/2006/main">
-  <p:cSld>
-    <p:spTree>
-      <p:nvGrpSpPr>
-        <p:cNvPr id="1" name=""/>
-        <p:cNvGrpSpPr/>
-        <p:nvPr/>
-      </p:nvGrpSpPr>
-      <p:grpSpPr>
-        <a:xfrm>
-          <a:off x="0" y="0"/>
-          <a:ext cx="0" cy="0"/>
-          <a:chOff x="0" y="0"/>
-          <a:chExt cx="0" cy="0"/>
-        </a:xfrm>
-      </p:grpSpPr>
-      <p:sp>
-        <p:nvSpPr>
-          <p:cNvPr id="15366" name="AutoShape 6" descr="C:\Users\bestb\Desktop\lotus\logo.webp"/>
-          <p:cNvSpPr>
-            <a:spLocks noChangeAspect="1" noChangeArrowheads="1"/>
-          </p:cNvSpPr>
-          <p:nvPr/>
-        </p:nvSpPr>
-        <p:spPr bwMode="auto">
-          <a:xfrm>
-            <a:off x="8923338" y="-144463"/>
-            <a:ext cx="304800" cy="304801"/>
-          </a:xfrm>
-          <a:prstGeom prst="rect">
-            <a:avLst/>
-          </a:prstGeom>
-          <a:noFill/>
-        </p:spPr>
-        <p:txBody>
-          <a:bodyPr vert="horz" wrap="square" lIns="91440" tIns="45720" rIns="91440" bIns="45720" numCol="1" anchor="t" anchorCtr="0" compatLnSpc="1">
-            <a:prstTxWarp prst="textNoShape">
-              <a:avLst/>
-            </a:prstTxWarp>
-          </a:bodyPr>
-          <a:lstStyle/>
-          <a:p>
-            <a:endParaRPr lang="he-IL"/>
-          </a:p>
-        </p:txBody>
-      </p:sp>
-      <p:sp>
-        <p:nvSpPr>
-          <p:cNvPr id="15368" name="AutoShape 8" descr="C:\Users\bestb\Desktop\lotus\logo.webp"/>
-          <p:cNvSpPr>
-            <a:spLocks noChangeAspect="1" noChangeArrowheads="1"/>
-          </p:cNvSpPr>
-          <p:nvPr/>
-        </p:nvSpPr>
-        <p:spPr bwMode="auto">
-          <a:xfrm>
-            <a:off x="8923338" y="-144463"/>
-            <a:ext cx="304800" cy="304801"/>
-          </a:xfrm>
-          <a:prstGeom prst="rect">
-            <a:avLst/>
-          </a:prstGeom>
-          <a:noFill/>
-        </p:spPr>
-        <p:txBody>
-          <a:bodyPr vert="horz" wrap="square" lIns="91440" tIns="45720" rIns="91440" bIns="45720" numCol="1" anchor="t" anchorCtr="0" compatLnSpc="1">
-            <a:prstTxWarp prst="textNoShape">
-              <a:avLst/>
-            </a:prstTxWarp>
-          </a:bodyPr>
-          <a:lstStyle/>
-          <a:p>
-            <a:endParaRPr lang="he-IL"/>
-          </a:p>
-        </p:txBody>
-      </p:sp>
-      <p:sp>
-        <p:nvSpPr>
-          <p:cNvPr id="15370" name="AutoShape 10" descr="C:\Users\bestb\Desktop\lotus\logo.webp"/>
-          <p:cNvSpPr>
-            <a:spLocks noChangeAspect="1" noChangeArrowheads="1"/>
-          </p:cNvSpPr>
-          <p:nvPr/>
-        </p:nvSpPr>
-        <p:spPr bwMode="auto">
-          <a:xfrm>
-            <a:off x="8923338" y="-144463"/>
-            <a:ext cx="304800" cy="304801"/>
-          </a:xfrm>
-          <a:prstGeom prst="rect">
-            <a:avLst/>
-          </a:prstGeom>
-          <a:noFill/>
-        </p:spPr>
-        <p:txBody>
-          <a:bodyPr vert="horz" wrap="square" lIns="91440" tIns="45720" rIns="91440" bIns="45720" numCol="1" anchor="t" anchorCtr="0" compatLnSpc="1">
-            <a:prstTxWarp prst="textNoShape">
-              <a:avLst/>
-            </a:prstTxWarp>
-          </a:bodyPr>
-          <a:lstStyle/>
-          <a:p>
-            <a:endParaRPr lang="he-IL"/>
-          </a:p>
-        </p:txBody>
-      </p:sp>
-      <p:sp>
-        <p:nvSpPr>
-          <p:cNvPr id="20" name="כותרת משנה 2"/>
-          <p:cNvSpPr txBox="1">
-            <a:spLocks/>
-          </p:cNvSpPr>
-          <p:nvPr/>
-        </p:nvSpPr>
-        <p:spPr>
-          <a:xfrm>
-            <a:off x="3124200" y="533400"/>
-            <a:ext cx="2514600" cy="1143000"/>
-          </a:xfrm>
-          <a:prstGeom prst="rect">
-            <a:avLst/>
-          </a:prstGeom>
-        </p:spPr>
-        <p:txBody>
-          <a:bodyPr vert="horz" lIns="91440" tIns="45720" rIns="91440" bIns="45720" rtlCol="1">
-            <a:normAutofit/>
-          </a:bodyPr>
-          <a:lstStyle/>
-          <a:p>
-            <a:pPr marL="342900" marR="0" lvl="0" indent="-342900" algn="ctr" defTabSz="914400" rtl="1" eaLnBrk="1" fontAlgn="auto" latinLnBrk="0" hangingPunct="1">
-              <a:lnSpc>
-                <a:spcPct val="100000"/>
-              </a:lnSpc>
-              <a:spcBef>
-                <a:spcPct val="20000"/>
-              </a:spcBef>
-              <a:spcAft>
-                <a:spcPts val="0"/>
-              </a:spcAft>
-              <a:buClrTx/>
-              <a:buSzTx/>
-              <a:tabLst/>
-              <a:defRPr/>
-            </a:pPr>
-            <a:r>
-              <a:rPr lang="he-IL" sz="4000" noProof="0" dirty="0" smtClean="0">
-                <a:solidFill>
-                  <a:schemeClr val="tx1">
-                    <a:lumMod val="95000"/>
-                    <a:lumOff val="5000"/>
-                  </a:schemeClr>
-                </a:solidFill>
-                <a:latin typeface="Aharoni" pitchFamily="2" charset="-79"/>
-                <a:cs typeface="Aharoni" pitchFamily="2" charset="-79"/>
-              </a:rPr>
-              <a:t>הפרויקט שלי </a:t>
-            </a:r>
-            <a:endParaRPr kumimoji="0" lang="he-IL" sz="4000" b="0" i="0" u="none" strike="noStrike" kern="1200" cap="none" spc="0" normalizeH="0" baseline="0" noProof="0" dirty="0" smtClean="0">
-              <a:ln>
-                <a:noFill/>
-              </a:ln>
-              <a:solidFill>
-                <a:schemeClr val="tx1">
-                  <a:lumMod val="95000"/>
-                  <a:lumOff val="5000"/>
-                </a:schemeClr>
-              </a:solidFill>
-              <a:effectLst/>
-              <a:uLnTx/>
-              <a:uFillTx/>
-              <a:latin typeface="Aharoni" pitchFamily="2" charset="-79"/>
-              <a:ea typeface="+mn-ea"/>
-              <a:cs typeface="Aharoni" pitchFamily="2" charset="-79"/>
-            </a:endParaRPr>
-          </a:p>
-          <a:p>
-            <a:pPr marL="342900" marR="0" lvl="0" indent="-342900" algn="r" defTabSz="914400" rtl="1" eaLnBrk="1" fontAlgn="auto" latinLnBrk="0" hangingPunct="1">
-              <a:lnSpc>
-                <a:spcPct val="100000"/>
-              </a:lnSpc>
-              <a:spcBef>
-                <a:spcPct val="20000"/>
-              </a:spcBef>
-              <a:spcAft>
-                <a:spcPts val="0"/>
-              </a:spcAft>
-              <a:buClrTx/>
-              <a:buSzTx/>
-              <a:buFont typeface="Arial" pitchFamily="34" charset="0"/>
-              <a:buChar char="•"/>
-              <a:tabLst/>
-              <a:defRPr/>
-            </a:pPr>
-            <a:endParaRPr kumimoji="0" lang="he-IL" sz="4000" b="0" i="0" u="none" strike="noStrike" kern="1200" cap="none" spc="0" normalizeH="0" baseline="0" noProof="0" dirty="0" smtClean="0">
-              <a:ln>
-                <a:noFill/>
-              </a:ln>
-              <a:solidFill>
-                <a:schemeClr val="tx1">
-                  <a:lumMod val="95000"/>
-                  <a:lumOff val="5000"/>
-                </a:schemeClr>
-              </a:solidFill>
-              <a:effectLst/>
-              <a:uLnTx/>
-              <a:uFillTx/>
-              <a:latin typeface="Aharoni" pitchFamily="2" charset="-79"/>
-              <a:ea typeface="+mn-ea"/>
-              <a:cs typeface="Aharoni" pitchFamily="2" charset="-79"/>
-            </a:endParaRPr>
-          </a:p>
-        </p:txBody>
-      </p:sp>
-      <p:sp>
-        <p:nvSpPr>
-          <p:cNvPr id="21" name="כותרת משנה 2"/>
-          <p:cNvSpPr txBox="1">
-            <a:spLocks/>
-          </p:cNvSpPr>
-          <p:nvPr/>
-        </p:nvSpPr>
-        <p:spPr>
-          <a:xfrm>
-            <a:off x="1828800" y="3200400"/>
-            <a:ext cx="5638800" cy="3048000"/>
-          </a:xfrm>
-          <a:prstGeom prst="rect">
-            <a:avLst/>
-          </a:prstGeom>
-        </p:spPr>
-        <p:txBody>
-          <a:bodyPr vert="horz" lIns="91440" tIns="45720" rIns="91440" bIns="45720" rtlCol="1">
-            <a:normAutofit/>
-          </a:bodyPr>
-          <a:lstStyle/>
-          <a:p>
-            <a:pPr marL="342900" marR="0" lvl="0" indent="-342900" algn="ctr" defTabSz="914400" rtl="1" eaLnBrk="1" fontAlgn="auto" latinLnBrk="0" hangingPunct="1">
-              <a:lnSpc>
-                <a:spcPct val="100000"/>
-              </a:lnSpc>
-              <a:spcBef>
-                <a:spcPct val="20000"/>
-              </a:spcBef>
-              <a:spcAft>
-                <a:spcPts val="0"/>
-              </a:spcAft>
-              <a:buClrTx/>
-              <a:buSzTx/>
-              <a:tabLst/>
-              <a:defRPr/>
-            </a:pPr>
-            <a:r>
-              <a:rPr lang="he-IL" sz="4000" dirty="0" smtClean="0">
-                <a:solidFill>
-                  <a:srgbClr val="002060"/>
-                </a:solidFill>
-                <a:latin typeface="Aharoni" pitchFamily="2" charset="-79"/>
-                <a:cs typeface="Aharoni" pitchFamily="2" charset="-79"/>
-              </a:rPr>
-              <a:t>פלטפורמה ליצירת</a:t>
-            </a:r>
-            <a:endParaRPr lang="en-US" sz="4000" dirty="0" smtClean="0">
-              <a:solidFill>
-                <a:srgbClr val="002060"/>
-              </a:solidFill>
-              <a:latin typeface="Aharoni" pitchFamily="2" charset="-79"/>
-              <a:cs typeface="Aharoni" pitchFamily="2" charset="-79"/>
-            </a:endParaRPr>
-          </a:p>
-          <a:p>
-            <a:pPr marL="342900" marR="0" lvl="0" indent="-342900" algn="ctr" defTabSz="914400" rtl="1" eaLnBrk="1" fontAlgn="auto" latinLnBrk="0" hangingPunct="1">
-              <a:lnSpc>
-                <a:spcPct val="100000"/>
-              </a:lnSpc>
-              <a:spcBef>
-                <a:spcPct val="20000"/>
-              </a:spcBef>
-              <a:spcAft>
-                <a:spcPts val="0"/>
-              </a:spcAft>
-              <a:buClrTx/>
-              <a:buSzTx/>
-              <a:tabLst/>
-              <a:defRPr/>
-            </a:pPr>
-            <a:r>
-              <a:rPr lang="he-IL" sz="4000" dirty="0" smtClean="0">
-                <a:solidFill>
-                  <a:srgbClr val="002060"/>
-                </a:solidFill>
-                <a:latin typeface="Aharoni" pitchFamily="2" charset="-79"/>
-                <a:cs typeface="Aharoni" pitchFamily="2" charset="-79"/>
-              </a:rPr>
-              <a:t> משחקים</a:t>
-            </a:r>
-          </a:p>
-          <a:p>
-            <a:pPr marL="342900" marR="0" lvl="0" indent="-342900" algn="ctr" defTabSz="914400" rtl="1" eaLnBrk="1" fontAlgn="auto" latinLnBrk="0" hangingPunct="1">
-              <a:lnSpc>
-                <a:spcPct val="100000"/>
-              </a:lnSpc>
-              <a:spcBef>
-                <a:spcPct val="20000"/>
-              </a:spcBef>
-              <a:spcAft>
-                <a:spcPts val="0"/>
-              </a:spcAft>
-              <a:buClrTx/>
-              <a:buSzTx/>
-              <a:tabLst/>
-              <a:defRPr/>
-            </a:pPr>
-            <a:r>
-              <a:rPr lang="he-IL" sz="4000" dirty="0" smtClean="0">
-                <a:solidFill>
-                  <a:srgbClr val="002060"/>
-                </a:solidFill>
-                <a:latin typeface="Aharoni" pitchFamily="2" charset="-79"/>
-                <a:cs typeface="Aharoni" pitchFamily="2" charset="-79"/>
-              </a:rPr>
-              <a:t>לילדים בגיל 6 עד 10 </a:t>
-            </a:r>
-            <a:r>
-              <a:rPr lang="he-IL" sz="4000" noProof="0" dirty="0" smtClean="0">
-                <a:solidFill>
-                  <a:srgbClr val="002060"/>
-                </a:solidFill>
-                <a:latin typeface="Aharoni" pitchFamily="2" charset="-79"/>
-                <a:cs typeface="Aharoni" pitchFamily="2" charset="-79"/>
-              </a:rPr>
-              <a:t> </a:t>
-            </a:r>
-            <a:endParaRPr kumimoji="0" lang="he-IL" sz="4000" b="0" i="0" u="none" strike="noStrike" kern="1200" cap="none" spc="0" normalizeH="0" baseline="0" noProof="0" dirty="0" smtClean="0">
-              <a:ln>
-                <a:noFill/>
-              </a:ln>
-              <a:solidFill>
-                <a:srgbClr val="002060"/>
-              </a:solidFill>
-              <a:effectLst/>
-              <a:uLnTx/>
-              <a:uFillTx/>
-              <a:latin typeface="Aharoni" pitchFamily="2" charset="-79"/>
-              <a:ea typeface="+mn-ea"/>
-              <a:cs typeface="Aharoni" pitchFamily="2" charset="-79"/>
-            </a:endParaRPr>
-          </a:p>
-          <a:p>
-            <a:pPr marL="342900" marR="0" lvl="0" indent="-342900" algn="r" defTabSz="914400" rtl="1" eaLnBrk="1" fontAlgn="auto" latinLnBrk="0" hangingPunct="1">
-              <a:lnSpc>
-                <a:spcPct val="100000"/>
-              </a:lnSpc>
-              <a:spcBef>
-                <a:spcPct val="20000"/>
-              </a:spcBef>
-              <a:spcAft>
-                <a:spcPts val="0"/>
-              </a:spcAft>
-              <a:buClrTx/>
-              <a:buSzTx/>
-              <a:buFont typeface="Arial" pitchFamily="34" charset="0"/>
-              <a:buChar char="•"/>
-              <a:tabLst/>
-              <a:defRPr/>
-            </a:pPr>
-            <a:endParaRPr kumimoji="0" lang="he-IL" sz="4000" b="0" i="0" u="none" strike="noStrike" kern="1200" cap="none" spc="0" normalizeH="0" baseline="0" noProof="0" dirty="0" smtClean="0">
-              <a:ln>
-                <a:noFill/>
-              </a:ln>
-              <a:solidFill>
-                <a:schemeClr val="tx1">
-                  <a:lumMod val="95000"/>
-                  <a:lumOff val="5000"/>
-                </a:schemeClr>
-              </a:solidFill>
-              <a:effectLst/>
-              <a:uLnTx/>
-              <a:uFillTx/>
-              <a:latin typeface="Aharoni" pitchFamily="2" charset="-79"/>
-              <a:ea typeface="+mn-ea"/>
-              <a:cs typeface="Aharoni" pitchFamily="2" charset="-79"/>
-            </a:endParaRPr>
-          </a:p>
-        </p:txBody>
-      </p:sp>
-      <p:pic>
-        <p:nvPicPr>
-          <p:cNvPr id="1026" name="Picture 2" descr="C:\Users\bestb\Desktop\lotus\gameCreator\view\public\media\Appbackgound\logo.png"/>
-          <p:cNvPicPr>
-            <a:picLocks noChangeAspect="1" noChangeArrowheads="1"/>
-          </p:cNvPicPr>
-          <p:nvPr/>
-        </p:nvPicPr>
-        <p:blipFill>
-          <a:blip r:embed="rId2" cstate="print"/>
-          <a:srcRect/>
-          <a:stretch>
-            <a:fillRect/>
-          </a:stretch>
-        </p:blipFill>
-        <p:spPr bwMode="auto">
-          <a:xfrm>
-            <a:off x="381000" y="609600"/>
-            <a:ext cx="8074025" cy="2560638"/>
-          </a:xfrm>
-          <a:prstGeom prst="rect">
-            <a:avLst/>
-          </a:prstGeom>
-          <a:noFill/>
-        </p:spPr>
-      </p:pic>
-    </p:spTree>
-  </p:cSld>
-  <p:clrMapOvr>
-    <a:masterClrMapping/>
-  </p:clrMapOvr>
-  <p:timing>
-    <p:tnLst>
-      <p:par>
-        <p:cTn id="1" dur="indefinite" restart="never" nodeType="tmRoot"/>
-      </p:par>
-    </p:tnLst>
-  </p:timing>
-</p:sld>
-</file>
-
 <file path=ppt/slides/slide4.xml><?xml version="1.0" encoding="utf-8"?>
 <p:sld xmlns:a="http://schemas.openxmlformats.org/drawingml/2006/main" xmlns:r="http://schemas.openxmlformats.org/officeDocument/2006/relationships" xmlns:p="http://schemas.openxmlformats.org/presentationml/2006/main">
   <p:cSld>
@@ -4013,29 +4013,7 @@
                   </a:schemeClr>
                 </a:solidFill>
               </a:rPr>
-              <a:t>אתר </a:t>
-            </a:r>
-            <a:r>
-              <a:rPr lang="he-IL" sz="2400" dirty="0" smtClean="0">
-                <a:solidFill>
-                  <a:schemeClr val="tx2">
-                    <a:lumMod val="60000"/>
-                    <a:lumOff val="40000"/>
-                  </a:schemeClr>
-                </a:solidFill>
-              </a:rPr>
-              <a:t>ייחודי </a:t>
-            </a:r>
-            <a:r>
-              <a:rPr lang="he-IL" sz="2400" dirty="0" smtClean="0">
-                <a:solidFill>
-                  <a:schemeClr val="tx2">
-                    <a:lumMod val="60000"/>
-                    <a:lumOff val="40000"/>
-                  </a:schemeClr>
-                </a:solidFill>
-              </a:rPr>
-              <a:t>שמאפשר לילדים להתפתח באופן יצירתי  </a:t>
+              <a:t>אתר ייחודי שמאפשר לילדים להתפתח באופן יצירתי  </a:t>
             </a:r>
             <a:endParaRPr lang="he-IL" sz="2400" dirty="0">
               <a:solidFill>
@@ -4126,13 +4104,6 @@
               </a:rPr>
               <a:t>וגם מתמודדים עם בעיות ואתגרים בצורה מעשית וכפית </a:t>
             </a:r>
-            <a:endParaRPr lang="he-IL" sz="3600" dirty="0" smtClean="0">
-              <a:solidFill>
-                <a:srgbClr val="002060"/>
-              </a:solidFill>
-              <a:latin typeface="Aharoni" pitchFamily="2" charset="-79"/>
-              <a:cs typeface="Aharoni" pitchFamily="2" charset="-79"/>
-            </a:endParaRPr>
           </a:p>
         </p:txBody>
       </p:sp>

--- a/Documents/Presentation.pptx
+++ b/Documents/Presentation.pptx
@@ -2,12 +2,12 @@
 <file path=ppt/presentation.xml><?xml version="1.0" encoding="utf-8"?>
 <p:presentation xmlns:a="http://schemas.openxmlformats.org/drawingml/2006/main" xmlns:r="http://schemas.openxmlformats.org/officeDocument/2006/relationships" xmlns:p="http://schemas.openxmlformats.org/presentationml/2006/main" rtl="1" saveSubsetFonts="1">
   <p:sldMasterIdLst>
-    <p:sldMasterId id="2147483708" r:id="rId1"/>
+    <p:sldMasterId id="2147483732" r:id="rId1"/>
   </p:sldMasterIdLst>
   <p:sldIdLst>
     <p:sldId id="256" r:id="rId2"/>
-    <p:sldId id="258" r:id="rId3"/>
-    <p:sldId id="257" r:id="rId4"/>
+    <p:sldId id="257" r:id="rId3"/>
+    <p:sldId id="258" r:id="rId4"/>
     <p:sldId id="259" r:id="rId5"/>
     <p:sldId id="260" r:id="rId6"/>
   </p:sldIdLst>
@@ -112,8 +112,13 @@
 </file>
 
 <file path=ppt/slideLayouts/slideLayout1.xml><?xml version="1.0" encoding="utf-8"?>
-<p:sldLayout xmlns:a="http://schemas.openxmlformats.org/drawingml/2006/main" xmlns:r="http://schemas.openxmlformats.org/officeDocument/2006/relationships" xmlns:p="http://schemas.openxmlformats.org/presentationml/2006/main" type="title" preserve="1">
+<p:sldLayout xmlns:a="http://schemas.openxmlformats.org/drawingml/2006/main" xmlns:r="http://schemas.openxmlformats.org/officeDocument/2006/relationships" xmlns:p="http://schemas.openxmlformats.org/presentationml/2006/main" showMasterSp="0" type="title" preserve="1">
   <p:cSld name="שקופית כותרת">
+    <p:bg>
+      <p:bgRef idx="1001">
+        <a:schemeClr val="bg1"/>
+      </p:bgRef>
+    </p:bg>
     <p:spTree>
       <p:nvGrpSpPr>
         <p:cNvPr id="1" name=""/>
@@ -130,7 +135,7 @@
       </p:grpSpPr>
       <p:sp>
         <p:nvSpPr>
-          <p:cNvPr id="2" name="כותרת 1"/>
+          <p:cNvPr id="8" name="כותרת 7"/>
           <p:cNvSpPr>
             <a:spLocks noGrp="1"/>
           </p:cNvSpPr>
@@ -140,25 +145,29 @@
         </p:nvSpPr>
         <p:spPr>
           <a:xfrm>
-            <a:off x="685800" y="2130425"/>
-            <a:ext cx="7772400" cy="1470025"/>
+            <a:off x="2286000" y="3124200"/>
+            <a:ext cx="6172200" cy="1894362"/>
           </a:xfrm>
         </p:spPr>
         <p:txBody>
           <a:bodyPr/>
-          <a:lstStyle/>
-          <a:p>
-            <a:r>
-              <a:rPr lang="he-IL" smtClean="0"/>
+          <a:lstStyle>
+            <a:lvl1pPr>
+              <a:defRPr b="1"/>
+            </a:lvl1pPr>
+          </a:lstStyle>
+          <a:p>
+            <a:r>
+              <a:rPr kumimoji="0" lang="he-IL" smtClean="0"/>
               <a:t>לחץ כדי לערוך סגנון כותרת של תבנית בסיס</a:t>
             </a:r>
-            <a:endParaRPr lang="he-IL"/>
-          </a:p>
-        </p:txBody>
-      </p:sp>
-      <p:sp>
-        <p:nvSpPr>
-          <p:cNvPr id="3" name="כותרת משנה 2"/>
+            <a:endParaRPr kumimoji="0" lang="en-US"/>
+          </a:p>
+        </p:txBody>
+      </p:sp>
+      <p:sp>
+        <p:nvSpPr>
+          <p:cNvPr id="9" name="כותרת משנה 8"/>
           <p:cNvSpPr>
             <a:spLocks noGrp="1"/>
           </p:cNvSpPr>
@@ -168,116 +177,58 @@
         </p:nvSpPr>
         <p:spPr>
           <a:xfrm>
-            <a:off x="1371600" y="3886200"/>
-            <a:ext cx="6400800" cy="1752600"/>
+            <a:off x="2286000" y="5003322"/>
+            <a:ext cx="6172200" cy="1371600"/>
           </a:xfrm>
         </p:spPr>
         <p:txBody>
           <a:bodyPr/>
           <a:lstStyle>
-            <a:lvl1pPr marL="0" indent="0" algn="ctr">
+            <a:lvl1pPr marL="0" indent="0" algn="l">
               <a:buNone/>
-              <a:defRPr>
+              <a:defRPr sz="1800" b="1">
                 <a:solidFill>
-                  <a:schemeClr val="tx1">
-                    <a:tint val="75000"/>
-                  </a:schemeClr>
+                  <a:schemeClr val="tx2"/>
                 </a:solidFill>
               </a:defRPr>
             </a:lvl1pPr>
             <a:lvl2pPr marL="457200" indent="0" algn="ctr">
               <a:buNone/>
-              <a:defRPr>
-                <a:solidFill>
-                  <a:schemeClr val="tx1">
-                    <a:tint val="75000"/>
-                  </a:schemeClr>
-                </a:solidFill>
-              </a:defRPr>
             </a:lvl2pPr>
             <a:lvl3pPr marL="914400" indent="0" algn="ctr">
               <a:buNone/>
-              <a:defRPr>
-                <a:solidFill>
-                  <a:schemeClr val="tx1">
-                    <a:tint val="75000"/>
-                  </a:schemeClr>
-                </a:solidFill>
-              </a:defRPr>
             </a:lvl3pPr>
             <a:lvl4pPr marL="1371600" indent="0" algn="ctr">
               <a:buNone/>
-              <a:defRPr>
-                <a:solidFill>
-                  <a:schemeClr val="tx1">
-                    <a:tint val="75000"/>
-                  </a:schemeClr>
-                </a:solidFill>
-              </a:defRPr>
             </a:lvl4pPr>
             <a:lvl5pPr marL="1828800" indent="0" algn="ctr">
               <a:buNone/>
-              <a:defRPr>
-                <a:solidFill>
-                  <a:schemeClr val="tx1">
-                    <a:tint val="75000"/>
-                  </a:schemeClr>
-                </a:solidFill>
-              </a:defRPr>
             </a:lvl5pPr>
             <a:lvl6pPr marL="2286000" indent="0" algn="ctr">
               <a:buNone/>
-              <a:defRPr>
-                <a:solidFill>
-                  <a:schemeClr val="tx1">
-                    <a:tint val="75000"/>
-                  </a:schemeClr>
-                </a:solidFill>
-              </a:defRPr>
             </a:lvl6pPr>
             <a:lvl7pPr marL="2743200" indent="0" algn="ctr">
               <a:buNone/>
-              <a:defRPr>
-                <a:solidFill>
-                  <a:schemeClr val="tx1">
-                    <a:tint val="75000"/>
-                  </a:schemeClr>
-                </a:solidFill>
-              </a:defRPr>
             </a:lvl7pPr>
             <a:lvl8pPr marL="3200400" indent="0" algn="ctr">
               <a:buNone/>
-              <a:defRPr>
-                <a:solidFill>
-                  <a:schemeClr val="tx1">
-                    <a:tint val="75000"/>
-                  </a:schemeClr>
-                </a:solidFill>
-              </a:defRPr>
             </a:lvl8pPr>
             <a:lvl9pPr marL="3657600" indent="0" algn="ctr">
               <a:buNone/>
-              <a:defRPr>
-                <a:solidFill>
-                  <a:schemeClr val="tx1">
-                    <a:tint val="75000"/>
-                  </a:schemeClr>
-                </a:solidFill>
-              </a:defRPr>
             </a:lvl9pPr>
           </a:lstStyle>
           <a:p>
             <a:r>
-              <a:rPr lang="he-IL" smtClean="0"/>
+              <a:rPr kumimoji="0" lang="he-IL" smtClean="0"/>
               <a:t>לחץ כדי לערוך סגנון כותרת משנה של תבנית בסיס</a:t>
             </a:r>
-            <a:endParaRPr lang="he-IL"/>
-          </a:p>
-        </p:txBody>
-      </p:sp>
-      <p:sp>
-        <p:nvSpPr>
-          <p:cNvPr id="4" name="מציין מיקום של תאריך 3"/>
+            <a:endParaRPr kumimoji="0" lang="en-US"/>
+          </a:p>
+        </p:txBody>
+      </p:sp>
+      <p:sp>
+        <p:nvSpPr>
+          <p:cNvPr id="28" name="מציין מיקום של תאריך 27"/>
           <p:cNvSpPr>
             <a:spLocks noGrp="1"/>
           </p:cNvSpPr>
@@ -285,7 +236,12 @@
             <p:ph type="dt" sz="half" idx="10"/>
           </p:nvPr>
         </p:nvSpPr>
-        <p:spPr/>
+        <p:spPr bwMode="auto">
+          <a:xfrm rot="5400000">
+            <a:off x="7764621" y="1174097"/>
+            <a:ext cx="2286000" cy="381000"/>
+          </a:xfrm>
+        </p:spPr>
         <p:txBody>
           <a:bodyPr/>
           <a:lstStyle/>
@@ -293,7 +249,7 @@
             <a:fld id="{501FE48C-6519-4B61-962B-C11787253B8E}" type="datetimeFigureOut">
               <a:rPr lang="he-IL" smtClean="0"/>
               <a:pPr/>
-              <a:t>כ"ז/סיון/תשפ"ד</a:t>
+              <a:t>י'/אב/תשפ"ד</a:t>
             </a:fld>
             <a:endParaRPr lang="he-IL"/>
           </a:p>
@@ -301,7 +257,7 @@
       </p:sp>
       <p:sp>
         <p:nvSpPr>
-          <p:cNvPr id="5" name="מציין מיקום של כותרת תחתונה 4"/>
+          <p:cNvPr id="17" name="מציין מיקום של כותרת תחתונה 16"/>
           <p:cNvSpPr>
             <a:spLocks noGrp="1"/>
           </p:cNvSpPr>
@@ -309,7 +265,12 @@
             <p:ph type="ftr" sz="quarter" idx="11"/>
           </p:nvPr>
         </p:nvSpPr>
-        <p:spPr/>
+        <p:spPr bwMode="auto">
+          <a:xfrm rot="5400000">
+            <a:off x="7077269" y="4181669"/>
+            <a:ext cx="3657600" cy="384048"/>
+          </a:xfrm>
+        </p:spPr>
         <p:txBody>
           <a:bodyPr/>
           <a:lstStyle/>
@@ -320,7 +281,701 @@
       </p:sp>
       <p:sp>
         <p:nvSpPr>
-          <p:cNvPr id="6" name="מציין מיקום של מספר שקופית 5"/>
+          <p:cNvPr id="10" name="מלבן 9"/>
+          <p:cNvSpPr/>
+          <p:nvPr/>
+        </p:nvSpPr>
+        <p:spPr bwMode="auto">
+          <a:xfrm>
+            <a:off x="381000" y="0"/>
+            <a:ext cx="609600" cy="6858000"/>
+          </a:xfrm>
+          <a:prstGeom prst="rect">
+            <a:avLst/>
+          </a:prstGeom>
+          <a:solidFill>
+            <a:schemeClr val="accent1">
+              <a:tint val="60000"/>
+              <a:alpha val="54000"/>
+            </a:schemeClr>
+          </a:solidFill>
+          <a:ln w="38100" cap="rnd" cmpd="sng" algn="ctr">
+            <a:noFill/>
+            <a:prstDash val="solid"/>
+          </a:ln>
+          <a:effectLst/>
+        </p:spPr>
+        <p:style>
+          <a:lnRef idx="3">
+            <a:schemeClr val="lt1"/>
+          </a:lnRef>
+          <a:fillRef idx="1">
+            <a:schemeClr val="accent1"/>
+          </a:fillRef>
+          <a:effectRef idx="1">
+            <a:schemeClr val="accent1"/>
+          </a:effectRef>
+          <a:fontRef idx="minor">
+            <a:schemeClr val="lt1"/>
+          </a:fontRef>
+        </p:style>
+        <p:txBody>
+          <a:bodyPr anchor="ctr"/>
+          <a:lstStyle/>
+          <a:p>
+            <a:pPr algn="ctr" eaLnBrk="1" latinLnBrk="0" hangingPunct="1"/>
+            <a:endParaRPr kumimoji="0" lang="en-US"/>
+          </a:p>
+        </p:txBody>
+      </p:sp>
+      <p:sp>
+        <p:nvSpPr>
+          <p:cNvPr id="12" name="מלבן 11"/>
+          <p:cNvSpPr/>
+          <p:nvPr/>
+        </p:nvSpPr>
+        <p:spPr bwMode="auto">
+          <a:xfrm>
+            <a:off x="276336" y="0"/>
+            <a:ext cx="104664" cy="6858000"/>
+          </a:xfrm>
+          <a:prstGeom prst="rect">
+            <a:avLst/>
+          </a:prstGeom>
+          <a:solidFill>
+            <a:schemeClr val="accent1">
+              <a:tint val="40000"/>
+              <a:alpha val="36000"/>
+            </a:schemeClr>
+          </a:solidFill>
+          <a:ln w="38100" cap="rnd" cmpd="sng" algn="ctr">
+            <a:noFill/>
+            <a:prstDash val="solid"/>
+          </a:ln>
+          <a:effectLst/>
+        </p:spPr>
+        <p:style>
+          <a:lnRef idx="3">
+            <a:schemeClr val="lt1"/>
+          </a:lnRef>
+          <a:fillRef idx="1">
+            <a:schemeClr val="accent1"/>
+          </a:fillRef>
+          <a:effectRef idx="1">
+            <a:schemeClr val="accent1"/>
+          </a:effectRef>
+          <a:fontRef idx="minor">
+            <a:schemeClr val="lt1"/>
+          </a:fontRef>
+        </p:style>
+        <p:txBody>
+          <a:bodyPr anchor="ctr"/>
+          <a:lstStyle/>
+          <a:p>
+            <a:pPr algn="ctr" eaLnBrk="1" latinLnBrk="0" hangingPunct="1"/>
+            <a:endParaRPr kumimoji="0" lang="en-US"/>
+          </a:p>
+        </p:txBody>
+      </p:sp>
+      <p:sp>
+        <p:nvSpPr>
+          <p:cNvPr id="14" name="מלבן 13"/>
+          <p:cNvSpPr/>
+          <p:nvPr/>
+        </p:nvSpPr>
+        <p:spPr bwMode="auto">
+          <a:xfrm>
+            <a:off x="990600" y="0"/>
+            <a:ext cx="181872" cy="6858000"/>
+          </a:xfrm>
+          <a:prstGeom prst="rect">
+            <a:avLst/>
+          </a:prstGeom>
+          <a:solidFill>
+            <a:schemeClr val="accent1">
+              <a:tint val="40000"/>
+              <a:alpha val="70000"/>
+            </a:schemeClr>
+          </a:solidFill>
+          <a:ln w="38100" cap="rnd" cmpd="sng" algn="ctr">
+            <a:noFill/>
+            <a:prstDash val="solid"/>
+          </a:ln>
+          <a:effectLst/>
+        </p:spPr>
+        <p:style>
+          <a:lnRef idx="3">
+            <a:schemeClr val="lt1"/>
+          </a:lnRef>
+          <a:fillRef idx="1">
+            <a:schemeClr val="accent1"/>
+          </a:fillRef>
+          <a:effectRef idx="1">
+            <a:schemeClr val="accent1"/>
+          </a:effectRef>
+          <a:fontRef idx="minor">
+            <a:schemeClr val="lt1"/>
+          </a:fontRef>
+        </p:style>
+        <p:txBody>
+          <a:bodyPr anchor="ctr"/>
+          <a:lstStyle/>
+          <a:p>
+            <a:pPr algn="ctr" eaLnBrk="1" latinLnBrk="0" hangingPunct="1"/>
+            <a:endParaRPr kumimoji="0" lang="en-US"/>
+          </a:p>
+        </p:txBody>
+      </p:sp>
+      <p:sp>
+        <p:nvSpPr>
+          <p:cNvPr id="19" name="מלבן 18"/>
+          <p:cNvSpPr/>
+          <p:nvPr/>
+        </p:nvSpPr>
+        <p:spPr bwMode="auto">
+          <a:xfrm>
+            <a:off x="1141320" y="0"/>
+            <a:ext cx="230280" cy="6858000"/>
+          </a:xfrm>
+          <a:prstGeom prst="rect">
+            <a:avLst/>
+          </a:prstGeom>
+          <a:solidFill>
+            <a:schemeClr val="accent1">
+              <a:tint val="20000"/>
+              <a:alpha val="71000"/>
+            </a:schemeClr>
+          </a:solidFill>
+          <a:ln w="38100" cap="rnd" cmpd="sng" algn="ctr">
+            <a:noFill/>
+            <a:prstDash val="solid"/>
+          </a:ln>
+          <a:effectLst/>
+        </p:spPr>
+        <p:style>
+          <a:lnRef idx="3">
+            <a:schemeClr val="lt1"/>
+          </a:lnRef>
+          <a:fillRef idx="1">
+            <a:schemeClr val="accent1"/>
+          </a:fillRef>
+          <a:effectRef idx="1">
+            <a:schemeClr val="accent1"/>
+          </a:effectRef>
+          <a:fontRef idx="minor">
+            <a:schemeClr val="lt1"/>
+          </a:fontRef>
+        </p:style>
+        <p:txBody>
+          <a:bodyPr anchor="ctr"/>
+          <a:lstStyle/>
+          <a:p>
+            <a:pPr algn="ctr" eaLnBrk="1" latinLnBrk="0" hangingPunct="1"/>
+            <a:endParaRPr kumimoji="0" lang="en-US"/>
+          </a:p>
+        </p:txBody>
+      </p:sp>
+      <p:sp>
+        <p:nvSpPr>
+          <p:cNvPr id="11" name="מחבר ישר 10"/>
+          <p:cNvSpPr>
+            <a:spLocks noChangeShapeType="1"/>
+          </p:cNvSpPr>
+          <p:nvPr/>
+        </p:nvSpPr>
+        <p:spPr bwMode="auto">
+          <a:xfrm>
+            <a:off x="106344" y="0"/>
+            <a:ext cx="0" cy="6858000"/>
+          </a:xfrm>
+          <a:prstGeom prst="line">
+            <a:avLst/>
+          </a:prstGeom>
+          <a:noFill/>
+          <a:ln w="57150" cap="flat" cmpd="sng" algn="ctr">
+            <a:solidFill>
+              <a:schemeClr val="accent1">
+                <a:tint val="60000"/>
+                <a:alpha val="73000"/>
+              </a:schemeClr>
+            </a:solidFill>
+            <a:prstDash val="solid"/>
+            <a:round/>
+            <a:headEnd type="none" w="med" len="med"/>
+            <a:tailEnd type="none" w="med" len="med"/>
+          </a:ln>
+          <a:effectLst/>
+        </p:spPr>
+        <p:txBody>
+          <a:bodyPr vert="horz" wrap="square" lIns="91440" tIns="45720" rIns="91440" bIns="45720" anchor="t" compatLnSpc="1"/>
+          <a:lstStyle/>
+          <a:p>
+            <a:endParaRPr kumimoji="0" lang="en-US"/>
+          </a:p>
+        </p:txBody>
+      </p:sp>
+      <p:sp>
+        <p:nvSpPr>
+          <p:cNvPr id="18" name="מחבר ישר 17"/>
+          <p:cNvSpPr>
+            <a:spLocks noChangeShapeType="1"/>
+          </p:cNvSpPr>
+          <p:nvPr/>
+        </p:nvSpPr>
+        <p:spPr bwMode="auto">
+          <a:xfrm>
+            <a:off x="914400" y="0"/>
+            <a:ext cx="0" cy="6858000"/>
+          </a:xfrm>
+          <a:prstGeom prst="line">
+            <a:avLst/>
+          </a:prstGeom>
+          <a:noFill/>
+          <a:ln w="57150" cap="flat" cmpd="sng" algn="ctr">
+            <a:solidFill>
+              <a:schemeClr val="accent1">
+                <a:tint val="20000"/>
+                <a:alpha val="83000"/>
+              </a:schemeClr>
+            </a:solidFill>
+            <a:prstDash val="solid"/>
+            <a:round/>
+            <a:headEnd type="none" w="med" len="med"/>
+            <a:tailEnd type="none" w="med" len="med"/>
+          </a:ln>
+          <a:effectLst/>
+        </p:spPr>
+        <p:txBody>
+          <a:bodyPr vert="horz" wrap="square" lIns="91440" tIns="45720" rIns="91440" bIns="45720" anchor="t" compatLnSpc="1"/>
+          <a:lstStyle/>
+          <a:p>
+            <a:endParaRPr kumimoji="0" lang="en-US"/>
+          </a:p>
+        </p:txBody>
+      </p:sp>
+      <p:sp>
+        <p:nvSpPr>
+          <p:cNvPr id="20" name="מחבר ישר 19"/>
+          <p:cNvSpPr>
+            <a:spLocks noChangeShapeType="1"/>
+          </p:cNvSpPr>
+          <p:nvPr/>
+        </p:nvSpPr>
+        <p:spPr bwMode="auto">
+          <a:xfrm>
+            <a:off x="854112" y="0"/>
+            <a:ext cx="0" cy="6858000"/>
+          </a:xfrm>
+          <a:prstGeom prst="line">
+            <a:avLst/>
+          </a:prstGeom>
+          <a:noFill/>
+          <a:ln w="57150" cap="flat" cmpd="sng" algn="ctr">
+            <a:solidFill>
+              <a:schemeClr val="accent1">
+                <a:tint val="60000"/>
+              </a:schemeClr>
+            </a:solidFill>
+            <a:prstDash val="solid"/>
+            <a:round/>
+            <a:headEnd type="none" w="med" len="med"/>
+            <a:tailEnd type="none" w="med" len="med"/>
+          </a:ln>
+          <a:effectLst/>
+        </p:spPr>
+        <p:txBody>
+          <a:bodyPr vert="horz" wrap="square" lIns="91440" tIns="45720" rIns="91440" bIns="45720" anchor="t" compatLnSpc="1"/>
+          <a:lstStyle/>
+          <a:p>
+            <a:endParaRPr kumimoji="0" lang="en-US"/>
+          </a:p>
+        </p:txBody>
+      </p:sp>
+      <p:sp>
+        <p:nvSpPr>
+          <p:cNvPr id="16" name="מחבר ישר 15"/>
+          <p:cNvSpPr>
+            <a:spLocks noChangeShapeType="1"/>
+          </p:cNvSpPr>
+          <p:nvPr/>
+        </p:nvSpPr>
+        <p:spPr bwMode="auto">
+          <a:xfrm>
+            <a:off x="1726640" y="0"/>
+            <a:ext cx="0" cy="6858000"/>
+          </a:xfrm>
+          <a:prstGeom prst="line">
+            <a:avLst/>
+          </a:prstGeom>
+          <a:noFill/>
+          <a:ln w="28575" cap="flat" cmpd="sng" algn="ctr">
+            <a:solidFill>
+              <a:schemeClr val="accent1">
+                <a:tint val="60000"/>
+                <a:alpha val="82000"/>
+              </a:schemeClr>
+            </a:solidFill>
+            <a:prstDash val="solid"/>
+            <a:round/>
+            <a:headEnd type="none" w="med" len="med"/>
+            <a:tailEnd type="none" w="med" len="med"/>
+          </a:ln>
+          <a:effectLst/>
+        </p:spPr>
+        <p:txBody>
+          <a:bodyPr vert="horz" wrap="square" lIns="91440" tIns="45720" rIns="91440" bIns="45720" anchor="t" compatLnSpc="1"/>
+          <a:lstStyle/>
+          <a:p>
+            <a:endParaRPr kumimoji="0" lang="en-US"/>
+          </a:p>
+        </p:txBody>
+      </p:sp>
+      <p:sp>
+        <p:nvSpPr>
+          <p:cNvPr id="15" name="מחבר ישר 14"/>
+          <p:cNvSpPr>
+            <a:spLocks noChangeShapeType="1"/>
+          </p:cNvSpPr>
+          <p:nvPr/>
+        </p:nvSpPr>
+        <p:spPr bwMode="auto">
+          <a:xfrm>
+            <a:off x="1066800" y="0"/>
+            <a:ext cx="0" cy="6858000"/>
+          </a:xfrm>
+          <a:prstGeom prst="line">
+            <a:avLst/>
+          </a:prstGeom>
+          <a:noFill/>
+          <a:ln w="9525" cap="flat" cmpd="sng" algn="ctr">
+            <a:solidFill>
+              <a:schemeClr val="accent1">
+                <a:tint val="60000"/>
+              </a:schemeClr>
+            </a:solidFill>
+            <a:prstDash val="solid"/>
+            <a:round/>
+            <a:headEnd type="none" w="med" len="med"/>
+            <a:tailEnd type="none" w="med" len="med"/>
+          </a:ln>
+          <a:effectLst/>
+        </p:spPr>
+        <p:txBody>
+          <a:bodyPr vert="horz" wrap="square" lIns="91440" tIns="45720" rIns="91440" bIns="45720" anchor="t" compatLnSpc="1"/>
+          <a:lstStyle/>
+          <a:p>
+            <a:endParaRPr kumimoji="0" lang="en-US"/>
+          </a:p>
+        </p:txBody>
+      </p:sp>
+      <p:sp>
+        <p:nvSpPr>
+          <p:cNvPr id="22" name="מחבר ישר 21"/>
+          <p:cNvSpPr>
+            <a:spLocks noChangeShapeType="1"/>
+          </p:cNvSpPr>
+          <p:nvPr/>
+        </p:nvSpPr>
+        <p:spPr bwMode="auto">
+          <a:xfrm>
+            <a:off x="9113856" y="0"/>
+            <a:ext cx="0" cy="6858000"/>
+          </a:xfrm>
+          <a:prstGeom prst="line">
+            <a:avLst/>
+          </a:prstGeom>
+          <a:noFill/>
+          <a:ln w="57150" cap="flat" cmpd="thickThin" algn="ctr">
+            <a:solidFill>
+              <a:schemeClr val="accent1">
+                <a:tint val="60000"/>
+              </a:schemeClr>
+            </a:solidFill>
+            <a:prstDash val="solid"/>
+            <a:round/>
+            <a:headEnd type="none" w="med" len="med"/>
+            <a:tailEnd type="none" w="med" len="med"/>
+          </a:ln>
+          <a:effectLst/>
+        </p:spPr>
+        <p:txBody>
+          <a:bodyPr vert="horz" wrap="square" lIns="91440" tIns="45720" rIns="91440" bIns="45720" anchor="t" compatLnSpc="1"/>
+          <a:lstStyle/>
+          <a:p>
+            <a:endParaRPr kumimoji="0" lang="en-US"/>
+          </a:p>
+        </p:txBody>
+      </p:sp>
+      <p:sp>
+        <p:nvSpPr>
+          <p:cNvPr id="27" name="מלבן 26"/>
+          <p:cNvSpPr/>
+          <p:nvPr/>
+        </p:nvSpPr>
+        <p:spPr bwMode="auto">
+          <a:xfrm>
+            <a:off x="1219200" y="0"/>
+            <a:ext cx="76200" cy="6858000"/>
+          </a:xfrm>
+          <a:prstGeom prst="rect">
+            <a:avLst/>
+          </a:prstGeom>
+          <a:solidFill>
+            <a:schemeClr val="accent1">
+              <a:tint val="60000"/>
+              <a:alpha val="51000"/>
+            </a:schemeClr>
+          </a:solidFill>
+          <a:ln w="38100" cap="rnd" cmpd="sng" algn="ctr">
+            <a:noFill/>
+            <a:prstDash val="solid"/>
+          </a:ln>
+          <a:effectLst/>
+        </p:spPr>
+        <p:style>
+          <a:lnRef idx="3">
+            <a:schemeClr val="lt1"/>
+          </a:lnRef>
+          <a:fillRef idx="1">
+            <a:schemeClr val="accent1"/>
+          </a:fillRef>
+          <a:effectRef idx="1">
+            <a:schemeClr val="accent1"/>
+          </a:effectRef>
+          <a:fontRef idx="minor">
+            <a:schemeClr val="lt1"/>
+          </a:fontRef>
+        </p:style>
+        <p:txBody>
+          <a:bodyPr anchor="ctr"/>
+          <a:lstStyle/>
+          <a:p>
+            <a:pPr algn="ctr" eaLnBrk="1" latinLnBrk="0" hangingPunct="1"/>
+            <a:endParaRPr kumimoji="0" lang="en-US" dirty="0"/>
+          </a:p>
+        </p:txBody>
+      </p:sp>
+      <p:sp>
+        <p:nvSpPr>
+          <p:cNvPr id="21" name="אליפסה 20"/>
+          <p:cNvSpPr/>
+          <p:nvPr/>
+        </p:nvSpPr>
+        <p:spPr bwMode="auto">
+          <a:xfrm>
+            <a:off x="609600" y="3429000"/>
+            <a:ext cx="1295400" cy="1295400"/>
+          </a:xfrm>
+          <a:prstGeom prst="ellipse">
+            <a:avLst/>
+          </a:prstGeom>
+          <a:solidFill>
+            <a:schemeClr val="accent1"/>
+          </a:solidFill>
+          <a:ln w="38100" cap="rnd" cmpd="sng" algn="ctr">
+            <a:noFill/>
+            <a:prstDash val="solid"/>
+          </a:ln>
+          <a:effectLst/>
+        </p:spPr>
+        <p:style>
+          <a:lnRef idx="3">
+            <a:schemeClr val="lt1"/>
+          </a:lnRef>
+          <a:fillRef idx="1">
+            <a:schemeClr val="accent1"/>
+          </a:fillRef>
+          <a:effectRef idx="1">
+            <a:schemeClr val="accent1"/>
+          </a:effectRef>
+          <a:fontRef idx="minor">
+            <a:schemeClr val="lt1"/>
+          </a:fontRef>
+        </p:style>
+        <p:txBody>
+          <a:bodyPr anchor="ctr"/>
+          <a:lstStyle/>
+          <a:p>
+            <a:pPr algn="ctr" eaLnBrk="1" latinLnBrk="0" hangingPunct="1"/>
+            <a:endParaRPr kumimoji="0" lang="en-US" dirty="0"/>
+          </a:p>
+        </p:txBody>
+      </p:sp>
+      <p:sp>
+        <p:nvSpPr>
+          <p:cNvPr id="23" name="אליפסה 22"/>
+          <p:cNvSpPr/>
+          <p:nvPr/>
+        </p:nvSpPr>
+        <p:spPr bwMode="auto">
+          <a:xfrm>
+            <a:off x="1309632" y="4866752"/>
+            <a:ext cx="641424" cy="641424"/>
+          </a:xfrm>
+          <a:prstGeom prst="ellipse">
+            <a:avLst/>
+          </a:prstGeom>
+          <a:ln w="28575" cap="rnd" cmpd="sng" algn="ctr">
+            <a:noFill/>
+            <a:prstDash val="solid"/>
+          </a:ln>
+          <a:effectLst/>
+        </p:spPr>
+        <p:style>
+          <a:lnRef idx="3">
+            <a:schemeClr val="lt1"/>
+          </a:lnRef>
+          <a:fillRef idx="1">
+            <a:schemeClr val="accent1"/>
+          </a:fillRef>
+          <a:effectRef idx="1">
+            <a:schemeClr val="accent1"/>
+          </a:effectRef>
+          <a:fontRef idx="minor">
+            <a:schemeClr val="lt1"/>
+          </a:fontRef>
+        </p:style>
+        <p:txBody>
+          <a:bodyPr anchor="ctr"/>
+          <a:lstStyle/>
+          <a:p>
+            <a:pPr algn="ctr" eaLnBrk="1" latinLnBrk="0" hangingPunct="1"/>
+            <a:endParaRPr kumimoji="0" lang="en-US" dirty="0"/>
+          </a:p>
+        </p:txBody>
+      </p:sp>
+      <p:sp>
+        <p:nvSpPr>
+          <p:cNvPr id="24" name="אליפסה 23"/>
+          <p:cNvSpPr/>
+          <p:nvPr/>
+        </p:nvSpPr>
+        <p:spPr bwMode="auto">
+          <a:xfrm>
+            <a:off x="1091080" y="5500632"/>
+            <a:ext cx="137160" cy="137160"/>
+          </a:xfrm>
+          <a:prstGeom prst="ellipse">
+            <a:avLst/>
+          </a:prstGeom>
+          <a:ln w="12700" cap="rnd" cmpd="sng" algn="ctr">
+            <a:noFill/>
+            <a:prstDash val="solid"/>
+          </a:ln>
+          <a:effectLst/>
+        </p:spPr>
+        <p:style>
+          <a:lnRef idx="3">
+            <a:schemeClr val="lt1"/>
+          </a:lnRef>
+          <a:fillRef idx="1">
+            <a:schemeClr val="accent1"/>
+          </a:fillRef>
+          <a:effectRef idx="1">
+            <a:schemeClr val="accent1"/>
+          </a:effectRef>
+          <a:fontRef idx="minor">
+            <a:schemeClr val="lt1"/>
+          </a:fontRef>
+        </p:style>
+        <p:txBody>
+          <a:bodyPr anchor="ctr"/>
+          <a:lstStyle/>
+          <a:p>
+            <a:pPr algn="ctr" eaLnBrk="1" latinLnBrk="0" hangingPunct="1"/>
+            <a:endParaRPr kumimoji="0" lang="en-US" dirty="0"/>
+          </a:p>
+        </p:txBody>
+      </p:sp>
+      <p:sp>
+        <p:nvSpPr>
+          <p:cNvPr id="26" name="אליפסה 25"/>
+          <p:cNvSpPr/>
+          <p:nvPr/>
+        </p:nvSpPr>
+        <p:spPr bwMode="auto">
+          <a:xfrm>
+            <a:off x="1664208" y="5788152"/>
+            <a:ext cx="274320" cy="274320"/>
+          </a:xfrm>
+          <a:prstGeom prst="ellipse">
+            <a:avLst/>
+          </a:prstGeom>
+          <a:ln w="12700" cap="rnd" cmpd="sng" algn="ctr">
+            <a:noFill/>
+            <a:prstDash val="solid"/>
+          </a:ln>
+          <a:effectLst/>
+        </p:spPr>
+        <p:style>
+          <a:lnRef idx="3">
+            <a:schemeClr val="lt1"/>
+          </a:lnRef>
+          <a:fillRef idx="1">
+            <a:schemeClr val="accent1"/>
+          </a:fillRef>
+          <a:effectRef idx="1">
+            <a:schemeClr val="accent1"/>
+          </a:effectRef>
+          <a:fontRef idx="minor">
+            <a:schemeClr val="lt1"/>
+          </a:fontRef>
+        </p:style>
+        <p:txBody>
+          <a:bodyPr anchor="ctr"/>
+          <a:lstStyle/>
+          <a:p>
+            <a:pPr algn="ctr" eaLnBrk="1" latinLnBrk="0" hangingPunct="1"/>
+            <a:endParaRPr kumimoji="0" lang="en-US" dirty="0"/>
+          </a:p>
+        </p:txBody>
+      </p:sp>
+      <p:sp>
+        <p:nvSpPr>
+          <p:cNvPr id="25" name="אליפסה 24"/>
+          <p:cNvSpPr/>
+          <p:nvPr/>
+        </p:nvSpPr>
+        <p:spPr>
+          <a:xfrm>
+            <a:off x="1905000" y="4495800"/>
+            <a:ext cx="365760" cy="365760"/>
+          </a:xfrm>
+          <a:prstGeom prst="ellipse">
+            <a:avLst/>
+          </a:prstGeom>
+          <a:ln w="28575" cap="rnd" cmpd="sng" algn="ctr">
+            <a:noFill/>
+            <a:prstDash val="solid"/>
+          </a:ln>
+          <a:effectLst/>
+        </p:spPr>
+        <p:style>
+          <a:lnRef idx="3">
+            <a:schemeClr val="lt1"/>
+          </a:lnRef>
+          <a:fillRef idx="1">
+            <a:schemeClr val="accent1"/>
+          </a:fillRef>
+          <a:effectRef idx="1">
+            <a:schemeClr val="accent1"/>
+          </a:effectRef>
+          <a:fontRef idx="minor">
+            <a:schemeClr val="lt1"/>
+          </a:fontRef>
+        </p:style>
+        <p:txBody>
+          <a:bodyPr anchor="ctr"/>
+          <a:lstStyle/>
+          <a:p>
+            <a:pPr algn="ctr" eaLnBrk="1" latinLnBrk="0" hangingPunct="1"/>
+            <a:endParaRPr kumimoji="0" lang="en-US" dirty="0"/>
+          </a:p>
+        </p:txBody>
+      </p:sp>
+      <p:sp>
+        <p:nvSpPr>
+          <p:cNvPr id="29" name="מציין מיקום של מספר שקופית 28"/>
           <p:cNvSpPr>
             <a:spLocks noGrp="1"/>
           </p:cNvSpPr>
@@ -328,7 +983,12 @@
             <p:ph type="sldNum" sz="quarter" idx="12"/>
           </p:nvPr>
         </p:nvSpPr>
-        <p:spPr/>
+        <p:spPr bwMode="auto">
+          <a:xfrm>
+            <a:off x="1325544" y="4928702"/>
+            <a:ext cx="609600" cy="517524"/>
+          </a:xfrm>
+        </p:spPr>
         <p:txBody>
           <a:bodyPr/>
           <a:lstStyle/>
@@ -345,7 +1005,7 @@
     </p:spTree>
   </p:cSld>
   <p:clrMapOvr>
-    <a:masterClrMapping/>
+    <a:overrideClrMapping bg1="lt1" tx1="dk1" bg2="lt2" tx2="dk2" accent1="accent1" accent2="accent2" accent3="accent3" accent4="accent4" accent5="accent5" accent6="accent6" hlink="hlink" folHlink="folHlink"/>
   </p:clrMapOvr>
 </p:sldLayout>
 </file>
@@ -383,10 +1043,10 @@
           <a:lstStyle/>
           <a:p>
             <a:r>
-              <a:rPr lang="he-IL" smtClean="0"/>
+              <a:rPr kumimoji="0" lang="he-IL" smtClean="0"/>
               <a:t>לחץ כדי לערוך סגנון כותרת של תבנית בסיס</a:t>
             </a:r>
-            <a:endParaRPr lang="he-IL"/>
+            <a:endParaRPr kumimoji="0" lang="en-US"/>
           </a:p>
         </p:txBody>
       </p:sp>
@@ -405,40 +1065,40 @@
           <a:bodyPr vert="eaVert"/>
           <a:lstStyle/>
           <a:p>
-            <a:pPr lvl="0"/>
+            <a:pPr lvl="0" eaLnBrk="1" latinLnBrk="0" hangingPunct="1"/>
             <a:r>
               <a:rPr lang="he-IL" smtClean="0"/>
               <a:t>לחץ כדי לערוך סגנונות טקסט של תבנית בסיס</a:t>
             </a:r>
           </a:p>
           <a:p>
-            <a:pPr lvl="1"/>
+            <a:pPr lvl="1" eaLnBrk="1" latinLnBrk="0" hangingPunct="1"/>
             <a:r>
               <a:rPr lang="he-IL" smtClean="0"/>
               <a:t>רמה שנייה</a:t>
             </a:r>
           </a:p>
           <a:p>
-            <a:pPr lvl="2"/>
+            <a:pPr lvl="2" eaLnBrk="1" latinLnBrk="0" hangingPunct="1"/>
             <a:r>
               <a:rPr lang="he-IL" smtClean="0"/>
               <a:t>רמה שלישית</a:t>
             </a:r>
           </a:p>
           <a:p>
-            <a:pPr lvl="3"/>
+            <a:pPr lvl="3" eaLnBrk="1" latinLnBrk="0" hangingPunct="1"/>
             <a:r>
               <a:rPr lang="he-IL" smtClean="0"/>
               <a:t>רמה רביעית</a:t>
             </a:r>
           </a:p>
           <a:p>
-            <a:pPr lvl="4"/>
+            <a:pPr lvl="4" eaLnBrk="1" latinLnBrk="0" hangingPunct="1"/>
             <a:r>
               <a:rPr lang="he-IL" smtClean="0"/>
               <a:t>רמה חמישית</a:t>
             </a:r>
-            <a:endParaRPr lang="he-IL"/>
+            <a:endParaRPr kumimoji="0" lang="en-US"/>
           </a:p>
         </p:txBody>
       </p:sp>
@@ -460,7 +1120,7 @@
             <a:fld id="{501FE48C-6519-4B61-962B-C11787253B8E}" type="datetimeFigureOut">
               <a:rPr lang="he-IL" smtClean="0"/>
               <a:pPr/>
-              <a:t>כ"ז/סיון/תשפ"ד</a:t>
+              <a:t>י'/אב/תשפ"ד</a:t>
             </a:fld>
             <a:endParaRPr lang="he-IL"/>
           </a:p>
@@ -546,8 +1206,8 @@
         </p:nvSpPr>
         <p:spPr>
           <a:xfrm>
-            <a:off x="6629400" y="274638"/>
-            <a:ext cx="2057400" cy="5851525"/>
+            <a:off x="6629400" y="274639"/>
+            <a:ext cx="1676400" cy="5851525"/>
           </a:xfrm>
         </p:spPr>
         <p:txBody>
@@ -555,10 +1215,10 @@
           <a:lstStyle/>
           <a:p>
             <a:r>
-              <a:rPr lang="he-IL" smtClean="0"/>
+              <a:rPr kumimoji="0" lang="he-IL" smtClean="0"/>
               <a:t>לחץ כדי לערוך סגנון כותרת של תבנית בסיס</a:t>
             </a:r>
-            <a:endParaRPr lang="he-IL"/>
+            <a:endParaRPr kumimoji="0" lang="en-US"/>
           </a:p>
         </p:txBody>
       </p:sp>
@@ -582,40 +1242,40 @@
           <a:bodyPr vert="eaVert"/>
           <a:lstStyle/>
           <a:p>
-            <a:pPr lvl="0"/>
+            <a:pPr lvl="0" eaLnBrk="1" latinLnBrk="0" hangingPunct="1"/>
             <a:r>
               <a:rPr lang="he-IL" smtClean="0"/>
               <a:t>לחץ כדי לערוך סגנונות טקסט של תבנית בסיס</a:t>
             </a:r>
           </a:p>
           <a:p>
-            <a:pPr lvl="1"/>
+            <a:pPr lvl="1" eaLnBrk="1" latinLnBrk="0" hangingPunct="1"/>
             <a:r>
               <a:rPr lang="he-IL" smtClean="0"/>
               <a:t>רמה שנייה</a:t>
             </a:r>
           </a:p>
           <a:p>
-            <a:pPr lvl="2"/>
+            <a:pPr lvl="2" eaLnBrk="1" latinLnBrk="0" hangingPunct="1"/>
             <a:r>
               <a:rPr lang="he-IL" smtClean="0"/>
               <a:t>רמה שלישית</a:t>
             </a:r>
           </a:p>
           <a:p>
-            <a:pPr lvl="3"/>
+            <a:pPr lvl="3" eaLnBrk="1" latinLnBrk="0" hangingPunct="1"/>
             <a:r>
               <a:rPr lang="he-IL" smtClean="0"/>
               <a:t>רמה רביעית</a:t>
             </a:r>
           </a:p>
           <a:p>
-            <a:pPr lvl="4"/>
+            <a:pPr lvl="4" eaLnBrk="1" latinLnBrk="0" hangingPunct="1"/>
             <a:r>
               <a:rPr lang="he-IL" smtClean="0"/>
               <a:t>רמה חמישית</a:t>
             </a:r>
-            <a:endParaRPr lang="he-IL"/>
+            <a:endParaRPr kumimoji="0" lang="en-US"/>
           </a:p>
         </p:txBody>
       </p:sp>
@@ -637,7 +1297,7 @@
             <a:fld id="{501FE48C-6519-4B61-962B-C11787253B8E}" type="datetimeFigureOut">
               <a:rPr lang="he-IL" smtClean="0"/>
               <a:pPr/>
-              <a:t>כ"ז/סיון/תשפ"ד</a:t>
+              <a:t>י'/אב/תשפ"ד</a:t>
             </a:fld>
             <a:endParaRPr lang="he-IL"/>
           </a:p>
@@ -727,84 +1387,89 @@
           <a:lstStyle/>
           <a:p>
             <a:r>
-              <a:rPr lang="he-IL" smtClean="0"/>
+              <a:rPr kumimoji="0" lang="he-IL" smtClean="0"/>
               <a:t>לחץ כדי לערוך סגנון כותרת של תבנית בסיס</a:t>
             </a:r>
-            <a:endParaRPr lang="he-IL"/>
-          </a:p>
-        </p:txBody>
-      </p:sp>
-      <p:sp>
-        <p:nvSpPr>
-          <p:cNvPr id="3" name="מציין מיקום תוכן 2"/>
+            <a:endParaRPr kumimoji="0" lang="en-US"/>
+          </a:p>
+        </p:txBody>
+      </p:sp>
+      <p:sp>
+        <p:nvSpPr>
+          <p:cNvPr id="8" name="מציין מיקום תוכן 7"/>
           <p:cNvSpPr>
             <a:spLocks noGrp="1"/>
           </p:cNvSpPr>
           <p:nvPr>
-            <p:ph idx="1"/>
+            <p:ph sz="quarter" idx="1"/>
           </p:nvPr>
         </p:nvSpPr>
-        <p:spPr/>
+        <p:spPr>
+          <a:xfrm>
+            <a:off x="457200" y="1600200"/>
+            <a:ext cx="7467600" cy="4873752"/>
+          </a:xfrm>
+        </p:spPr>
         <p:txBody>
           <a:bodyPr/>
           <a:lstStyle/>
           <a:p>
-            <a:pPr lvl="0"/>
+            <a:pPr lvl="0" eaLnBrk="1" latinLnBrk="0" hangingPunct="1"/>
             <a:r>
               <a:rPr lang="he-IL" smtClean="0"/>
               <a:t>לחץ כדי לערוך סגנונות טקסט של תבנית בסיס</a:t>
             </a:r>
           </a:p>
           <a:p>
-            <a:pPr lvl="1"/>
+            <a:pPr lvl="1" eaLnBrk="1" latinLnBrk="0" hangingPunct="1"/>
             <a:r>
               <a:rPr lang="he-IL" smtClean="0"/>
               <a:t>רמה שנייה</a:t>
             </a:r>
           </a:p>
           <a:p>
-            <a:pPr lvl="2"/>
+            <a:pPr lvl="2" eaLnBrk="1" latinLnBrk="0" hangingPunct="1"/>
             <a:r>
               <a:rPr lang="he-IL" smtClean="0"/>
               <a:t>רמה שלישית</a:t>
             </a:r>
           </a:p>
           <a:p>
-            <a:pPr lvl="3"/>
+            <a:pPr lvl="3" eaLnBrk="1" latinLnBrk="0" hangingPunct="1"/>
             <a:r>
               <a:rPr lang="he-IL" smtClean="0"/>
               <a:t>רמה רביעית</a:t>
             </a:r>
           </a:p>
           <a:p>
-            <a:pPr lvl="4"/>
+            <a:pPr lvl="4" eaLnBrk="1" latinLnBrk="0" hangingPunct="1"/>
             <a:r>
               <a:rPr lang="he-IL" smtClean="0"/>
               <a:t>רמה חמישית</a:t>
             </a:r>
-            <a:endParaRPr lang="he-IL"/>
-          </a:p>
-        </p:txBody>
-      </p:sp>
-      <p:sp>
-        <p:nvSpPr>
-          <p:cNvPr id="4" name="מציין מיקום של תאריך 3"/>
+            <a:endParaRPr kumimoji="0" lang="en-US"/>
+          </a:p>
+        </p:txBody>
+      </p:sp>
+      <p:sp>
+        <p:nvSpPr>
+          <p:cNvPr id="7" name="מציין מיקום של תאריך 6"/>
           <p:cNvSpPr>
             <a:spLocks noGrp="1"/>
           </p:cNvSpPr>
           <p:nvPr>
-            <p:ph type="dt" sz="half" idx="10"/>
+            <p:ph type="dt" sz="half" idx="14"/>
           </p:nvPr>
         </p:nvSpPr>
         <p:spPr/>
         <p:txBody>
-          <a:bodyPr/>
+          <a:bodyPr rtlCol="0"/>
           <a:lstStyle/>
           <a:p>
             <a:fld id="{501FE48C-6519-4B61-962B-C11787253B8E}" type="datetimeFigureOut">
               <a:rPr lang="he-IL" smtClean="0"/>
               <a:pPr/>
-              <a:t>כ"ז/סיון/תשפ"ד</a:t>
+              <a:t>י'/אב/תשפ"ד</a:t>
             </a:fld>
             <a:endParaRPr lang="he-IL"/>
           </a:p>
@@ -812,36 +1477,17 @@
       </p:sp>
       <p:sp>
         <p:nvSpPr>
-          <p:cNvPr id="5" name="מציין מיקום של כותרת תחתונה 4"/>
+          <p:cNvPr id="9" name="מציין מיקום של מספר שקופית 8"/>
           <p:cNvSpPr>
             <a:spLocks noGrp="1"/>
           </p:cNvSpPr>
           <p:nvPr>
-            <p:ph type="ftr" sz="quarter" idx="11"/>
+            <p:ph type="sldNum" sz="quarter" idx="15"/>
           </p:nvPr>
         </p:nvSpPr>
         <p:spPr/>
         <p:txBody>
-          <a:bodyPr/>
-          <a:lstStyle/>
-          <a:p>
-            <a:endParaRPr lang="he-IL"/>
-          </a:p>
-        </p:txBody>
-      </p:sp>
-      <p:sp>
-        <p:nvSpPr>
-          <p:cNvPr id="6" name="מציין מיקום של מספר שקופית 5"/>
-          <p:cNvSpPr>
-            <a:spLocks noGrp="1"/>
-          </p:cNvSpPr>
-          <p:nvPr>
-            <p:ph type="sldNum" sz="quarter" idx="12"/>
-          </p:nvPr>
-        </p:nvSpPr>
-        <p:spPr/>
-        <p:txBody>
-          <a:bodyPr/>
+          <a:bodyPr rtlCol="0"/>
           <a:lstStyle/>
           <a:p>
             <a:fld id="{97EF3457-0598-4B1F-8552-586F45CFA51A}" type="slidenum">
@@ -849,6 +1495,25 @@
               <a:pPr/>
               <a:t>‹#›</a:t>
             </a:fld>
+            <a:endParaRPr lang="he-IL"/>
+          </a:p>
+        </p:txBody>
+      </p:sp>
+      <p:sp>
+        <p:nvSpPr>
+          <p:cNvPr id="10" name="מציין מיקום של כותרת תחתונה 9"/>
+          <p:cNvSpPr>
+            <a:spLocks noGrp="1"/>
+          </p:cNvSpPr>
+          <p:nvPr>
+            <p:ph type="ftr" sz="quarter" idx="16"/>
+          </p:nvPr>
+        </p:nvSpPr>
+        <p:spPr/>
+        <p:txBody>
+          <a:bodyPr rtlCol="0"/>
+          <a:lstStyle/>
+          <a:p>
             <a:endParaRPr lang="he-IL"/>
           </a:p>
         </p:txBody>
@@ -862,8 +1527,13 @@
 </file>
 
 <file path=ppt/slideLayouts/slideLayout3.xml><?xml version="1.0" encoding="utf-8"?>
-<p:sldLayout xmlns:a="http://schemas.openxmlformats.org/drawingml/2006/main" xmlns:r="http://schemas.openxmlformats.org/officeDocument/2006/relationships" xmlns:p="http://schemas.openxmlformats.org/presentationml/2006/main" type="secHead" preserve="1">
+<p:sldLayout xmlns:a="http://schemas.openxmlformats.org/drawingml/2006/main" xmlns:r="http://schemas.openxmlformats.org/officeDocument/2006/relationships" xmlns:p="http://schemas.openxmlformats.org/presentationml/2006/main" showMasterSp="0" type="secHead" preserve="1">
   <p:cSld name="כותרת מקטע עליונה">
+    <p:bg>
+      <p:bgRef idx="1001">
+        <a:schemeClr val="bg2"/>
+      </p:bgRef>
+    </p:bg>
     <p:spTree>
       <p:nvGrpSpPr>
         <p:cNvPr id="1" name=""/>
@@ -890,23 +1560,24 @@
         </p:nvSpPr>
         <p:spPr>
           <a:xfrm>
-            <a:off x="722313" y="4406900"/>
-            <a:ext cx="7772400" cy="1362075"/>
-          </a:xfrm>
-        </p:spPr>
-        <p:txBody>
-          <a:bodyPr anchor="t"/>
+            <a:off x="2286000" y="2895600"/>
+            <a:ext cx="6172200" cy="2053590"/>
+          </a:xfrm>
+        </p:spPr>
+        <p:txBody>
+          <a:bodyPr/>
           <a:lstStyle>
-            <a:lvl1pPr algn="r">
-              <a:defRPr sz="4000" b="1" cap="all"/>
+            <a:lvl1pPr algn="l">
+              <a:buNone/>
+              <a:defRPr sz="3000" b="1" cap="small" baseline="0"/>
             </a:lvl1pPr>
           </a:lstStyle>
           <a:p>
             <a:r>
-              <a:rPr lang="he-IL" smtClean="0"/>
+              <a:rPr kumimoji="0" lang="he-IL" smtClean="0"/>
               <a:t>לחץ כדי לערוך סגנון כותרת של תבנית בסיס</a:t>
             </a:r>
-            <a:endParaRPr lang="he-IL"/>
+            <a:endParaRPr kumimoji="0" lang="en-US"/>
           </a:p>
         </p:txBody>
       </p:sp>
@@ -922,24 +1593,22 @@
         </p:nvSpPr>
         <p:spPr>
           <a:xfrm>
-            <a:off x="722313" y="2906713"/>
-            <a:ext cx="7772400" cy="1500187"/>
-          </a:xfrm>
-        </p:spPr>
-        <p:txBody>
-          <a:bodyPr anchor="b"/>
+            <a:off x="2286000" y="5010150"/>
+            <a:ext cx="6172200" cy="1371600"/>
+          </a:xfrm>
+        </p:spPr>
+        <p:txBody>
+          <a:bodyPr anchor="t"/>
           <a:lstStyle>
             <a:lvl1pPr marL="0" indent="0">
               <a:buNone/>
-              <a:defRPr sz="2000">
+              <a:defRPr sz="1800" b="1">
                 <a:solidFill>
-                  <a:schemeClr val="tx1">
-                    <a:tint val="75000"/>
-                  </a:schemeClr>
+                  <a:schemeClr val="tx2"/>
                 </a:solidFill>
               </a:defRPr>
             </a:lvl1pPr>
-            <a:lvl2pPr marL="457200" indent="0">
+            <a:lvl2pPr>
               <a:buNone/>
               <a:defRPr sz="1800">
                 <a:solidFill>
@@ -949,7 +1618,7 @@
                 </a:solidFill>
               </a:defRPr>
             </a:lvl2pPr>
-            <a:lvl3pPr marL="914400" indent="0">
+            <a:lvl3pPr>
               <a:buNone/>
               <a:defRPr sz="1600">
                 <a:solidFill>
@@ -959,7 +1628,7 @@
                 </a:solidFill>
               </a:defRPr>
             </a:lvl3pPr>
-            <a:lvl4pPr marL="1371600" indent="0">
+            <a:lvl4pPr>
               <a:buNone/>
               <a:defRPr sz="1400">
                 <a:solidFill>
@@ -969,7 +1638,7 @@
                 </a:solidFill>
               </a:defRPr>
             </a:lvl4pPr>
-            <a:lvl5pPr marL="1828800" indent="0">
+            <a:lvl5pPr>
               <a:buNone/>
               <a:defRPr sz="1400">
                 <a:solidFill>
@@ -979,51 +1648,11 @@
                 </a:solidFill>
               </a:defRPr>
             </a:lvl5pPr>
-            <a:lvl6pPr marL="2286000" indent="0">
-              <a:buNone/>
-              <a:defRPr sz="1400">
-                <a:solidFill>
-                  <a:schemeClr val="tx1">
-                    <a:tint val="75000"/>
-                  </a:schemeClr>
-                </a:solidFill>
-              </a:defRPr>
-            </a:lvl6pPr>
-            <a:lvl7pPr marL="2743200" indent="0">
-              <a:buNone/>
-              <a:defRPr sz="1400">
-                <a:solidFill>
-                  <a:schemeClr val="tx1">
-                    <a:tint val="75000"/>
-                  </a:schemeClr>
-                </a:solidFill>
-              </a:defRPr>
-            </a:lvl7pPr>
-            <a:lvl8pPr marL="3200400" indent="0">
-              <a:buNone/>
-              <a:defRPr sz="1400">
-                <a:solidFill>
-                  <a:schemeClr val="tx1">
-                    <a:tint val="75000"/>
-                  </a:schemeClr>
-                </a:solidFill>
-              </a:defRPr>
-            </a:lvl8pPr>
-            <a:lvl9pPr marL="3657600" indent="0">
-              <a:buNone/>
-              <a:defRPr sz="1400">
-                <a:solidFill>
-                  <a:schemeClr val="tx1">
-                    <a:tint val="75000"/>
-                  </a:schemeClr>
-                </a:solidFill>
-              </a:defRPr>
-            </a:lvl9pPr>
           </a:lstStyle>
           <a:p>
-            <a:pPr lvl="0"/>
-            <a:r>
-              <a:rPr lang="he-IL" smtClean="0"/>
+            <a:pPr lvl="0" eaLnBrk="1" latinLnBrk="0" hangingPunct="1"/>
+            <a:r>
+              <a:rPr kumimoji="0" lang="he-IL" smtClean="0"/>
               <a:t>לחץ כדי לערוך סגנונות טקסט של תבנית בסיס</a:t>
             </a:r>
           </a:p>
@@ -1039,7 +1668,12 @@
             <p:ph type="dt" sz="half" idx="10"/>
           </p:nvPr>
         </p:nvSpPr>
-        <p:spPr/>
+        <p:spPr bwMode="auto">
+          <a:xfrm rot="5400000">
+            <a:off x="7763256" y="1170432"/>
+            <a:ext cx="2286000" cy="381000"/>
+          </a:xfrm>
+        </p:spPr>
         <p:txBody>
           <a:bodyPr/>
           <a:lstStyle/>
@@ -1047,7 +1681,7 @@
             <a:fld id="{501FE48C-6519-4B61-962B-C11787253B8E}" type="datetimeFigureOut">
               <a:rPr lang="he-IL" smtClean="0"/>
               <a:pPr/>
-              <a:t>כ"ז/סיון/תשפ"ד</a:t>
+              <a:t>י'/אב/תשפ"ד</a:t>
             </a:fld>
             <a:endParaRPr lang="he-IL"/>
           </a:p>
@@ -1063,12 +1697,708 @@
             <p:ph type="ftr" sz="quarter" idx="11"/>
           </p:nvPr>
         </p:nvSpPr>
-        <p:spPr/>
+        <p:spPr bwMode="auto">
+          <a:xfrm rot="5400000">
+            <a:off x="7077456" y="4178808"/>
+            <a:ext cx="3657600" cy="384048"/>
+          </a:xfrm>
+        </p:spPr>
         <p:txBody>
           <a:bodyPr/>
           <a:lstStyle/>
           <a:p>
             <a:endParaRPr lang="he-IL"/>
+          </a:p>
+        </p:txBody>
+      </p:sp>
+      <p:sp>
+        <p:nvSpPr>
+          <p:cNvPr id="9" name="מלבן 8"/>
+          <p:cNvSpPr/>
+          <p:nvPr/>
+        </p:nvSpPr>
+        <p:spPr bwMode="auto">
+          <a:xfrm>
+            <a:off x="381000" y="0"/>
+            <a:ext cx="609600" cy="6858000"/>
+          </a:xfrm>
+          <a:prstGeom prst="rect">
+            <a:avLst/>
+          </a:prstGeom>
+          <a:solidFill>
+            <a:schemeClr val="accent1">
+              <a:tint val="60000"/>
+              <a:alpha val="54000"/>
+            </a:schemeClr>
+          </a:solidFill>
+          <a:ln w="38100" cap="rnd" cmpd="sng" algn="ctr">
+            <a:noFill/>
+            <a:prstDash val="solid"/>
+          </a:ln>
+          <a:effectLst/>
+        </p:spPr>
+        <p:style>
+          <a:lnRef idx="3">
+            <a:schemeClr val="lt1"/>
+          </a:lnRef>
+          <a:fillRef idx="1">
+            <a:schemeClr val="accent1"/>
+          </a:fillRef>
+          <a:effectRef idx="1">
+            <a:schemeClr val="accent1"/>
+          </a:effectRef>
+          <a:fontRef idx="minor">
+            <a:schemeClr val="lt1"/>
+          </a:fontRef>
+        </p:style>
+        <p:txBody>
+          <a:bodyPr anchor="ctr"/>
+          <a:lstStyle/>
+          <a:p>
+            <a:pPr algn="ctr" eaLnBrk="1" latinLnBrk="0" hangingPunct="1"/>
+            <a:endParaRPr kumimoji="0" lang="en-US"/>
+          </a:p>
+        </p:txBody>
+      </p:sp>
+      <p:sp>
+        <p:nvSpPr>
+          <p:cNvPr id="10" name="מלבן 9"/>
+          <p:cNvSpPr/>
+          <p:nvPr/>
+        </p:nvSpPr>
+        <p:spPr bwMode="auto">
+          <a:xfrm>
+            <a:off x="276336" y="0"/>
+            <a:ext cx="104664" cy="6858000"/>
+          </a:xfrm>
+          <a:prstGeom prst="rect">
+            <a:avLst/>
+          </a:prstGeom>
+          <a:solidFill>
+            <a:schemeClr val="accent1">
+              <a:tint val="40000"/>
+              <a:alpha val="36000"/>
+            </a:schemeClr>
+          </a:solidFill>
+          <a:ln w="38100" cap="rnd" cmpd="sng" algn="ctr">
+            <a:noFill/>
+            <a:prstDash val="solid"/>
+          </a:ln>
+          <a:effectLst/>
+        </p:spPr>
+        <p:style>
+          <a:lnRef idx="3">
+            <a:schemeClr val="lt1"/>
+          </a:lnRef>
+          <a:fillRef idx="1">
+            <a:schemeClr val="accent1"/>
+          </a:fillRef>
+          <a:effectRef idx="1">
+            <a:schemeClr val="accent1"/>
+          </a:effectRef>
+          <a:fontRef idx="minor">
+            <a:schemeClr val="lt1"/>
+          </a:fontRef>
+        </p:style>
+        <p:txBody>
+          <a:bodyPr anchor="ctr"/>
+          <a:lstStyle/>
+          <a:p>
+            <a:pPr algn="ctr" eaLnBrk="1" latinLnBrk="0" hangingPunct="1"/>
+            <a:endParaRPr kumimoji="0" lang="en-US"/>
+          </a:p>
+        </p:txBody>
+      </p:sp>
+      <p:sp>
+        <p:nvSpPr>
+          <p:cNvPr id="11" name="מלבן 10"/>
+          <p:cNvSpPr/>
+          <p:nvPr/>
+        </p:nvSpPr>
+        <p:spPr bwMode="auto">
+          <a:xfrm>
+            <a:off x="990600" y="0"/>
+            <a:ext cx="181872" cy="6858000"/>
+          </a:xfrm>
+          <a:prstGeom prst="rect">
+            <a:avLst/>
+          </a:prstGeom>
+          <a:solidFill>
+            <a:schemeClr val="accent1">
+              <a:tint val="40000"/>
+              <a:alpha val="70000"/>
+            </a:schemeClr>
+          </a:solidFill>
+          <a:ln w="38100" cap="rnd" cmpd="sng" algn="ctr">
+            <a:noFill/>
+            <a:prstDash val="solid"/>
+          </a:ln>
+          <a:effectLst/>
+        </p:spPr>
+        <p:style>
+          <a:lnRef idx="3">
+            <a:schemeClr val="lt1"/>
+          </a:lnRef>
+          <a:fillRef idx="1">
+            <a:schemeClr val="accent1"/>
+          </a:fillRef>
+          <a:effectRef idx="1">
+            <a:schemeClr val="accent1"/>
+          </a:effectRef>
+          <a:fontRef idx="minor">
+            <a:schemeClr val="lt1"/>
+          </a:fontRef>
+        </p:style>
+        <p:txBody>
+          <a:bodyPr anchor="ctr"/>
+          <a:lstStyle/>
+          <a:p>
+            <a:pPr algn="ctr" eaLnBrk="1" latinLnBrk="0" hangingPunct="1"/>
+            <a:endParaRPr kumimoji="0" lang="en-US"/>
+          </a:p>
+        </p:txBody>
+      </p:sp>
+      <p:sp>
+        <p:nvSpPr>
+          <p:cNvPr id="12" name="מלבן 11"/>
+          <p:cNvSpPr/>
+          <p:nvPr/>
+        </p:nvSpPr>
+        <p:spPr bwMode="auto">
+          <a:xfrm>
+            <a:off x="1141320" y="0"/>
+            <a:ext cx="230280" cy="6858000"/>
+          </a:xfrm>
+          <a:prstGeom prst="rect">
+            <a:avLst/>
+          </a:prstGeom>
+          <a:solidFill>
+            <a:schemeClr val="accent1">
+              <a:tint val="20000"/>
+              <a:alpha val="71000"/>
+            </a:schemeClr>
+          </a:solidFill>
+          <a:ln w="38100" cap="rnd" cmpd="sng" algn="ctr">
+            <a:noFill/>
+            <a:prstDash val="solid"/>
+          </a:ln>
+          <a:effectLst/>
+        </p:spPr>
+        <p:style>
+          <a:lnRef idx="3">
+            <a:schemeClr val="lt1"/>
+          </a:lnRef>
+          <a:fillRef idx="1">
+            <a:schemeClr val="accent1"/>
+          </a:fillRef>
+          <a:effectRef idx="1">
+            <a:schemeClr val="accent1"/>
+          </a:effectRef>
+          <a:fontRef idx="minor">
+            <a:schemeClr val="lt1"/>
+          </a:fontRef>
+        </p:style>
+        <p:txBody>
+          <a:bodyPr anchor="ctr"/>
+          <a:lstStyle/>
+          <a:p>
+            <a:pPr algn="ctr" eaLnBrk="1" latinLnBrk="0" hangingPunct="1"/>
+            <a:endParaRPr kumimoji="0" lang="en-US"/>
+          </a:p>
+        </p:txBody>
+      </p:sp>
+      <p:sp>
+        <p:nvSpPr>
+          <p:cNvPr id="13" name="מחבר ישר 12"/>
+          <p:cNvSpPr>
+            <a:spLocks noChangeShapeType="1"/>
+          </p:cNvSpPr>
+          <p:nvPr/>
+        </p:nvSpPr>
+        <p:spPr bwMode="auto">
+          <a:xfrm>
+            <a:off x="106344" y="0"/>
+            <a:ext cx="0" cy="6858000"/>
+          </a:xfrm>
+          <a:prstGeom prst="line">
+            <a:avLst/>
+          </a:prstGeom>
+          <a:noFill/>
+          <a:ln w="57150" cap="flat" cmpd="sng" algn="ctr">
+            <a:solidFill>
+              <a:schemeClr val="accent1">
+                <a:tint val="60000"/>
+                <a:alpha val="73000"/>
+              </a:schemeClr>
+            </a:solidFill>
+            <a:prstDash val="solid"/>
+            <a:round/>
+            <a:headEnd type="none" w="med" len="med"/>
+            <a:tailEnd type="none" w="med" len="med"/>
+          </a:ln>
+          <a:effectLst/>
+        </p:spPr>
+        <p:txBody>
+          <a:bodyPr vert="horz" wrap="square" lIns="91440" tIns="45720" rIns="91440" bIns="45720" anchor="t" compatLnSpc="1"/>
+          <a:lstStyle/>
+          <a:p>
+            <a:endParaRPr kumimoji="0" lang="en-US"/>
+          </a:p>
+        </p:txBody>
+      </p:sp>
+      <p:sp>
+        <p:nvSpPr>
+          <p:cNvPr id="14" name="מחבר ישר 13"/>
+          <p:cNvSpPr>
+            <a:spLocks noChangeShapeType="1"/>
+          </p:cNvSpPr>
+          <p:nvPr/>
+        </p:nvSpPr>
+        <p:spPr bwMode="auto">
+          <a:xfrm>
+            <a:off x="914400" y="0"/>
+            <a:ext cx="0" cy="6858000"/>
+          </a:xfrm>
+          <a:prstGeom prst="line">
+            <a:avLst/>
+          </a:prstGeom>
+          <a:noFill/>
+          <a:ln w="57150" cap="flat" cmpd="sng" algn="ctr">
+            <a:solidFill>
+              <a:schemeClr val="accent1">
+                <a:tint val="20000"/>
+                <a:alpha val="83000"/>
+              </a:schemeClr>
+            </a:solidFill>
+            <a:prstDash val="solid"/>
+            <a:round/>
+            <a:headEnd type="none" w="med" len="med"/>
+            <a:tailEnd type="none" w="med" len="med"/>
+          </a:ln>
+          <a:effectLst/>
+        </p:spPr>
+        <p:txBody>
+          <a:bodyPr vert="horz" wrap="square" lIns="91440" tIns="45720" rIns="91440" bIns="45720" anchor="t" compatLnSpc="1"/>
+          <a:lstStyle/>
+          <a:p>
+            <a:endParaRPr kumimoji="0" lang="en-US"/>
+          </a:p>
+        </p:txBody>
+      </p:sp>
+      <p:sp>
+        <p:nvSpPr>
+          <p:cNvPr id="15" name="מחבר ישר 14"/>
+          <p:cNvSpPr>
+            <a:spLocks noChangeShapeType="1"/>
+          </p:cNvSpPr>
+          <p:nvPr/>
+        </p:nvSpPr>
+        <p:spPr bwMode="auto">
+          <a:xfrm>
+            <a:off x="854112" y="0"/>
+            <a:ext cx="0" cy="6858000"/>
+          </a:xfrm>
+          <a:prstGeom prst="line">
+            <a:avLst/>
+          </a:prstGeom>
+          <a:noFill/>
+          <a:ln w="57150" cap="flat" cmpd="sng" algn="ctr">
+            <a:solidFill>
+              <a:schemeClr val="accent1">
+                <a:tint val="60000"/>
+              </a:schemeClr>
+            </a:solidFill>
+            <a:prstDash val="solid"/>
+            <a:round/>
+            <a:headEnd type="none" w="med" len="med"/>
+            <a:tailEnd type="none" w="med" len="med"/>
+          </a:ln>
+          <a:effectLst/>
+        </p:spPr>
+        <p:txBody>
+          <a:bodyPr vert="horz" wrap="square" lIns="91440" tIns="45720" rIns="91440" bIns="45720" anchor="t" compatLnSpc="1"/>
+          <a:lstStyle/>
+          <a:p>
+            <a:endParaRPr kumimoji="0" lang="en-US"/>
+          </a:p>
+        </p:txBody>
+      </p:sp>
+      <p:sp>
+        <p:nvSpPr>
+          <p:cNvPr id="16" name="מחבר ישר 15"/>
+          <p:cNvSpPr>
+            <a:spLocks noChangeShapeType="1"/>
+          </p:cNvSpPr>
+          <p:nvPr/>
+        </p:nvSpPr>
+        <p:spPr bwMode="auto">
+          <a:xfrm>
+            <a:off x="1726640" y="0"/>
+            <a:ext cx="0" cy="6858000"/>
+          </a:xfrm>
+          <a:prstGeom prst="line">
+            <a:avLst/>
+          </a:prstGeom>
+          <a:noFill/>
+          <a:ln w="28575" cap="flat" cmpd="sng" algn="ctr">
+            <a:solidFill>
+              <a:schemeClr val="accent1">
+                <a:tint val="60000"/>
+                <a:alpha val="82000"/>
+              </a:schemeClr>
+            </a:solidFill>
+            <a:prstDash val="solid"/>
+            <a:round/>
+            <a:headEnd type="none" w="med" len="med"/>
+            <a:tailEnd type="none" w="med" len="med"/>
+          </a:ln>
+          <a:effectLst/>
+        </p:spPr>
+        <p:txBody>
+          <a:bodyPr vert="horz" wrap="square" lIns="91440" tIns="45720" rIns="91440" bIns="45720" anchor="t" compatLnSpc="1"/>
+          <a:lstStyle/>
+          <a:p>
+            <a:endParaRPr kumimoji="0" lang="en-US"/>
+          </a:p>
+        </p:txBody>
+      </p:sp>
+      <p:sp>
+        <p:nvSpPr>
+          <p:cNvPr id="17" name="מחבר ישר 16"/>
+          <p:cNvSpPr>
+            <a:spLocks noChangeShapeType="1"/>
+          </p:cNvSpPr>
+          <p:nvPr/>
+        </p:nvSpPr>
+        <p:spPr bwMode="auto">
+          <a:xfrm>
+            <a:off x="1066800" y="0"/>
+            <a:ext cx="0" cy="6858000"/>
+          </a:xfrm>
+          <a:prstGeom prst="line">
+            <a:avLst/>
+          </a:prstGeom>
+          <a:noFill/>
+          <a:ln w="9525" cap="flat" cmpd="sng" algn="ctr">
+            <a:solidFill>
+              <a:schemeClr val="accent1">
+                <a:tint val="60000"/>
+              </a:schemeClr>
+            </a:solidFill>
+            <a:prstDash val="solid"/>
+            <a:round/>
+            <a:headEnd type="none" w="med" len="med"/>
+            <a:tailEnd type="none" w="med" len="med"/>
+          </a:ln>
+          <a:effectLst/>
+        </p:spPr>
+        <p:txBody>
+          <a:bodyPr vert="horz" wrap="square" lIns="91440" tIns="45720" rIns="91440" bIns="45720" anchor="t" compatLnSpc="1"/>
+          <a:lstStyle/>
+          <a:p>
+            <a:endParaRPr kumimoji="0" lang="en-US"/>
+          </a:p>
+        </p:txBody>
+      </p:sp>
+      <p:sp>
+        <p:nvSpPr>
+          <p:cNvPr id="18" name="מלבן 17"/>
+          <p:cNvSpPr/>
+          <p:nvPr/>
+        </p:nvSpPr>
+        <p:spPr bwMode="auto">
+          <a:xfrm>
+            <a:off x="1219200" y="0"/>
+            <a:ext cx="76200" cy="6858000"/>
+          </a:xfrm>
+          <a:prstGeom prst="rect">
+            <a:avLst/>
+          </a:prstGeom>
+          <a:solidFill>
+            <a:schemeClr val="accent1">
+              <a:tint val="60000"/>
+              <a:alpha val="51000"/>
+            </a:schemeClr>
+          </a:solidFill>
+          <a:ln w="38100" cap="rnd" cmpd="sng" algn="ctr">
+            <a:noFill/>
+            <a:prstDash val="solid"/>
+          </a:ln>
+          <a:effectLst/>
+        </p:spPr>
+        <p:style>
+          <a:lnRef idx="3">
+            <a:schemeClr val="lt1"/>
+          </a:lnRef>
+          <a:fillRef idx="1">
+            <a:schemeClr val="accent1"/>
+          </a:fillRef>
+          <a:effectRef idx="1">
+            <a:schemeClr val="accent1"/>
+          </a:effectRef>
+          <a:fontRef idx="minor">
+            <a:schemeClr val="lt1"/>
+          </a:fontRef>
+        </p:style>
+        <p:txBody>
+          <a:bodyPr anchor="ctr"/>
+          <a:lstStyle/>
+          <a:p>
+            <a:pPr algn="ctr" eaLnBrk="1" latinLnBrk="0" hangingPunct="1"/>
+            <a:endParaRPr kumimoji="0" lang="en-US" dirty="0"/>
+          </a:p>
+        </p:txBody>
+      </p:sp>
+      <p:sp>
+        <p:nvSpPr>
+          <p:cNvPr id="19" name="אליפסה 18"/>
+          <p:cNvSpPr/>
+          <p:nvPr/>
+        </p:nvSpPr>
+        <p:spPr bwMode="auto">
+          <a:xfrm>
+            <a:off x="609600" y="3429000"/>
+            <a:ext cx="1295400" cy="1295400"/>
+          </a:xfrm>
+          <a:prstGeom prst="ellipse">
+            <a:avLst/>
+          </a:prstGeom>
+          <a:ln w="38100" cap="rnd" cmpd="sng" algn="ctr">
+            <a:noFill/>
+            <a:prstDash val="solid"/>
+          </a:ln>
+          <a:effectLst/>
+        </p:spPr>
+        <p:style>
+          <a:lnRef idx="3">
+            <a:schemeClr val="lt1"/>
+          </a:lnRef>
+          <a:fillRef idx="1">
+            <a:schemeClr val="accent1"/>
+          </a:fillRef>
+          <a:effectRef idx="1">
+            <a:schemeClr val="accent1"/>
+          </a:effectRef>
+          <a:fontRef idx="minor">
+            <a:schemeClr val="lt1"/>
+          </a:fontRef>
+        </p:style>
+        <p:txBody>
+          <a:bodyPr anchor="ctr"/>
+          <a:lstStyle/>
+          <a:p>
+            <a:pPr algn="ctr" eaLnBrk="1" latinLnBrk="0" hangingPunct="1"/>
+            <a:endParaRPr kumimoji="0" lang="en-US" dirty="0"/>
+          </a:p>
+        </p:txBody>
+      </p:sp>
+      <p:sp>
+        <p:nvSpPr>
+          <p:cNvPr id="20" name="אליפסה 19"/>
+          <p:cNvSpPr/>
+          <p:nvPr/>
+        </p:nvSpPr>
+        <p:spPr bwMode="auto">
+          <a:xfrm>
+            <a:off x="1324704" y="4866752"/>
+            <a:ext cx="641424" cy="641424"/>
+          </a:xfrm>
+          <a:prstGeom prst="ellipse">
+            <a:avLst/>
+          </a:prstGeom>
+          <a:ln w="28575" cap="rnd" cmpd="sng" algn="ctr">
+            <a:noFill/>
+            <a:prstDash val="solid"/>
+          </a:ln>
+          <a:effectLst/>
+        </p:spPr>
+        <p:style>
+          <a:lnRef idx="3">
+            <a:schemeClr val="lt1"/>
+          </a:lnRef>
+          <a:fillRef idx="1">
+            <a:schemeClr val="accent1"/>
+          </a:fillRef>
+          <a:effectRef idx="1">
+            <a:schemeClr val="accent1"/>
+          </a:effectRef>
+          <a:fontRef idx="minor">
+            <a:schemeClr val="lt1"/>
+          </a:fontRef>
+        </p:style>
+        <p:txBody>
+          <a:bodyPr anchor="ctr"/>
+          <a:lstStyle/>
+          <a:p>
+            <a:pPr algn="ctr" eaLnBrk="1" latinLnBrk="0" hangingPunct="1"/>
+            <a:endParaRPr kumimoji="0" lang="en-US" dirty="0"/>
+          </a:p>
+        </p:txBody>
+      </p:sp>
+      <p:sp>
+        <p:nvSpPr>
+          <p:cNvPr id="21" name="אליפסה 20"/>
+          <p:cNvSpPr/>
+          <p:nvPr/>
+        </p:nvSpPr>
+        <p:spPr bwMode="auto">
+          <a:xfrm>
+            <a:off x="1091080" y="5500632"/>
+            <a:ext cx="137160" cy="137160"/>
+          </a:xfrm>
+          <a:prstGeom prst="ellipse">
+            <a:avLst/>
+          </a:prstGeom>
+          <a:ln w="12700" cap="rnd" cmpd="sng" algn="ctr">
+            <a:noFill/>
+            <a:prstDash val="solid"/>
+          </a:ln>
+          <a:effectLst/>
+        </p:spPr>
+        <p:style>
+          <a:lnRef idx="3">
+            <a:schemeClr val="lt1"/>
+          </a:lnRef>
+          <a:fillRef idx="1">
+            <a:schemeClr val="accent1"/>
+          </a:fillRef>
+          <a:effectRef idx="1">
+            <a:schemeClr val="accent1"/>
+          </a:effectRef>
+          <a:fontRef idx="minor">
+            <a:schemeClr val="lt1"/>
+          </a:fontRef>
+        </p:style>
+        <p:txBody>
+          <a:bodyPr anchor="ctr"/>
+          <a:lstStyle/>
+          <a:p>
+            <a:pPr algn="ctr" eaLnBrk="1" latinLnBrk="0" hangingPunct="1"/>
+            <a:endParaRPr kumimoji="0" lang="en-US" dirty="0"/>
+          </a:p>
+        </p:txBody>
+      </p:sp>
+      <p:sp>
+        <p:nvSpPr>
+          <p:cNvPr id="22" name="אליפסה 21"/>
+          <p:cNvSpPr/>
+          <p:nvPr/>
+        </p:nvSpPr>
+        <p:spPr bwMode="auto">
+          <a:xfrm>
+            <a:off x="1664208" y="5791200"/>
+            <a:ext cx="274320" cy="274320"/>
+          </a:xfrm>
+          <a:prstGeom prst="ellipse">
+            <a:avLst/>
+          </a:prstGeom>
+          <a:ln w="12700" cap="rnd" cmpd="sng" algn="ctr">
+            <a:noFill/>
+            <a:prstDash val="solid"/>
+          </a:ln>
+          <a:effectLst/>
+        </p:spPr>
+        <p:style>
+          <a:lnRef idx="3">
+            <a:schemeClr val="lt1"/>
+          </a:lnRef>
+          <a:fillRef idx="1">
+            <a:schemeClr val="accent1"/>
+          </a:fillRef>
+          <a:effectRef idx="1">
+            <a:schemeClr val="accent1"/>
+          </a:effectRef>
+          <a:fontRef idx="minor">
+            <a:schemeClr val="lt1"/>
+          </a:fontRef>
+        </p:style>
+        <p:txBody>
+          <a:bodyPr anchor="ctr"/>
+          <a:lstStyle/>
+          <a:p>
+            <a:pPr algn="ctr" eaLnBrk="1" latinLnBrk="0" hangingPunct="1"/>
+            <a:endParaRPr kumimoji="0" lang="en-US" dirty="0"/>
+          </a:p>
+        </p:txBody>
+      </p:sp>
+      <p:sp>
+        <p:nvSpPr>
+          <p:cNvPr id="23" name="אליפסה 22"/>
+          <p:cNvSpPr/>
+          <p:nvPr/>
+        </p:nvSpPr>
+        <p:spPr bwMode="auto">
+          <a:xfrm>
+            <a:off x="1879040" y="4479888"/>
+            <a:ext cx="365760" cy="365760"/>
+          </a:xfrm>
+          <a:prstGeom prst="ellipse">
+            <a:avLst/>
+          </a:prstGeom>
+          <a:ln w="28575" cap="rnd" cmpd="sng" algn="ctr">
+            <a:noFill/>
+            <a:prstDash val="solid"/>
+          </a:ln>
+          <a:effectLst/>
+        </p:spPr>
+        <p:style>
+          <a:lnRef idx="3">
+            <a:schemeClr val="lt1"/>
+          </a:lnRef>
+          <a:fillRef idx="1">
+            <a:schemeClr val="accent1"/>
+          </a:fillRef>
+          <a:effectRef idx="1">
+            <a:schemeClr val="accent1"/>
+          </a:effectRef>
+          <a:fontRef idx="minor">
+            <a:schemeClr val="lt1"/>
+          </a:fontRef>
+        </p:style>
+        <p:txBody>
+          <a:bodyPr anchor="ctr"/>
+          <a:lstStyle/>
+          <a:p>
+            <a:pPr algn="ctr" eaLnBrk="1" latinLnBrk="0" hangingPunct="1"/>
+            <a:endParaRPr kumimoji="0" lang="en-US" dirty="0"/>
+          </a:p>
+        </p:txBody>
+      </p:sp>
+      <p:sp>
+        <p:nvSpPr>
+          <p:cNvPr id="26" name="מחבר ישר 25"/>
+          <p:cNvSpPr>
+            <a:spLocks noChangeShapeType="1"/>
+          </p:cNvSpPr>
+          <p:nvPr/>
+        </p:nvSpPr>
+        <p:spPr bwMode="auto">
+          <a:xfrm>
+            <a:off x="9097944" y="0"/>
+            <a:ext cx="0" cy="6858000"/>
+          </a:xfrm>
+          <a:prstGeom prst="line">
+            <a:avLst/>
+          </a:prstGeom>
+          <a:noFill/>
+          <a:ln w="57150" cap="flat" cmpd="thickThin" algn="ctr">
+            <a:solidFill>
+              <a:schemeClr val="accent1">
+                <a:tint val="60000"/>
+              </a:schemeClr>
+            </a:solidFill>
+            <a:prstDash val="solid"/>
+            <a:round/>
+            <a:headEnd type="none" w="med" len="med"/>
+            <a:tailEnd type="none" w="med" len="med"/>
+          </a:ln>
+          <a:effectLst/>
+        </p:spPr>
+        <p:txBody>
+          <a:bodyPr vert="horz" wrap="square" lIns="91440" tIns="45720" rIns="91440" bIns="45720" anchor="t" compatLnSpc="1"/>
+          <a:lstStyle/>
+          <a:p>
+            <a:endParaRPr kumimoji="0" lang="en-US"/>
           </a:p>
         </p:txBody>
       </p:sp>
@@ -1082,7 +2412,12 @@
             <p:ph type="sldNum" sz="quarter" idx="12"/>
           </p:nvPr>
         </p:nvSpPr>
-        <p:spPr/>
+        <p:spPr bwMode="auto">
+          <a:xfrm>
+            <a:off x="1340616" y="4928702"/>
+            <a:ext cx="609600" cy="517524"/>
+          </a:xfrm>
+        </p:spPr>
         <p:txBody>
           <a:bodyPr/>
           <a:lstStyle/>
@@ -1099,7 +2434,7 @@
     </p:spTree>
   </p:cSld>
   <p:clrMapOvr>
-    <a:masterClrMapping/>
+    <a:overrideClrMapping bg1="dk1" tx1="lt1" bg2="dk2" tx2="lt2" accent1="accent1" accent2="accent2" accent3="accent3" accent4="accent4" accent5="accent5" accent6="accent6" hlink="hlink" folHlink="folHlink"/>
   </p:clrMapOvr>
 </p:sldLayout>
 </file>
@@ -1137,180 +2472,10 @@
           <a:lstStyle/>
           <a:p>
             <a:r>
-              <a:rPr lang="he-IL" smtClean="0"/>
+              <a:rPr kumimoji="0" lang="he-IL" smtClean="0"/>
               <a:t>לחץ כדי לערוך סגנון כותרת של תבנית בסיס</a:t>
             </a:r>
-            <a:endParaRPr lang="he-IL"/>
-          </a:p>
-        </p:txBody>
-      </p:sp>
-      <p:sp>
-        <p:nvSpPr>
-          <p:cNvPr id="3" name="מציין מיקום תוכן 2"/>
-          <p:cNvSpPr>
-            <a:spLocks noGrp="1"/>
-          </p:cNvSpPr>
-          <p:nvPr>
-            <p:ph sz="half" idx="1"/>
-          </p:nvPr>
-        </p:nvSpPr>
-        <p:spPr>
-          <a:xfrm>
-            <a:off x="457200" y="1600200"/>
-            <a:ext cx="4038600" cy="4525963"/>
-          </a:xfrm>
-        </p:spPr>
-        <p:txBody>
-          <a:bodyPr/>
-          <a:lstStyle>
-            <a:lvl1pPr>
-              <a:defRPr sz="2800"/>
-            </a:lvl1pPr>
-            <a:lvl2pPr>
-              <a:defRPr sz="2400"/>
-            </a:lvl2pPr>
-            <a:lvl3pPr>
-              <a:defRPr sz="2000"/>
-            </a:lvl3pPr>
-            <a:lvl4pPr>
-              <a:defRPr sz="1800"/>
-            </a:lvl4pPr>
-            <a:lvl5pPr>
-              <a:defRPr sz="1800"/>
-            </a:lvl5pPr>
-            <a:lvl6pPr>
-              <a:defRPr sz="1800"/>
-            </a:lvl6pPr>
-            <a:lvl7pPr>
-              <a:defRPr sz="1800"/>
-            </a:lvl7pPr>
-            <a:lvl8pPr>
-              <a:defRPr sz="1800"/>
-            </a:lvl8pPr>
-            <a:lvl9pPr>
-              <a:defRPr sz="1800"/>
-            </a:lvl9pPr>
-          </a:lstStyle>
-          <a:p>
-            <a:pPr lvl="0"/>
-            <a:r>
-              <a:rPr lang="he-IL" smtClean="0"/>
-              <a:t>לחץ כדי לערוך סגנונות טקסט של תבנית בסיס</a:t>
-            </a:r>
-          </a:p>
-          <a:p>
-            <a:pPr lvl="1"/>
-            <a:r>
-              <a:rPr lang="he-IL" smtClean="0"/>
-              <a:t>רמה שנייה</a:t>
-            </a:r>
-          </a:p>
-          <a:p>
-            <a:pPr lvl="2"/>
-            <a:r>
-              <a:rPr lang="he-IL" smtClean="0"/>
-              <a:t>רמה שלישית</a:t>
-            </a:r>
-          </a:p>
-          <a:p>
-            <a:pPr lvl="3"/>
-            <a:r>
-              <a:rPr lang="he-IL" smtClean="0"/>
-              <a:t>רמה רביעית</a:t>
-            </a:r>
-          </a:p>
-          <a:p>
-            <a:pPr lvl="4"/>
-            <a:r>
-              <a:rPr lang="he-IL" smtClean="0"/>
-              <a:t>רמה חמישית</a:t>
-            </a:r>
-            <a:endParaRPr lang="he-IL"/>
-          </a:p>
-        </p:txBody>
-      </p:sp>
-      <p:sp>
-        <p:nvSpPr>
-          <p:cNvPr id="4" name="מציין מיקום תוכן 3"/>
-          <p:cNvSpPr>
-            <a:spLocks noGrp="1"/>
-          </p:cNvSpPr>
-          <p:nvPr>
-            <p:ph sz="half" idx="2"/>
-          </p:nvPr>
-        </p:nvSpPr>
-        <p:spPr>
-          <a:xfrm>
-            <a:off x="4648200" y="1600200"/>
-            <a:ext cx="4038600" cy="4525963"/>
-          </a:xfrm>
-        </p:spPr>
-        <p:txBody>
-          <a:bodyPr/>
-          <a:lstStyle>
-            <a:lvl1pPr>
-              <a:defRPr sz="2800"/>
-            </a:lvl1pPr>
-            <a:lvl2pPr>
-              <a:defRPr sz="2400"/>
-            </a:lvl2pPr>
-            <a:lvl3pPr>
-              <a:defRPr sz="2000"/>
-            </a:lvl3pPr>
-            <a:lvl4pPr>
-              <a:defRPr sz="1800"/>
-            </a:lvl4pPr>
-            <a:lvl5pPr>
-              <a:defRPr sz="1800"/>
-            </a:lvl5pPr>
-            <a:lvl6pPr>
-              <a:defRPr sz="1800"/>
-            </a:lvl6pPr>
-            <a:lvl7pPr>
-              <a:defRPr sz="1800"/>
-            </a:lvl7pPr>
-            <a:lvl8pPr>
-              <a:defRPr sz="1800"/>
-            </a:lvl8pPr>
-            <a:lvl9pPr>
-              <a:defRPr sz="1800"/>
-            </a:lvl9pPr>
-          </a:lstStyle>
-          <a:p>
-            <a:pPr lvl="0"/>
-            <a:r>
-              <a:rPr lang="he-IL" smtClean="0"/>
-              <a:t>לחץ כדי לערוך סגנונות טקסט של תבנית בסיס</a:t>
-            </a:r>
-          </a:p>
-          <a:p>
-            <a:pPr lvl="1"/>
-            <a:r>
-              <a:rPr lang="he-IL" smtClean="0"/>
-              <a:t>רמה שנייה</a:t>
-            </a:r>
-          </a:p>
-          <a:p>
-            <a:pPr lvl="2"/>
-            <a:r>
-              <a:rPr lang="he-IL" smtClean="0"/>
-              <a:t>רמה שלישית</a:t>
-            </a:r>
-          </a:p>
-          <a:p>
-            <a:pPr lvl="3"/>
-            <a:r>
-              <a:rPr lang="he-IL" smtClean="0"/>
-              <a:t>רמה רביעית</a:t>
-            </a:r>
-          </a:p>
-          <a:p>
-            <a:pPr lvl="4"/>
-            <a:r>
-              <a:rPr lang="he-IL" smtClean="0"/>
-              <a:t>רמה חמישית</a:t>
-            </a:r>
-            <a:endParaRPr lang="he-IL"/>
+            <a:endParaRPr kumimoji="0" lang="en-US"/>
           </a:p>
         </p:txBody>
       </p:sp>
@@ -1332,7 +2497,7 @@
             <a:fld id="{501FE48C-6519-4B61-962B-C11787253B8E}" type="datetimeFigureOut">
               <a:rPr lang="he-IL" smtClean="0"/>
               <a:pPr/>
-              <a:t>כ"ז/סיון/תשפ"ד</a:t>
+              <a:t>י'/אב/תשפ"ד</a:t>
             </a:fld>
             <a:endParaRPr lang="he-IL"/>
           </a:p>
@@ -1378,6 +2543,120 @@
               <a:t>‹#›</a:t>
             </a:fld>
             <a:endParaRPr lang="he-IL"/>
+          </a:p>
+        </p:txBody>
+      </p:sp>
+      <p:sp>
+        <p:nvSpPr>
+          <p:cNvPr id="9" name="מציין מיקום תוכן 8"/>
+          <p:cNvSpPr>
+            <a:spLocks noGrp="1"/>
+          </p:cNvSpPr>
+          <p:nvPr>
+            <p:ph sz="quarter" idx="1"/>
+          </p:nvPr>
+        </p:nvSpPr>
+        <p:spPr>
+          <a:xfrm>
+            <a:off x="457200" y="1600200"/>
+            <a:ext cx="3657600" cy="4572000"/>
+          </a:xfrm>
+        </p:spPr>
+        <p:txBody>
+          <a:bodyPr/>
+          <a:lstStyle/>
+          <a:p>
+            <a:pPr lvl="0" eaLnBrk="1" latinLnBrk="0" hangingPunct="1"/>
+            <a:r>
+              <a:rPr lang="he-IL" smtClean="0"/>
+              <a:t>לחץ כדי לערוך סגנונות טקסט של תבנית בסיס</a:t>
+            </a:r>
+          </a:p>
+          <a:p>
+            <a:pPr lvl="1" eaLnBrk="1" latinLnBrk="0" hangingPunct="1"/>
+            <a:r>
+              <a:rPr lang="he-IL" smtClean="0"/>
+              <a:t>רמה שנייה</a:t>
+            </a:r>
+          </a:p>
+          <a:p>
+            <a:pPr lvl="2" eaLnBrk="1" latinLnBrk="0" hangingPunct="1"/>
+            <a:r>
+              <a:rPr lang="he-IL" smtClean="0"/>
+              <a:t>רמה שלישית</a:t>
+            </a:r>
+          </a:p>
+          <a:p>
+            <a:pPr lvl="3" eaLnBrk="1" latinLnBrk="0" hangingPunct="1"/>
+            <a:r>
+              <a:rPr lang="he-IL" smtClean="0"/>
+              <a:t>רמה רביעית</a:t>
+            </a:r>
+          </a:p>
+          <a:p>
+            <a:pPr lvl="4" eaLnBrk="1" latinLnBrk="0" hangingPunct="1"/>
+            <a:r>
+              <a:rPr lang="he-IL" smtClean="0"/>
+              <a:t>רמה חמישית</a:t>
+            </a:r>
+            <a:endParaRPr kumimoji="0" lang="en-US"/>
+          </a:p>
+        </p:txBody>
+      </p:sp>
+      <p:sp>
+        <p:nvSpPr>
+          <p:cNvPr id="11" name="מציין מיקום תוכן 10"/>
+          <p:cNvSpPr>
+            <a:spLocks noGrp="1"/>
+          </p:cNvSpPr>
+          <p:nvPr>
+            <p:ph sz="quarter" idx="2"/>
+          </p:nvPr>
+        </p:nvSpPr>
+        <p:spPr>
+          <a:xfrm>
+            <a:off x="4270248" y="1600200"/>
+            <a:ext cx="3657600" cy="4572000"/>
+          </a:xfrm>
+        </p:spPr>
+        <p:txBody>
+          <a:bodyPr/>
+          <a:lstStyle/>
+          <a:p>
+            <a:pPr lvl="0" eaLnBrk="1" latinLnBrk="0" hangingPunct="1"/>
+            <a:r>
+              <a:rPr lang="he-IL" smtClean="0"/>
+              <a:t>לחץ כדי לערוך סגנונות טקסט של תבנית בסיס</a:t>
+            </a:r>
+          </a:p>
+          <a:p>
+            <a:pPr lvl="1" eaLnBrk="1" latinLnBrk="0" hangingPunct="1"/>
+            <a:r>
+              <a:rPr lang="he-IL" smtClean="0"/>
+              <a:t>רמה שנייה</a:t>
+            </a:r>
+          </a:p>
+          <a:p>
+            <a:pPr lvl="2" eaLnBrk="1" latinLnBrk="0" hangingPunct="1"/>
+            <a:r>
+              <a:rPr lang="he-IL" smtClean="0"/>
+              <a:t>רמה שלישית</a:t>
+            </a:r>
+          </a:p>
+          <a:p>
+            <a:pPr lvl="3" eaLnBrk="1" latinLnBrk="0" hangingPunct="1"/>
+            <a:r>
+              <a:rPr lang="he-IL" smtClean="0"/>
+              <a:t>רמה רביעית</a:t>
+            </a:r>
+          </a:p>
+          <a:p>
+            <a:pPr lvl="4" eaLnBrk="1" latinLnBrk="0" hangingPunct="1"/>
+            <a:r>
+              <a:rPr lang="he-IL" smtClean="0"/>
+              <a:t>רמה חמישית</a:t>
+            </a:r>
+            <a:endParaRPr kumimoji="0" lang="en-US"/>
           </a:p>
         </p:txBody>
       </p:sp>
@@ -1416,9 +2695,14 @@
             <p:ph type="title"/>
           </p:nvPr>
         </p:nvSpPr>
-        <p:spPr/>
-        <p:txBody>
-          <a:bodyPr/>
+        <p:spPr>
+          <a:xfrm>
+            <a:off x="457200" y="273050"/>
+            <a:ext cx="7543800" cy="1143000"/>
+          </a:xfrm>
+        </p:spPr>
+        <p:txBody>
+          <a:bodyPr anchor="b"/>
           <a:lstStyle>
             <a:lvl1pPr>
               <a:defRPr/>
@@ -1426,310 +2710,10 @@
           </a:lstStyle>
           <a:p>
             <a:r>
-              <a:rPr lang="he-IL" smtClean="0"/>
+              <a:rPr kumimoji="0" lang="he-IL" smtClean="0"/>
               <a:t>לחץ כדי לערוך סגנון כותרת של תבנית בסיס</a:t>
             </a:r>
-            <a:endParaRPr lang="he-IL"/>
-          </a:p>
-        </p:txBody>
-      </p:sp>
-      <p:sp>
-        <p:nvSpPr>
-          <p:cNvPr id="3" name="מציין מיקום טקסט 2"/>
-          <p:cNvSpPr>
-            <a:spLocks noGrp="1"/>
-          </p:cNvSpPr>
-          <p:nvPr>
-            <p:ph type="body" idx="1"/>
-          </p:nvPr>
-        </p:nvSpPr>
-        <p:spPr>
-          <a:xfrm>
-            <a:off x="457200" y="1535113"/>
-            <a:ext cx="4040188" cy="639762"/>
-          </a:xfrm>
-        </p:spPr>
-        <p:txBody>
-          <a:bodyPr anchor="b"/>
-          <a:lstStyle>
-            <a:lvl1pPr marL="0" indent="0">
-              <a:buNone/>
-              <a:defRPr sz="2400" b="1"/>
-            </a:lvl1pPr>
-            <a:lvl2pPr marL="457200" indent="0">
-              <a:buNone/>
-              <a:defRPr sz="2000" b="1"/>
-            </a:lvl2pPr>
-            <a:lvl3pPr marL="914400" indent="0">
-              <a:buNone/>
-              <a:defRPr sz="1800" b="1"/>
-            </a:lvl3pPr>
-            <a:lvl4pPr marL="1371600" indent="0">
-              <a:buNone/>
-              <a:defRPr sz="1600" b="1"/>
-            </a:lvl4pPr>
-            <a:lvl5pPr marL="1828800" indent="0">
-              <a:buNone/>
-              <a:defRPr sz="1600" b="1"/>
-            </a:lvl5pPr>
-            <a:lvl6pPr marL="2286000" indent="0">
-              <a:buNone/>
-              <a:defRPr sz="1600" b="1"/>
-            </a:lvl6pPr>
-            <a:lvl7pPr marL="2743200" indent="0">
-              <a:buNone/>
-              <a:defRPr sz="1600" b="1"/>
-            </a:lvl7pPr>
-            <a:lvl8pPr marL="3200400" indent="0">
-              <a:buNone/>
-              <a:defRPr sz="1600" b="1"/>
-            </a:lvl8pPr>
-            <a:lvl9pPr marL="3657600" indent="0">
-              <a:buNone/>
-              <a:defRPr sz="1600" b="1"/>
-            </a:lvl9pPr>
-          </a:lstStyle>
-          <a:p>
-            <a:pPr lvl="0"/>
-            <a:r>
-              <a:rPr lang="he-IL" smtClean="0"/>
-              <a:t>לחץ כדי לערוך סגנונות טקסט של תבנית בסיס</a:t>
-            </a:r>
-          </a:p>
-        </p:txBody>
-      </p:sp>
-      <p:sp>
-        <p:nvSpPr>
-          <p:cNvPr id="4" name="מציין מיקום תוכן 3"/>
-          <p:cNvSpPr>
-            <a:spLocks noGrp="1"/>
-          </p:cNvSpPr>
-          <p:nvPr>
-            <p:ph sz="half" idx="2"/>
-          </p:nvPr>
-        </p:nvSpPr>
-        <p:spPr>
-          <a:xfrm>
-            <a:off x="457200" y="2174875"/>
-            <a:ext cx="4040188" cy="3951288"/>
-          </a:xfrm>
-        </p:spPr>
-        <p:txBody>
-          <a:bodyPr/>
-          <a:lstStyle>
-            <a:lvl1pPr>
-              <a:defRPr sz="2400"/>
-            </a:lvl1pPr>
-            <a:lvl2pPr>
-              <a:defRPr sz="2000"/>
-            </a:lvl2pPr>
-            <a:lvl3pPr>
-              <a:defRPr sz="1800"/>
-            </a:lvl3pPr>
-            <a:lvl4pPr>
-              <a:defRPr sz="1600"/>
-            </a:lvl4pPr>
-            <a:lvl5pPr>
-              <a:defRPr sz="1600"/>
-            </a:lvl5pPr>
-            <a:lvl6pPr>
-              <a:defRPr sz="1600"/>
-            </a:lvl6pPr>
-            <a:lvl7pPr>
-              <a:defRPr sz="1600"/>
-            </a:lvl7pPr>
-            <a:lvl8pPr>
-              <a:defRPr sz="1600"/>
-            </a:lvl8pPr>
-            <a:lvl9pPr>
-              <a:defRPr sz="1600"/>
-            </a:lvl9pPr>
-          </a:lstStyle>
-          <a:p>
-            <a:pPr lvl="0"/>
-            <a:r>
-              <a:rPr lang="he-IL" smtClean="0"/>
-              <a:t>לחץ כדי לערוך סגנונות טקסט של תבנית בסיס</a:t>
-            </a:r>
-          </a:p>
-          <a:p>
-            <a:pPr lvl="1"/>
-            <a:r>
-              <a:rPr lang="he-IL" smtClean="0"/>
-              <a:t>רמה שנייה</a:t>
-            </a:r>
-          </a:p>
-          <a:p>
-            <a:pPr lvl="2"/>
-            <a:r>
-              <a:rPr lang="he-IL" smtClean="0"/>
-              <a:t>רמה שלישית</a:t>
-            </a:r>
-          </a:p>
-          <a:p>
-            <a:pPr lvl="3"/>
-            <a:r>
-              <a:rPr lang="he-IL" smtClean="0"/>
-              <a:t>רמה רביעית</a:t>
-            </a:r>
-          </a:p>
-          <a:p>
-            <a:pPr lvl="4"/>
-            <a:r>
-              <a:rPr lang="he-IL" smtClean="0"/>
-              <a:t>רמה חמישית</a:t>
-            </a:r>
-            <a:endParaRPr lang="he-IL"/>
-          </a:p>
-        </p:txBody>
-      </p:sp>
-      <p:sp>
-        <p:nvSpPr>
-          <p:cNvPr id="5" name="מציין מיקום טקסט 4"/>
-          <p:cNvSpPr>
-            <a:spLocks noGrp="1"/>
-          </p:cNvSpPr>
-          <p:nvPr>
-            <p:ph type="body" sz="quarter" idx="3"/>
-          </p:nvPr>
-        </p:nvSpPr>
-        <p:spPr>
-          <a:xfrm>
-            <a:off x="4645025" y="1535113"/>
-            <a:ext cx="4041775" cy="639762"/>
-          </a:xfrm>
-        </p:spPr>
-        <p:txBody>
-          <a:bodyPr anchor="b"/>
-          <a:lstStyle>
-            <a:lvl1pPr marL="0" indent="0">
-              <a:buNone/>
-              <a:defRPr sz="2400" b="1"/>
-            </a:lvl1pPr>
-            <a:lvl2pPr marL="457200" indent="0">
-              <a:buNone/>
-              <a:defRPr sz="2000" b="1"/>
-            </a:lvl2pPr>
-            <a:lvl3pPr marL="914400" indent="0">
-              <a:buNone/>
-              <a:defRPr sz="1800" b="1"/>
-            </a:lvl3pPr>
-            <a:lvl4pPr marL="1371600" indent="0">
-              <a:buNone/>
-              <a:defRPr sz="1600" b="1"/>
-            </a:lvl4pPr>
-            <a:lvl5pPr marL="1828800" indent="0">
-              <a:buNone/>
-              <a:defRPr sz="1600" b="1"/>
-            </a:lvl5pPr>
-            <a:lvl6pPr marL="2286000" indent="0">
-              <a:buNone/>
-              <a:defRPr sz="1600" b="1"/>
-            </a:lvl6pPr>
-            <a:lvl7pPr marL="2743200" indent="0">
-              <a:buNone/>
-              <a:defRPr sz="1600" b="1"/>
-            </a:lvl7pPr>
-            <a:lvl8pPr marL="3200400" indent="0">
-              <a:buNone/>
-              <a:defRPr sz="1600" b="1"/>
-            </a:lvl8pPr>
-            <a:lvl9pPr marL="3657600" indent="0">
-              <a:buNone/>
-              <a:defRPr sz="1600" b="1"/>
-            </a:lvl9pPr>
-          </a:lstStyle>
-          <a:p>
-            <a:pPr lvl="0"/>
-            <a:r>
-              <a:rPr lang="he-IL" smtClean="0"/>
-              <a:t>לחץ כדי לערוך סגנונות טקסט של תבנית בסיס</a:t>
-            </a:r>
-          </a:p>
-        </p:txBody>
-      </p:sp>
-      <p:sp>
-        <p:nvSpPr>
-          <p:cNvPr id="6" name="מציין מיקום תוכן 5"/>
-          <p:cNvSpPr>
-            <a:spLocks noGrp="1"/>
-          </p:cNvSpPr>
-          <p:nvPr>
-            <p:ph sz="quarter" idx="4"/>
-          </p:nvPr>
-        </p:nvSpPr>
-        <p:spPr>
-          <a:xfrm>
-            <a:off x="4645025" y="2174875"/>
-            <a:ext cx="4041775" cy="3951288"/>
-          </a:xfrm>
-        </p:spPr>
-        <p:txBody>
-          <a:bodyPr/>
-          <a:lstStyle>
-            <a:lvl1pPr>
-              <a:defRPr sz="2400"/>
-            </a:lvl1pPr>
-            <a:lvl2pPr>
-              <a:defRPr sz="2000"/>
-            </a:lvl2pPr>
-            <a:lvl3pPr>
-              <a:defRPr sz="1800"/>
-            </a:lvl3pPr>
-            <a:lvl4pPr>
-              <a:defRPr sz="1600"/>
-            </a:lvl4pPr>
-            <a:lvl5pPr>
-              <a:defRPr sz="1600"/>
-            </a:lvl5pPr>
-            <a:lvl6pPr>
-              <a:defRPr sz="1600"/>
-            </a:lvl6pPr>
-            <a:lvl7pPr>
-              <a:defRPr sz="1600"/>
-            </a:lvl7pPr>
-            <a:lvl8pPr>
-              <a:defRPr sz="1600"/>
-            </a:lvl8pPr>
-            <a:lvl9pPr>
-              <a:defRPr sz="1600"/>
-            </a:lvl9pPr>
-          </a:lstStyle>
-          <a:p>
-            <a:pPr lvl="0"/>
-            <a:r>
-              <a:rPr lang="he-IL" smtClean="0"/>
-              <a:t>לחץ כדי לערוך סגנונות טקסט של תבנית בסיס</a:t>
-            </a:r>
-          </a:p>
-          <a:p>
-            <a:pPr lvl="1"/>
-            <a:r>
-              <a:rPr lang="he-IL" smtClean="0"/>
-              <a:t>רמה שנייה</a:t>
-            </a:r>
-          </a:p>
-          <a:p>
-            <a:pPr lvl="2"/>
-            <a:r>
-              <a:rPr lang="he-IL" smtClean="0"/>
-              <a:t>רמה שלישית</a:t>
-            </a:r>
-          </a:p>
-          <a:p>
-            <a:pPr lvl="3"/>
-            <a:r>
-              <a:rPr lang="he-IL" smtClean="0"/>
-              <a:t>רמה רביעית</a:t>
-            </a:r>
-          </a:p>
-          <a:p>
-            <a:pPr lvl="4"/>
-            <a:r>
-              <a:rPr lang="he-IL" smtClean="0"/>
-              <a:t>רמה חמישית</a:t>
-            </a:r>
-            <a:endParaRPr lang="he-IL"/>
+            <a:endParaRPr kumimoji="0" lang="en-US"/>
           </a:p>
         </p:txBody>
       </p:sp>
@@ -1751,7 +2735,7 @@
             <a:fld id="{501FE48C-6519-4B61-962B-C11787253B8E}" type="datetimeFigureOut">
               <a:rPr lang="he-IL" smtClean="0"/>
               <a:pPr/>
-              <a:t>כ"ז/סיון/תשפ"ד</a:t>
+              <a:t>י'/אב/תשפ"ד</a:t>
             </a:fld>
             <a:endParaRPr lang="he-IL"/>
           </a:p>
@@ -1797,6 +2781,216 @@
               <a:t>‹#›</a:t>
             </a:fld>
             <a:endParaRPr lang="he-IL"/>
+          </a:p>
+        </p:txBody>
+      </p:sp>
+      <p:sp>
+        <p:nvSpPr>
+          <p:cNvPr id="11" name="מציין מיקום תוכן 10"/>
+          <p:cNvSpPr>
+            <a:spLocks noGrp="1"/>
+          </p:cNvSpPr>
+          <p:nvPr>
+            <p:ph sz="quarter" idx="2"/>
+          </p:nvPr>
+        </p:nvSpPr>
+        <p:spPr>
+          <a:xfrm>
+            <a:off x="457200" y="2362200"/>
+            <a:ext cx="3657600" cy="3886200"/>
+          </a:xfrm>
+        </p:spPr>
+        <p:txBody>
+          <a:bodyPr/>
+          <a:lstStyle/>
+          <a:p>
+            <a:pPr lvl="0" eaLnBrk="1" latinLnBrk="0" hangingPunct="1"/>
+            <a:r>
+              <a:rPr lang="he-IL" smtClean="0"/>
+              <a:t>לחץ כדי לערוך סגנונות טקסט של תבנית בסיס</a:t>
+            </a:r>
+          </a:p>
+          <a:p>
+            <a:pPr lvl="1" eaLnBrk="1" latinLnBrk="0" hangingPunct="1"/>
+            <a:r>
+              <a:rPr lang="he-IL" smtClean="0"/>
+              <a:t>רמה שנייה</a:t>
+            </a:r>
+          </a:p>
+          <a:p>
+            <a:pPr lvl="2" eaLnBrk="1" latinLnBrk="0" hangingPunct="1"/>
+            <a:r>
+              <a:rPr lang="he-IL" smtClean="0"/>
+              <a:t>רמה שלישית</a:t>
+            </a:r>
+          </a:p>
+          <a:p>
+            <a:pPr lvl="3" eaLnBrk="1" latinLnBrk="0" hangingPunct="1"/>
+            <a:r>
+              <a:rPr lang="he-IL" smtClean="0"/>
+              <a:t>רמה רביעית</a:t>
+            </a:r>
+          </a:p>
+          <a:p>
+            <a:pPr lvl="4" eaLnBrk="1" latinLnBrk="0" hangingPunct="1"/>
+            <a:r>
+              <a:rPr lang="he-IL" smtClean="0"/>
+              <a:t>רמה חמישית</a:t>
+            </a:r>
+            <a:endParaRPr kumimoji="0" lang="en-US"/>
+          </a:p>
+        </p:txBody>
+      </p:sp>
+      <p:sp>
+        <p:nvSpPr>
+          <p:cNvPr id="13" name="מציין מיקום תוכן 12"/>
+          <p:cNvSpPr>
+            <a:spLocks noGrp="1"/>
+          </p:cNvSpPr>
+          <p:nvPr>
+            <p:ph sz="quarter" idx="4"/>
+          </p:nvPr>
+        </p:nvSpPr>
+        <p:spPr>
+          <a:xfrm>
+            <a:off x="4371975" y="2362200"/>
+            <a:ext cx="3657600" cy="3886200"/>
+          </a:xfrm>
+        </p:spPr>
+        <p:txBody>
+          <a:bodyPr/>
+          <a:lstStyle/>
+          <a:p>
+            <a:pPr lvl="0" eaLnBrk="1" latinLnBrk="0" hangingPunct="1"/>
+            <a:r>
+              <a:rPr lang="he-IL" smtClean="0"/>
+              <a:t>לחץ כדי לערוך סגנונות טקסט של תבנית בסיס</a:t>
+            </a:r>
+          </a:p>
+          <a:p>
+            <a:pPr lvl="1" eaLnBrk="1" latinLnBrk="0" hangingPunct="1"/>
+            <a:r>
+              <a:rPr lang="he-IL" smtClean="0"/>
+              <a:t>רמה שנייה</a:t>
+            </a:r>
+          </a:p>
+          <a:p>
+            <a:pPr lvl="2" eaLnBrk="1" latinLnBrk="0" hangingPunct="1"/>
+            <a:r>
+              <a:rPr lang="he-IL" smtClean="0"/>
+              <a:t>רמה שלישית</a:t>
+            </a:r>
+          </a:p>
+          <a:p>
+            <a:pPr lvl="3" eaLnBrk="1" latinLnBrk="0" hangingPunct="1"/>
+            <a:r>
+              <a:rPr lang="he-IL" smtClean="0"/>
+              <a:t>רמה רביעית</a:t>
+            </a:r>
+          </a:p>
+          <a:p>
+            <a:pPr lvl="4" eaLnBrk="1" latinLnBrk="0" hangingPunct="1"/>
+            <a:r>
+              <a:rPr lang="he-IL" smtClean="0"/>
+              <a:t>רמה חמישית</a:t>
+            </a:r>
+            <a:endParaRPr kumimoji="0" lang="en-US"/>
+          </a:p>
+        </p:txBody>
+      </p:sp>
+      <p:sp>
+        <p:nvSpPr>
+          <p:cNvPr id="12" name="מציין מיקום טקסט 11"/>
+          <p:cNvSpPr>
+            <a:spLocks noGrp="1"/>
+          </p:cNvSpPr>
+          <p:nvPr>
+            <p:ph type="body" sz="quarter" idx="1"/>
+          </p:nvPr>
+        </p:nvSpPr>
+        <p:spPr>
+          <a:xfrm>
+            <a:off x="457200" y="1569720"/>
+            <a:ext cx="3657600" cy="658368"/>
+          </a:xfrm>
+          <a:prstGeom prst="roundRect">
+            <a:avLst>
+              <a:gd name="adj" fmla="val 16667"/>
+            </a:avLst>
+          </a:prstGeom>
+          <a:solidFill>
+            <a:schemeClr val="accent1"/>
+          </a:solidFill>
+        </p:spPr>
+        <p:txBody>
+          <a:bodyPr rtlCol="0" anchor="ctr">
+            <a:noAutofit/>
+          </a:bodyPr>
+          <a:lstStyle>
+            <a:lvl1pPr marL="0" indent="0">
+              <a:buFontTx/>
+              <a:buNone/>
+              <a:defRPr sz="2000" b="1">
+                <a:solidFill>
+                  <a:srgbClr val="FFFFFF"/>
+                </a:solidFill>
+              </a:defRPr>
+            </a:lvl1pPr>
+          </a:lstStyle>
+          <a:p>
+            <a:pPr lvl="0" eaLnBrk="1" latinLnBrk="0" hangingPunct="1"/>
+            <a:r>
+              <a:rPr kumimoji="0" lang="he-IL" smtClean="0"/>
+              <a:t>לחץ כדי לערוך סגנונות טקסט של תבנית בסיס</a:t>
+            </a:r>
+          </a:p>
+        </p:txBody>
+      </p:sp>
+      <p:sp>
+        <p:nvSpPr>
+          <p:cNvPr id="14" name="מציין מיקום טקסט 13"/>
+          <p:cNvSpPr>
+            <a:spLocks noGrp="1"/>
+          </p:cNvSpPr>
+          <p:nvPr>
+            <p:ph type="body" sz="quarter" idx="3"/>
+          </p:nvPr>
+        </p:nvSpPr>
+        <p:spPr>
+          <a:xfrm>
+            <a:off x="4343400" y="1569720"/>
+            <a:ext cx="3657600" cy="658368"/>
+          </a:xfrm>
+          <a:prstGeom prst="roundRect">
+            <a:avLst>
+              <a:gd name="adj" fmla="val 16667"/>
+            </a:avLst>
+          </a:prstGeom>
+          <a:solidFill>
+            <a:schemeClr val="accent1"/>
+          </a:solidFill>
+        </p:spPr>
+        <p:txBody>
+          <a:bodyPr rtlCol="0" anchor="ctr">
+            <a:noAutofit/>
+          </a:bodyPr>
+          <a:lstStyle>
+            <a:lvl1pPr marL="0" indent="0">
+              <a:buFontTx/>
+              <a:buNone/>
+              <a:defRPr sz="2000" b="1">
+                <a:solidFill>
+                  <a:srgbClr val="FFFFFF"/>
+                </a:solidFill>
+              </a:defRPr>
+            </a:lvl1pPr>
+          </a:lstStyle>
+          <a:p>
+            <a:pPr lvl="0" eaLnBrk="1" latinLnBrk="0" hangingPunct="1"/>
+            <a:r>
+              <a:rPr kumimoji="0" lang="he-IL" smtClean="0"/>
+              <a:t>לחץ כדי לערוך סגנונות טקסט של תבנית בסיס</a:t>
+            </a:r>
           </a:p>
         </p:txBody>
       </p:sp>
@@ -1841,16 +3035,16 @@
           <a:lstStyle/>
           <a:p>
             <a:r>
-              <a:rPr lang="he-IL" smtClean="0"/>
+              <a:rPr kumimoji="0" lang="he-IL" smtClean="0"/>
               <a:t>לחץ כדי לערוך סגנון כותרת של תבנית בסיס</a:t>
             </a:r>
-            <a:endParaRPr lang="he-IL"/>
-          </a:p>
-        </p:txBody>
-      </p:sp>
-      <p:sp>
-        <p:nvSpPr>
-          <p:cNvPr id="3" name="מציין מיקום של תאריך 2"/>
+            <a:endParaRPr kumimoji="0" lang="en-US"/>
+          </a:p>
+        </p:txBody>
+      </p:sp>
+      <p:sp>
+        <p:nvSpPr>
+          <p:cNvPr id="6" name="מציין מיקום של תאריך 5"/>
           <p:cNvSpPr>
             <a:spLocks noGrp="1"/>
           </p:cNvSpPr>
@@ -1860,13 +3054,13 @@
         </p:nvSpPr>
         <p:spPr/>
         <p:txBody>
-          <a:bodyPr/>
+          <a:bodyPr rtlCol="0"/>
           <a:lstStyle/>
           <a:p>
             <a:fld id="{501FE48C-6519-4B61-962B-C11787253B8E}" type="datetimeFigureOut">
               <a:rPr lang="he-IL" smtClean="0"/>
               <a:pPr/>
-              <a:t>כ"ז/סיון/תשפ"ד</a:t>
+              <a:t>י'/אב/תשפ"ד</a:t>
             </a:fld>
             <a:endParaRPr lang="he-IL"/>
           </a:p>
@@ -1874,36 +3068,17 @@
       </p:sp>
       <p:sp>
         <p:nvSpPr>
-          <p:cNvPr id="4" name="מציין מיקום של כותרת תחתונה 3"/>
+          <p:cNvPr id="7" name="מציין מיקום של מספר שקופית 6"/>
           <p:cNvSpPr>
             <a:spLocks noGrp="1"/>
           </p:cNvSpPr>
           <p:nvPr>
-            <p:ph type="ftr" sz="quarter" idx="11"/>
+            <p:ph type="sldNum" sz="quarter" idx="11"/>
           </p:nvPr>
         </p:nvSpPr>
         <p:spPr/>
         <p:txBody>
-          <a:bodyPr/>
-          <a:lstStyle/>
-          <a:p>
-            <a:endParaRPr lang="he-IL"/>
-          </a:p>
-        </p:txBody>
-      </p:sp>
-      <p:sp>
-        <p:nvSpPr>
-          <p:cNvPr id="5" name="מציין מיקום של מספר שקופית 4"/>
-          <p:cNvSpPr>
-            <a:spLocks noGrp="1"/>
-          </p:cNvSpPr>
-          <p:nvPr>
-            <p:ph type="sldNum" sz="quarter" idx="12"/>
-          </p:nvPr>
-        </p:nvSpPr>
-        <p:spPr/>
-        <p:txBody>
-          <a:bodyPr/>
+          <a:bodyPr rtlCol="0"/>
           <a:lstStyle/>
           <a:p>
             <a:fld id="{97EF3457-0598-4B1F-8552-586F45CFA51A}" type="slidenum">
@@ -1911,6 +3086,25 @@
               <a:pPr/>
               <a:t>‹#›</a:t>
             </a:fld>
+            <a:endParaRPr lang="he-IL"/>
+          </a:p>
+        </p:txBody>
+      </p:sp>
+      <p:sp>
+        <p:nvSpPr>
+          <p:cNvPr id="8" name="מציין מיקום של כותרת תחתונה 7"/>
+          <p:cNvSpPr>
+            <a:spLocks noGrp="1"/>
+          </p:cNvSpPr>
+          <p:nvPr>
+            <p:ph type="ftr" sz="quarter" idx="12"/>
+          </p:nvPr>
+        </p:nvSpPr>
+        <p:spPr/>
+        <p:txBody>
+          <a:bodyPr rtlCol="0"/>
+          <a:lstStyle/>
+          <a:p>
             <a:endParaRPr lang="he-IL"/>
           </a:p>
         </p:txBody>
@@ -1958,7 +3152,7 @@
             <a:fld id="{501FE48C-6519-4B61-962B-C11787253B8E}" type="datetimeFigureOut">
               <a:rPr lang="he-IL" smtClean="0"/>
               <a:pPr/>
-              <a:t>כ"ז/סיון/תשפ"ד</a:t>
+              <a:t>י'/אב/תשפ"ד</a:t>
             </a:fld>
             <a:endParaRPr lang="he-IL"/>
           </a:p>
@@ -2016,8 +3210,13 @@
 </file>
 
 <file path=ppt/slideLayouts/slideLayout8.xml><?xml version="1.0" encoding="utf-8"?>
-<p:sldLayout xmlns:a="http://schemas.openxmlformats.org/drawingml/2006/main" xmlns:r="http://schemas.openxmlformats.org/officeDocument/2006/relationships" xmlns:p="http://schemas.openxmlformats.org/presentationml/2006/main" type="objTx" preserve="1">
+<p:sldLayout xmlns:a="http://schemas.openxmlformats.org/drawingml/2006/main" xmlns:r="http://schemas.openxmlformats.org/officeDocument/2006/relationships" xmlns:p="http://schemas.openxmlformats.org/presentationml/2006/main" showMasterSp="0" type="objTx" preserve="1">
   <p:cSld name="תוכן עם כיתוב">
+    <p:bg>
+      <p:bgRef idx="1001">
+        <a:schemeClr val="bg1"/>
+      </p:bgRef>
+    </p:bg>
     <p:spTree>
       <p:nvGrpSpPr>
         <p:cNvPr id="1" name=""/>
@@ -2034,6 +3233,45 @@
       </p:grpSpPr>
       <p:sp>
         <p:nvSpPr>
+          <p:cNvPr id="10" name="מחבר ישר 9"/>
+          <p:cNvSpPr>
+            <a:spLocks noChangeShapeType="1"/>
+          </p:cNvSpPr>
+          <p:nvPr/>
+        </p:nvSpPr>
+        <p:spPr bwMode="auto">
+          <a:xfrm>
+            <a:off x="8763000" y="0"/>
+            <a:ext cx="0" cy="6858000"/>
+          </a:xfrm>
+          <a:prstGeom prst="line">
+            <a:avLst/>
+          </a:prstGeom>
+          <a:noFill/>
+          <a:ln w="38100" cap="flat" cmpd="sng" algn="ctr">
+            <a:solidFill>
+              <a:schemeClr val="accent1">
+                <a:tint val="60000"/>
+                <a:alpha val="93000"/>
+              </a:schemeClr>
+            </a:solidFill>
+            <a:prstDash val="solid"/>
+            <a:round/>
+            <a:headEnd type="none" w="med" len="med"/>
+            <a:tailEnd type="none" w="med" len="med"/>
+          </a:ln>
+          <a:effectLst/>
+        </p:spPr>
+        <p:txBody>
+          <a:bodyPr vert="horz" wrap="square" lIns="91440" tIns="45720" rIns="91440" bIns="45720" anchor="t" compatLnSpc="1"/>
+          <a:lstStyle/>
+          <a:p>
+            <a:endParaRPr kumimoji="0" lang="en-US" dirty="0"/>
+          </a:p>
+        </p:txBody>
+      </p:sp>
+      <p:sp>
+        <p:nvSpPr>
           <p:cNvPr id="2" name="כותרת 1"/>
           <p:cNvSpPr>
             <a:spLocks noGrp="1"/>
@@ -2043,196 +3281,397 @@
           </p:nvPr>
         </p:nvSpPr>
         <p:spPr>
-          <a:xfrm>
-            <a:off x="457200" y="273050"/>
-            <a:ext cx="3008313" cy="1162050"/>
+          <a:xfrm rot="5400000">
+            <a:off x="3371850" y="3200400"/>
+            <a:ext cx="6309360" cy="457200"/>
           </a:xfrm>
         </p:spPr>
         <p:txBody>
           <a:bodyPr anchor="b"/>
           <a:lstStyle>
-            <a:lvl1pPr algn="r">
-              <a:defRPr sz="2000" b="1"/>
+            <a:lvl1pPr algn="l">
+              <a:buNone/>
+              <a:defRPr sz="2000" b="1" cap="small" baseline="0"/>
             </a:lvl1pPr>
           </a:lstStyle>
           <a:p>
             <a:r>
-              <a:rPr lang="he-IL" smtClean="0"/>
+              <a:rPr kumimoji="0" lang="he-IL" smtClean="0"/>
               <a:t>לחץ כדי לערוך סגנון כותרת של תבנית בסיס</a:t>
             </a:r>
-            <a:endParaRPr lang="he-IL"/>
-          </a:p>
-        </p:txBody>
-      </p:sp>
-      <p:sp>
-        <p:nvSpPr>
-          <p:cNvPr id="3" name="מציין מיקום תוכן 2"/>
+            <a:endParaRPr kumimoji="0" lang="en-US"/>
+          </a:p>
+        </p:txBody>
+      </p:sp>
+      <p:sp>
+        <p:nvSpPr>
+          <p:cNvPr id="3" name="מציין מיקום טקסט 2"/>
           <p:cNvSpPr>
             <a:spLocks noGrp="1"/>
           </p:cNvSpPr>
           <p:nvPr>
-            <p:ph idx="1"/>
+            <p:ph type="body" idx="2"/>
           </p:nvPr>
         </p:nvSpPr>
         <p:spPr>
           <a:xfrm>
-            <a:off x="3575050" y="273050"/>
-            <a:ext cx="5111750" cy="5853113"/>
-          </a:xfrm>
-        </p:spPr>
-        <p:txBody>
-          <a:bodyPr/>
-          <a:lstStyle>
-            <a:lvl1pPr>
-              <a:defRPr sz="3200"/>
-            </a:lvl1pPr>
-            <a:lvl2pPr>
-              <a:defRPr sz="2800"/>
-            </a:lvl2pPr>
-            <a:lvl3pPr>
-              <a:defRPr sz="2400"/>
-            </a:lvl3pPr>
-            <a:lvl4pPr>
-              <a:defRPr sz="2000"/>
-            </a:lvl4pPr>
-            <a:lvl5pPr>
-              <a:defRPr sz="2000"/>
-            </a:lvl5pPr>
-            <a:lvl6pPr>
-              <a:defRPr sz="2000"/>
-            </a:lvl6pPr>
-            <a:lvl7pPr>
-              <a:defRPr sz="2000"/>
-            </a:lvl7pPr>
-            <a:lvl8pPr>
-              <a:defRPr sz="2000"/>
-            </a:lvl8pPr>
-            <a:lvl9pPr>
-              <a:defRPr sz="2000"/>
-            </a:lvl9pPr>
-          </a:lstStyle>
-          <a:p>
-            <a:pPr lvl="0"/>
-            <a:r>
-              <a:rPr lang="he-IL" smtClean="0"/>
-              <a:t>לחץ כדי לערוך סגנונות טקסט של תבנית בסיס</a:t>
-            </a:r>
-          </a:p>
-          <a:p>
-            <a:pPr lvl="1"/>
-            <a:r>
-              <a:rPr lang="he-IL" smtClean="0"/>
-              <a:t>רמה שנייה</a:t>
-            </a:r>
-          </a:p>
-          <a:p>
-            <a:pPr lvl="2"/>
-            <a:r>
-              <a:rPr lang="he-IL" smtClean="0"/>
-              <a:t>רמה שלישית</a:t>
-            </a:r>
-          </a:p>
-          <a:p>
-            <a:pPr lvl="3"/>
-            <a:r>
-              <a:rPr lang="he-IL" smtClean="0"/>
-              <a:t>רמה רביעית</a:t>
-            </a:r>
-          </a:p>
-          <a:p>
-            <a:pPr lvl="4"/>
-            <a:r>
-              <a:rPr lang="he-IL" smtClean="0"/>
-              <a:t>רמה חמישית</a:t>
-            </a:r>
-            <a:endParaRPr lang="he-IL"/>
-          </a:p>
-        </p:txBody>
-      </p:sp>
-      <p:sp>
-        <p:nvSpPr>
-          <p:cNvPr id="4" name="מציין מיקום טקסט 3"/>
-          <p:cNvSpPr>
-            <a:spLocks noGrp="1"/>
-          </p:cNvSpPr>
-          <p:nvPr>
-            <p:ph type="body" sz="half" idx="2"/>
-          </p:nvPr>
-        </p:nvSpPr>
-        <p:spPr>
-          <a:xfrm>
-            <a:off x="457200" y="1435100"/>
-            <a:ext cx="3008313" cy="4691063"/>
+            <a:off x="6812280" y="274320"/>
+            <a:ext cx="1527048" cy="4983480"/>
           </a:xfrm>
         </p:spPr>
         <p:txBody>
           <a:bodyPr/>
           <a:lstStyle>
             <a:lvl1pPr marL="0" indent="0">
+              <a:spcBef>
+                <a:spcPts val="400"/>
+              </a:spcBef>
+              <a:spcAft>
+                <a:spcPts val="1000"/>
+              </a:spcAft>
               <a:buNone/>
-              <a:defRPr sz="1400"/>
+              <a:defRPr sz="1200"/>
             </a:lvl1pPr>
-            <a:lvl2pPr marL="457200" indent="0">
+            <a:lvl2pPr>
               <a:buNone/>
               <a:defRPr sz="1200"/>
             </a:lvl2pPr>
-            <a:lvl3pPr marL="914400" indent="0">
+            <a:lvl3pPr>
               <a:buNone/>
               <a:defRPr sz="1000"/>
             </a:lvl3pPr>
-            <a:lvl4pPr marL="1371600" indent="0">
+            <a:lvl4pPr>
               <a:buNone/>
               <a:defRPr sz="900"/>
             </a:lvl4pPr>
-            <a:lvl5pPr marL="1828800" indent="0">
+            <a:lvl5pPr>
               <a:buNone/>
               <a:defRPr sz="900"/>
             </a:lvl5pPr>
-            <a:lvl6pPr marL="2286000" indent="0">
-              <a:buNone/>
-              <a:defRPr sz="900"/>
-            </a:lvl6pPr>
-            <a:lvl7pPr marL="2743200" indent="0">
-              <a:buNone/>
-              <a:defRPr sz="900"/>
-            </a:lvl7pPr>
-            <a:lvl8pPr marL="3200400" indent="0">
-              <a:buNone/>
-              <a:defRPr sz="900"/>
-            </a:lvl8pPr>
-            <a:lvl9pPr marL="3657600" indent="0">
-              <a:buNone/>
-              <a:defRPr sz="900"/>
-            </a:lvl9pPr>
           </a:lstStyle>
           <a:p>
-            <a:pPr lvl="0"/>
+            <a:pPr lvl="0" eaLnBrk="1" latinLnBrk="0" hangingPunct="1"/>
+            <a:r>
+              <a:rPr kumimoji="0" lang="he-IL" smtClean="0"/>
+              <a:t>לחץ כדי לערוך סגנונות טקסט של תבנית בסיס</a:t>
+            </a:r>
+          </a:p>
+        </p:txBody>
+      </p:sp>
+      <p:sp>
+        <p:nvSpPr>
+          <p:cNvPr id="8" name="מחבר ישר 7"/>
+          <p:cNvSpPr>
+            <a:spLocks noChangeShapeType="1"/>
+          </p:cNvSpPr>
+          <p:nvPr/>
+        </p:nvSpPr>
+        <p:spPr bwMode="auto">
+          <a:xfrm>
+            <a:off x="6248400" y="0"/>
+            <a:ext cx="0" cy="6858000"/>
+          </a:xfrm>
+          <a:prstGeom prst="line">
+            <a:avLst/>
+          </a:prstGeom>
+          <a:noFill/>
+          <a:ln w="38100" cap="flat" cmpd="sng" algn="ctr">
+            <a:solidFill>
+              <a:schemeClr val="accent1">
+                <a:tint val="60000"/>
+              </a:schemeClr>
+            </a:solidFill>
+            <a:prstDash val="solid"/>
+            <a:round/>
+            <a:headEnd type="none" w="med" len="med"/>
+            <a:tailEnd type="none" w="med" len="med"/>
+          </a:ln>
+          <a:effectLst/>
+        </p:spPr>
+        <p:txBody>
+          <a:bodyPr vert="horz" wrap="square" lIns="91440" tIns="45720" rIns="91440" bIns="45720" anchor="t" compatLnSpc="1"/>
+          <a:lstStyle/>
+          <a:p>
+            <a:endParaRPr kumimoji="0" lang="en-US" dirty="0"/>
+          </a:p>
+        </p:txBody>
+      </p:sp>
+      <p:sp>
+        <p:nvSpPr>
+          <p:cNvPr id="9" name="מחבר ישר 8"/>
+          <p:cNvSpPr>
+            <a:spLocks noChangeShapeType="1"/>
+          </p:cNvSpPr>
+          <p:nvPr/>
+        </p:nvSpPr>
+        <p:spPr bwMode="auto">
+          <a:xfrm>
+            <a:off x="6192296" y="0"/>
+            <a:ext cx="0" cy="6858000"/>
+          </a:xfrm>
+          <a:prstGeom prst="line">
+            <a:avLst/>
+          </a:prstGeom>
+          <a:noFill/>
+          <a:ln w="12700" cap="flat" cmpd="sng" algn="ctr">
+            <a:solidFill>
+              <a:schemeClr val="accent1"/>
+            </a:solidFill>
+            <a:prstDash val="solid"/>
+            <a:round/>
+            <a:headEnd type="none" w="med" len="med"/>
+            <a:tailEnd type="none" w="med" len="med"/>
+          </a:ln>
+          <a:effectLst/>
+        </p:spPr>
+        <p:txBody>
+          <a:bodyPr vert="horz" wrap="square" lIns="91440" tIns="45720" rIns="91440" bIns="45720" anchor="t" compatLnSpc="1"/>
+          <a:lstStyle/>
+          <a:p>
+            <a:endParaRPr kumimoji="0" lang="en-US" dirty="0"/>
+          </a:p>
+        </p:txBody>
+      </p:sp>
+      <p:sp>
+        <p:nvSpPr>
+          <p:cNvPr id="11" name="מחבר ישר 10"/>
+          <p:cNvSpPr>
+            <a:spLocks noChangeShapeType="1"/>
+          </p:cNvSpPr>
+          <p:nvPr/>
+        </p:nvSpPr>
+        <p:spPr bwMode="auto">
+          <a:xfrm>
+            <a:off x="8991600" y="0"/>
+            <a:ext cx="0" cy="6858000"/>
+          </a:xfrm>
+          <a:prstGeom prst="line">
+            <a:avLst/>
+          </a:prstGeom>
+          <a:noFill/>
+          <a:ln w="19050" cap="flat" cmpd="sng" algn="ctr">
+            <a:solidFill>
+              <a:schemeClr val="accent1"/>
+            </a:solidFill>
+            <a:prstDash val="solid"/>
+            <a:round/>
+            <a:headEnd type="none" w="med" len="med"/>
+            <a:tailEnd type="none" w="med" len="med"/>
+          </a:ln>
+          <a:effectLst/>
+        </p:spPr>
+        <p:txBody>
+          <a:bodyPr vert="horz" wrap="square" lIns="91440" tIns="45720" rIns="91440" bIns="45720" anchor="t" compatLnSpc="1"/>
+          <a:lstStyle/>
+          <a:p>
+            <a:endParaRPr kumimoji="0" lang="en-US"/>
+          </a:p>
+        </p:txBody>
+      </p:sp>
+      <p:sp>
+        <p:nvSpPr>
+          <p:cNvPr id="12" name="מלבן 11"/>
+          <p:cNvSpPr/>
+          <p:nvPr/>
+        </p:nvSpPr>
+        <p:spPr bwMode="auto">
+          <a:xfrm>
+            <a:off x="8839200" y="0"/>
+            <a:ext cx="304800" cy="6858000"/>
+          </a:xfrm>
+          <a:prstGeom prst="rect">
+            <a:avLst/>
+          </a:prstGeom>
+          <a:solidFill>
+            <a:schemeClr val="accent1">
+              <a:tint val="60000"/>
+              <a:alpha val="87000"/>
+            </a:schemeClr>
+          </a:solidFill>
+          <a:ln w="38100" cap="rnd" cmpd="sng" algn="ctr">
+            <a:noFill/>
+            <a:prstDash val="solid"/>
+          </a:ln>
+          <a:effectLst/>
+        </p:spPr>
+        <p:style>
+          <a:lnRef idx="3">
+            <a:schemeClr val="lt1"/>
+          </a:lnRef>
+          <a:fillRef idx="1">
+            <a:schemeClr val="accent1"/>
+          </a:fillRef>
+          <a:effectRef idx="1">
+            <a:schemeClr val="accent1"/>
+          </a:effectRef>
+          <a:fontRef idx="minor">
+            <a:schemeClr val="lt1"/>
+          </a:fontRef>
+        </p:style>
+        <p:txBody>
+          <a:bodyPr anchor="ctr"/>
+          <a:lstStyle/>
+          <a:p>
+            <a:pPr algn="ctr" eaLnBrk="1" latinLnBrk="0" hangingPunct="1"/>
+            <a:endParaRPr kumimoji="0" lang="en-US"/>
+          </a:p>
+        </p:txBody>
+      </p:sp>
+      <p:sp>
+        <p:nvSpPr>
+          <p:cNvPr id="13" name="מחבר ישר 12"/>
+          <p:cNvSpPr>
+            <a:spLocks noChangeShapeType="1"/>
+          </p:cNvSpPr>
+          <p:nvPr/>
+        </p:nvSpPr>
+        <p:spPr bwMode="auto">
+          <a:xfrm>
+            <a:off x="8915400" y="0"/>
+            <a:ext cx="0" cy="6858000"/>
+          </a:xfrm>
+          <a:prstGeom prst="line">
+            <a:avLst/>
+          </a:prstGeom>
+          <a:noFill/>
+          <a:ln w="9525" cap="flat" cmpd="sng" algn="ctr">
+            <a:solidFill>
+              <a:schemeClr val="accent1"/>
+            </a:solidFill>
+            <a:prstDash val="solid"/>
+            <a:round/>
+            <a:headEnd type="none" w="med" len="med"/>
+            <a:tailEnd type="none" w="med" len="med"/>
+          </a:ln>
+          <a:effectLst/>
+        </p:spPr>
+        <p:txBody>
+          <a:bodyPr vert="horz" wrap="square" lIns="91440" tIns="45720" rIns="91440" bIns="45720" anchor="t" compatLnSpc="1"/>
+          <a:lstStyle/>
+          <a:p>
+            <a:endParaRPr kumimoji="0" lang="en-US"/>
+          </a:p>
+        </p:txBody>
+      </p:sp>
+      <p:sp>
+        <p:nvSpPr>
+          <p:cNvPr id="14" name="אליפסה 13"/>
+          <p:cNvSpPr/>
+          <p:nvPr/>
+        </p:nvSpPr>
+        <p:spPr>
+          <a:xfrm>
+            <a:off x="8156448" y="5715000"/>
+            <a:ext cx="548640" cy="548640"/>
+          </a:xfrm>
+          <a:prstGeom prst="ellipse">
+            <a:avLst/>
+          </a:prstGeom>
+          <a:ln w="38100" cap="rnd" cmpd="sng" algn="ctr">
+            <a:noFill/>
+            <a:prstDash val="solid"/>
+          </a:ln>
+          <a:effectLst/>
+        </p:spPr>
+        <p:style>
+          <a:lnRef idx="3">
+            <a:schemeClr val="lt1"/>
+          </a:lnRef>
+          <a:fillRef idx="1">
+            <a:schemeClr val="accent1"/>
+          </a:fillRef>
+          <a:effectRef idx="1">
+            <a:schemeClr val="accent1"/>
+          </a:effectRef>
+          <a:fontRef idx="minor">
+            <a:schemeClr val="lt1"/>
+          </a:fontRef>
+        </p:style>
+        <p:txBody>
+          <a:bodyPr anchor="ctr"/>
+          <a:lstStyle/>
+          <a:p>
+            <a:pPr algn="ctr" eaLnBrk="1" latinLnBrk="0" hangingPunct="1"/>
+            <a:endParaRPr kumimoji="0" lang="en-US" dirty="0"/>
+          </a:p>
+        </p:txBody>
+      </p:sp>
+      <p:sp>
+        <p:nvSpPr>
+          <p:cNvPr id="18" name="מציין מיקום תוכן 17"/>
+          <p:cNvSpPr>
+            <a:spLocks noGrp="1"/>
+          </p:cNvSpPr>
+          <p:nvPr>
+            <p:ph sz="quarter" idx="1"/>
+          </p:nvPr>
+        </p:nvSpPr>
+        <p:spPr>
+          <a:xfrm>
+            <a:off x="304800" y="274320"/>
+            <a:ext cx="5638800" cy="6327648"/>
+          </a:xfrm>
+        </p:spPr>
+        <p:txBody>
+          <a:bodyPr/>
+          <a:lstStyle/>
+          <a:p>
+            <a:pPr lvl="0" eaLnBrk="1" latinLnBrk="0" hangingPunct="1"/>
             <a:r>
               <a:rPr lang="he-IL" smtClean="0"/>
               <a:t>לחץ כדי לערוך סגנונות טקסט של תבנית בסיס</a:t>
             </a:r>
           </a:p>
-        </p:txBody>
-      </p:sp>
-      <p:sp>
-        <p:nvSpPr>
-          <p:cNvPr id="5" name="מציין מיקום של תאריך 4"/>
+          <a:p>
+            <a:pPr lvl="1" eaLnBrk="1" latinLnBrk="0" hangingPunct="1"/>
+            <a:r>
+              <a:rPr lang="he-IL" smtClean="0"/>
+              <a:t>רמה שנייה</a:t>
+            </a:r>
+          </a:p>
+          <a:p>
+            <a:pPr lvl="2" eaLnBrk="1" latinLnBrk="0" hangingPunct="1"/>
+            <a:r>
+              <a:rPr lang="he-IL" smtClean="0"/>
+              <a:t>רמה שלישית</a:t>
+            </a:r>
+          </a:p>
+          <a:p>
+            <a:pPr lvl="3" eaLnBrk="1" latinLnBrk="0" hangingPunct="1"/>
+            <a:r>
+              <a:rPr lang="he-IL" smtClean="0"/>
+              <a:t>רמה רביעית</a:t>
+            </a:r>
+          </a:p>
+          <a:p>
+            <a:pPr lvl="4" eaLnBrk="1" latinLnBrk="0" hangingPunct="1"/>
+            <a:r>
+              <a:rPr lang="he-IL" smtClean="0"/>
+              <a:t>רמה חמישית</a:t>
+            </a:r>
+            <a:endParaRPr kumimoji="0" lang="en-US"/>
+          </a:p>
+        </p:txBody>
+      </p:sp>
+      <p:sp>
+        <p:nvSpPr>
+          <p:cNvPr id="21" name="מציין מיקום של תאריך 20"/>
           <p:cNvSpPr>
             <a:spLocks noGrp="1"/>
           </p:cNvSpPr>
           <p:nvPr>
-            <p:ph type="dt" sz="half" idx="10"/>
+            <p:ph type="dt" sz="half" idx="14"/>
           </p:nvPr>
         </p:nvSpPr>
         <p:spPr/>
         <p:txBody>
-          <a:bodyPr/>
+          <a:bodyPr rtlCol="0"/>
           <a:lstStyle/>
           <a:p>
             <a:fld id="{501FE48C-6519-4B61-962B-C11787253B8E}" type="datetimeFigureOut">
               <a:rPr lang="he-IL" smtClean="0"/>
               <a:pPr/>
-              <a:t>כ"ז/סיון/תשפ"ד</a:t>
+              <a:t>י'/אב/תשפ"ד</a:t>
             </a:fld>
             <a:endParaRPr lang="he-IL"/>
           </a:p>
@@ -2240,36 +3679,17 @@
       </p:sp>
       <p:sp>
         <p:nvSpPr>
-          <p:cNvPr id="6" name="מציין מיקום של כותרת תחתונה 5"/>
+          <p:cNvPr id="22" name="מציין מיקום של מספר שקופית 21"/>
           <p:cNvSpPr>
             <a:spLocks noGrp="1"/>
           </p:cNvSpPr>
           <p:nvPr>
-            <p:ph type="ftr" sz="quarter" idx="11"/>
+            <p:ph type="sldNum" sz="quarter" idx="15"/>
           </p:nvPr>
         </p:nvSpPr>
         <p:spPr/>
         <p:txBody>
-          <a:bodyPr/>
-          <a:lstStyle/>
-          <a:p>
-            <a:endParaRPr lang="he-IL"/>
-          </a:p>
-        </p:txBody>
-      </p:sp>
-      <p:sp>
-        <p:nvSpPr>
-          <p:cNvPr id="7" name="מציין מיקום של מספר שקופית 6"/>
-          <p:cNvSpPr>
-            <a:spLocks noGrp="1"/>
-          </p:cNvSpPr>
-          <p:nvPr>
-            <p:ph type="sldNum" sz="quarter" idx="12"/>
-          </p:nvPr>
-        </p:nvSpPr>
-        <p:spPr/>
-        <p:txBody>
-          <a:bodyPr/>
+          <a:bodyPr rtlCol="0"/>
           <a:lstStyle/>
           <a:p>
             <a:fld id="{97EF3457-0598-4B1F-8552-586F45CFA51A}" type="slidenum">
@@ -2281,16 +3701,35 @@
           </a:p>
         </p:txBody>
       </p:sp>
+      <p:sp>
+        <p:nvSpPr>
+          <p:cNvPr id="23" name="מציין מיקום של כותרת תחתונה 22"/>
+          <p:cNvSpPr>
+            <a:spLocks noGrp="1"/>
+          </p:cNvSpPr>
+          <p:nvPr>
+            <p:ph type="ftr" sz="quarter" idx="16"/>
+          </p:nvPr>
+        </p:nvSpPr>
+        <p:spPr/>
+        <p:txBody>
+          <a:bodyPr rtlCol="0"/>
+          <a:lstStyle/>
+          <a:p>
+            <a:endParaRPr lang="he-IL"/>
+          </a:p>
+        </p:txBody>
+      </p:sp>
     </p:spTree>
   </p:cSld>
   <p:clrMapOvr>
-    <a:masterClrMapping/>
+    <a:overrideClrMapping bg1="lt1" tx1="dk1" bg2="lt2" tx2="dk2" accent1="accent1" accent2="accent2" accent3="accent3" accent4="accent4" accent5="accent5" accent6="accent6" hlink="hlink" folHlink="folHlink"/>
   </p:clrMapOvr>
 </p:sldLayout>
 </file>
 
 <file path=ppt/slideLayouts/slideLayout9.xml><?xml version="1.0" encoding="utf-8"?>
-<p:sldLayout xmlns:a="http://schemas.openxmlformats.org/drawingml/2006/main" xmlns:r="http://schemas.openxmlformats.org/officeDocument/2006/relationships" xmlns:p="http://schemas.openxmlformats.org/presentationml/2006/main" type="picTx" preserve="1">
+<p:sldLayout xmlns:a="http://schemas.openxmlformats.org/drawingml/2006/main" xmlns:r="http://schemas.openxmlformats.org/officeDocument/2006/relationships" xmlns:p="http://schemas.openxmlformats.org/presentationml/2006/main" showMasterSp="0" type="picTx" preserve="1">
   <p:cSld name="תמונה עם כיתוב">
     <p:spTree>
       <p:nvGrpSpPr>
@@ -2308,6 +3747,87 @@
       </p:grpSpPr>
       <p:sp>
         <p:nvSpPr>
+          <p:cNvPr id="9" name="מחבר ישר 8"/>
+          <p:cNvSpPr>
+            <a:spLocks noChangeShapeType="1"/>
+          </p:cNvSpPr>
+          <p:nvPr/>
+        </p:nvSpPr>
+        <p:spPr bwMode="auto">
+          <a:xfrm>
+            <a:off x="8763000" y="0"/>
+            <a:ext cx="0" cy="6858000"/>
+          </a:xfrm>
+          <a:prstGeom prst="line">
+            <a:avLst/>
+          </a:prstGeom>
+          <a:noFill/>
+          <a:ln w="38100" cap="flat" cmpd="sng" algn="ctr">
+            <a:solidFill>
+              <a:schemeClr val="accent1">
+                <a:tint val="60000"/>
+              </a:schemeClr>
+            </a:solidFill>
+            <a:prstDash val="solid"/>
+            <a:round/>
+            <a:headEnd type="none" w="med" len="med"/>
+            <a:tailEnd type="none" w="med" len="med"/>
+          </a:ln>
+          <a:effectLst/>
+        </p:spPr>
+        <p:txBody>
+          <a:bodyPr vert="horz" wrap="square" lIns="91440" tIns="45720" rIns="91440" bIns="45720" anchor="t" compatLnSpc="1"/>
+          <a:lstStyle/>
+          <a:p>
+            <a:endParaRPr kumimoji="0" lang="en-US"/>
+          </a:p>
+        </p:txBody>
+      </p:sp>
+      <p:sp>
+        <p:nvSpPr>
+          <p:cNvPr id="13" name="אליפסה 12"/>
+          <p:cNvSpPr/>
+          <p:nvPr/>
+        </p:nvSpPr>
+        <p:spPr>
+          <a:xfrm>
+            <a:off x="8156448" y="5715000"/>
+            <a:ext cx="548640" cy="548640"/>
+          </a:xfrm>
+          <a:prstGeom prst="ellipse">
+            <a:avLst/>
+          </a:prstGeom>
+          <a:ln w="38100" cap="rnd" cmpd="sng" algn="ctr">
+            <a:noFill/>
+            <a:prstDash val="solid"/>
+          </a:ln>
+          <a:effectLst/>
+        </p:spPr>
+        <p:style>
+          <a:lnRef idx="3">
+            <a:schemeClr val="lt1"/>
+          </a:lnRef>
+          <a:fillRef idx="1">
+            <a:schemeClr val="accent1"/>
+          </a:fillRef>
+          <a:effectRef idx="1">
+            <a:schemeClr val="accent1"/>
+          </a:effectRef>
+          <a:fontRef idx="minor">
+            <a:schemeClr val="lt1"/>
+          </a:fontRef>
+        </p:style>
+        <p:txBody>
+          <a:bodyPr anchor="ctr"/>
+          <a:lstStyle/>
+          <a:p>
+            <a:pPr algn="ctr" eaLnBrk="1" latinLnBrk="0" hangingPunct="1"/>
+            <a:endParaRPr kumimoji="0" lang="en-US" dirty="0"/>
+          </a:p>
+        </p:txBody>
+      </p:sp>
+      <p:sp>
+        <p:nvSpPr>
           <p:cNvPr id="2" name="כותרת 1"/>
           <p:cNvSpPr>
             <a:spLocks noGrp="1"/>
@@ -2317,24 +3837,25 @@
           </p:nvPr>
         </p:nvSpPr>
         <p:spPr>
-          <a:xfrm>
-            <a:off x="1792288" y="4800600"/>
-            <a:ext cx="5486400" cy="566738"/>
+          <a:xfrm rot="5400000">
+            <a:off x="3350133" y="3200400"/>
+            <a:ext cx="6309360" cy="457200"/>
           </a:xfrm>
         </p:spPr>
         <p:txBody>
           <a:bodyPr anchor="b"/>
           <a:lstStyle>
-            <a:lvl1pPr algn="r">
+            <a:lvl1pPr algn="l">
+              <a:buNone/>
               <a:defRPr sz="2000" b="1"/>
             </a:lvl1pPr>
           </a:lstStyle>
           <a:p>
             <a:r>
-              <a:rPr lang="he-IL" smtClean="0"/>
+              <a:rPr kumimoji="0" lang="he-IL" smtClean="0"/>
               <a:t>לחץ כדי לערוך סגנון כותרת של תבנית בסיס</a:t>
             </a:r>
-            <a:endParaRPr lang="he-IL"/>
+            <a:endParaRPr kumimoji="0" lang="en-US"/>
           </a:p>
         </p:txBody>
       </p:sp>
@@ -2350,10 +3871,32 @@
         </p:nvSpPr>
         <p:spPr>
           <a:xfrm>
-            <a:off x="1792288" y="612775"/>
-            <a:ext cx="5486400" cy="4114800"/>
-          </a:xfrm>
-        </p:spPr>
+            <a:off x="0" y="0"/>
+            <a:ext cx="6172200" cy="6858000"/>
+          </a:xfrm>
+          <a:solidFill>
+            <a:schemeClr val="bg2"/>
+          </a:solidFill>
+          <a:ln w="127000" cap="rnd" cmpd="sng" algn="ctr">
+            <a:noFill/>
+            <a:prstDash val="solid"/>
+          </a:ln>
+          <a:effectLst/>
+        </p:spPr>
+        <p:style>
+          <a:lnRef idx="3">
+            <a:schemeClr val="lt1"/>
+          </a:lnRef>
+          <a:fillRef idx="1">
+            <a:schemeClr val="accent1"/>
+          </a:fillRef>
+          <a:effectRef idx="1">
+            <a:schemeClr val="accent1"/>
+          </a:effectRef>
+          <a:fontRef idx="minor">
+            <a:schemeClr val="lt1"/>
+          </a:fontRef>
+        </p:style>
         <p:txBody>
           <a:bodyPr/>
           <a:lstStyle>
@@ -2361,41 +3904,17 @@
               <a:buNone/>
               <a:defRPr sz="3200"/>
             </a:lvl1pPr>
-            <a:lvl2pPr marL="457200" indent="0">
+          </a:lstStyle>
+          <a:p>
+            <a:pPr algn="ctr" eaLnBrk="1" latinLnBrk="0" hangingPunct="1">
+              <a:buFontTx/>
               <a:buNone/>
-              <a:defRPr sz="2800"/>
-            </a:lvl2pPr>
-            <a:lvl3pPr marL="914400" indent="0">
-              <a:buNone/>
-              <a:defRPr sz="2400"/>
-            </a:lvl3pPr>
-            <a:lvl4pPr marL="1371600" indent="0">
-              <a:buNone/>
-              <a:defRPr sz="2000"/>
-            </a:lvl4pPr>
-            <a:lvl5pPr marL="1828800" indent="0">
-              <a:buNone/>
-              <a:defRPr sz="2000"/>
-            </a:lvl5pPr>
-            <a:lvl6pPr marL="2286000" indent="0">
-              <a:buNone/>
-              <a:defRPr sz="2000"/>
-            </a:lvl6pPr>
-            <a:lvl7pPr marL="2743200" indent="0">
-              <a:buNone/>
-              <a:defRPr sz="2000"/>
-            </a:lvl7pPr>
-            <a:lvl8pPr marL="3200400" indent="0">
-              <a:buNone/>
-              <a:defRPr sz="2000"/>
-            </a:lvl8pPr>
-            <a:lvl9pPr marL="3657600" indent="0">
-              <a:buNone/>
-              <a:defRPr sz="2000"/>
-            </a:lvl9pPr>
-          </a:lstStyle>
-          <a:p>
-            <a:endParaRPr lang="he-IL"/>
+            </a:pPr>
+            <a:r>
+              <a:rPr kumimoji="0" lang="he-IL" smtClean="0"/>
+              <a:t>לחץ על הסמל כדי להוסיף תמונה</a:t>
+            </a:r>
+            <a:endParaRPr kumimoji="0" lang="en-US" dirty="0"/>
           </a:p>
         </p:txBody>
       </p:sp>
@@ -2411,54 +3930,43 @@
         </p:nvSpPr>
         <p:spPr>
           <a:xfrm>
-            <a:off x="1792288" y="5367338"/>
-            <a:ext cx="5486400" cy="804862"/>
-          </a:xfrm>
-        </p:spPr>
-        <p:txBody>
-          <a:bodyPr/>
+            <a:off x="6765798" y="264795"/>
+            <a:ext cx="1524000" cy="4956048"/>
+          </a:xfrm>
+        </p:spPr>
+        <p:txBody>
+          <a:bodyPr rot="0" spcFirstLastPara="0" vertOverflow="overflow" horzOverflow="overflow" vert="horz" wrap="square" lIns="91440" tIns="45720" rIns="91440" bIns="45720" numCol="1" spcCol="274320" rtlCol="0" fromWordArt="0" anchor="t" anchorCtr="0" forceAA="0" compatLnSpc="1">
+            <a:normAutofit/>
+          </a:bodyPr>
           <a:lstStyle>
             <a:lvl1pPr marL="0" indent="0">
-              <a:buNone/>
-              <a:defRPr sz="1400"/>
-            </a:lvl1pPr>
-            <a:lvl2pPr marL="457200" indent="0">
+              <a:spcBef>
+                <a:spcPts val="100"/>
+              </a:spcBef>
+              <a:spcAft>
+                <a:spcPts val="400"/>
+              </a:spcAft>
+              <a:buFontTx/>
               <a:buNone/>
               <a:defRPr sz="1200"/>
+            </a:lvl1pPr>
+            <a:lvl2pPr>
+              <a:defRPr sz="1200"/>
             </a:lvl2pPr>
-            <a:lvl3pPr marL="914400" indent="0">
-              <a:buNone/>
+            <a:lvl3pPr>
               <a:defRPr sz="1000"/>
             </a:lvl3pPr>
-            <a:lvl4pPr marL="1371600" indent="0">
-              <a:buNone/>
+            <a:lvl4pPr>
               <a:defRPr sz="900"/>
             </a:lvl4pPr>
-            <a:lvl5pPr marL="1828800" indent="0">
-              <a:buNone/>
+            <a:lvl5pPr>
               <a:defRPr sz="900"/>
             </a:lvl5pPr>
-            <a:lvl6pPr marL="2286000" indent="0">
-              <a:buNone/>
-              <a:defRPr sz="900"/>
-            </a:lvl6pPr>
-            <a:lvl7pPr marL="2743200" indent="0">
-              <a:buNone/>
-              <a:defRPr sz="900"/>
-            </a:lvl7pPr>
-            <a:lvl8pPr marL="3200400" indent="0">
-              <a:buNone/>
-              <a:defRPr sz="900"/>
-            </a:lvl8pPr>
-            <a:lvl9pPr marL="3657600" indent="0">
-              <a:buNone/>
-              <a:defRPr sz="900"/>
-            </a:lvl9pPr>
           </a:lstStyle>
           <a:p>
-            <a:pPr lvl="0"/>
-            <a:r>
-              <a:rPr lang="he-IL" smtClean="0"/>
+            <a:pPr lvl="0" eaLnBrk="1" latinLnBrk="0" hangingPunct="1"/>
+            <a:r>
+              <a:rPr kumimoji="0" lang="he-IL" smtClean="0"/>
               <a:t>לחץ כדי לערוך סגנונות טקסט של תבנית בסיס</a:t>
             </a:r>
           </a:p>
@@ -2466,7 +3974,201 @@
       </p:sp>
       <p:sp>
         <p:nvSpPr>
-          <p:cNvPr id="5" name="מציין מיקום של תאריך 4"/>
+          <p:cNvPr id="10" name="מחבר ישר 9"/>
+          <p:cNvSpPr>
+            <a:spLocks noChangeShapeType="1"/>
+          </p:cNvSpPr>
+          <p:nvPr/>
+        </p:nvSpPr>
+        <p:spPr bwMode="auto">
+          <a:xfrm>
+            <a:off x="8991600" y="0"/>
+            <a:ext cx="0" cy="6858000"/>
+          </a:xfrm>
+          <a:prstGeom prst="line">
+            <a:avLst/>
+          </a:prstGeom>
+          <a:noFill/>
+          <a:ln w="9525" cap="flat" cmpd="sng" algn="ctr">
+            <a:solidFill>
+              <a:schemeClr val="tx1"/>
+            </a:solidFill>
+            <a:prstDash val="solid"/>
+            <a:round/>
+            <a:headEnd type="none" w="med" len="med"/>
+            <a:tailEnd type="none" w="med" len="med"/>
+          </a:ln>
+          <a:effectLst/>
+        </p:spPr>
+        <p:txBody>
+          <a:bodyPr vert="horz" wrap="square" lIns="91440" tIns="45720" rIns="91440" bIns="45720" anchor="t" compatLnSpc="1"/>
+          <a:lstStyle/>
+          <a:p>
+            <a:endParaRPr kumimoji="0" lang="en-US"/>
+          </a:p>
+        </p:txBody>
+      </p:sp>
+      <p:sp>
+        <p:nvSpPr>
+          <p:cNvPr id="11" name="מלבן 10"/>
+          <p:cNvSpPr/>
+          <p:nvPr/>
+        </p:nvSpPr>
+        <p:spPr bwMode="auto">
+          <a:xfrm>
+            <a:off x="8839200" y="0"/>
+            <a:ext cx="304800" cy="6858000"/>
+          </a:xfrm>
+          <a:prstGeom prst="rect">
+            <a:avLst/>
+          </a:prstGeom>
+          <a:solidFill>
+            <a:schemeClr val="accent1">
+              <a:tint val="60000"/>
+            </a:schemeClr>
+          </a:solidFill>
+          <a:ln w="38100" cap="rnd" cmpd="sng" algn="ctr">
+            <a:noFill/>
+            <a:prstDash val="solid"/>
+          </a:ln>
+          <a:effectLst/>
+        </p:spPr>
+        <p:style>
+          <a:lnRef idx="3">
+            <a:schemeClr val="lt1"/>
+          </a:lnRef>
+          <a:fillRef idx="1">
+            <a:schemeClr val="accent1"/>
+          </a:fillRef>
+          <a:effectRef idx="1">
+            <a:schemeClr val="accent1"/>
+          </a:effectRef>
+          <a:fontRef idx="minor">
+            <a:schemeClr val="lt1"/>
+          </a:fontRef>
+        </p:style>
+        <p:txBody>
+          <a:bodyPr anchor="ctr"/>
+          <a:lstStyle/>
+          <a:p>
+            <a:pPr algn="ctr" eaLnBrk="1" latinLnBrk="0" hangingPunct="1"/>
+            <a:endParaRPr kumimoji="0" lang="en-US"/>
+          </a:p>
+        </p:txBody>
+      </p:sp>
+      <p:sp>
+        <p:nvSpPr>
+          <p:cNvPr id="12" name="מחבר ישר 11"/>
+          <p:cNvSpPr>
+            <a:spLocks noChangeShapeType="1"/>
+          </p:cNvSpPr>
+          <p:nvPr/>
+        </p:nvSpPr>
+        <p:spPr bwMode="auto">
+          <a:xfrm>
+            <a:off x="8915400" y="0"/>
+            <a:ext cx="0" cy="6858000"/>
+          </a:xfrm>
+          <a:prstGeom prst="line">
+            <a:avLst/>
+          </a:prstGeom>
+          <a:noFill/>
+          <a:ln w="9525" cap="flat" cmpd="sng" algn="ctr">
+            <a:solidFill>
+              <a:schemeClr val="accent1"/>
+            </a:solidFill>
+            <a:prstDash val="solid"/>
+            <a:round/>
+            <a:headEnd type="none" w="med" len="med"/>
+            <a:tailEnd type="none" w="med" len="med"/>
+          </a:ln>
+          <a:effectLst/>
+        </p:spPr>
+        <p:txBody>
+          <a:bodyPr vert="horz" wrap="square" lIns="91440" tIns="45720" rIns="91440" bIns="45720" anchor="t" compatLnSpc="1"/>
+          <a:lstStyle/>
+          <a:p>
+            <a:endParaRPr kumimoji="0" lang="en-US"/>
+          </a:p>
+        </p:txBody>
+      </p:sp>
+      <p:sp>
+        <p:nvSpPr>
+          <p:cNvPr id="19" name="מחבר ישר 18"/>
+          <p:cNvSpPr>
+            <a:spLocks noChangeShapeType="1"/>
+          </p:cNvSpPr>
+          <p:nvPr/>
+        </p:nvSpPr>
+        <p:spPr bwMode="auto">
+          <a:xfrm>
+            <a:off x="6248400" y="0"/>
+            <a:ext cx="0" cy="6858000"/>
+          </a:xfrm>
+          <a:prstGeom prst="line">
+            <a:avLst/>
+          </a:prstGeom>
+          <a:noFill/>
+          <a:ln w="38100" cap="flat" cmpd="sng" algn="ctr">
+            <a:solidFill>
+              <a:schemeClr val="accent1">
+                <a:tint val="60000"/>
+              </a:schemeClr>
+            </a:solidFill>
+            <a:prstDash val="solid"/>
+            <a:round/>
+            <a:headEnd type="none" w="med" len="med"/>
+            <a:tailEnd type="none" w="med" len="med"/>
+          </a:ln>
+          <a:effectLst/>
+        </p:spPr>
+        <p:txBody>
+          <a:bodyPr vert="horz" wrap="square" lIns="91440" tIns="45720" rIns="91440" bIns="45720" anchor="t" compatLnSpc="1"/>
+          <a:lstStyle/>
+          <a:p>
+            <a:endParaRPr kumimoji="0" lang="en-US" dirty="0"/>
+          </a:p>
+        </p:txBody>
+      </p:sp>
+      <p:sp>
+        <p:nvSpPr>
+          <p:cNvPr id="20" name="מחבר ישר 19"/>
+          <p:cNvSpPr>
+            <a:spLocks noChangeShapeType="1"/>
+          </p:cNvSpPr>
+          <p:nvPr/>
+        </p:nvSpPr>
+        <p:spPr bwMode="auto">
+          <a:xfrm>
+            <a:off x="6192296" y="0"/>
+            <a:ext cx="0" cy="6858000"/>
+          </a:xfrm>
+          <a:prstGeom prst="line">
+            <a:avLst/>
+          </a:prstGeom>
+          <a:noFill/>
+          <a:ln w="12700" cap="flat" cmpd="sng" algn="ctr">
+            <a:solidFill>
+              <a:schemeClr val="accent1"/>
+            </a:solidFill>
+            <a:prstDash val="solid"/>
+            <a:round/>
+            <a:headEnd type="none" w="med" len="med"/>
+            <a:tailEnd type="none" w="med" len="med"/>
+          </a:ln>
+          <a:effectLst/>
+        </p:spPr>
+        <p:txBody>
+          <a:bodyPr vert="horz" wrap="square" lIns="91440" tIns="45720" rIns="91440" bIns="45720" anchor="t" compatLnSpc="1"/>
+          <a:lstStyle/>
+          <a:p>
+            <a:endParaRPr kumimoji="0" lang="en-US" dirty="0"/>
+          </a:p>
+        </p:txBody>
+      </p:sp>
+      <p:sp>
+        <p:nvSpPr>
+          <p:cNvPr id="17" name="מציין מיקום של תאריך 16"/>
           <p:cNvSpPr>
             <a:spLocks noGrp="1"/>
           </p:cNvSpPr>
@@ -2476,13 +4178,13 @@
         </p:nvSpPr>
         <p:spPr/>
         <p:txBody>
-          <a:bodyPr/>
+          <a:bodyPr rtlCol="0"/>
           <a:lstStyle/>
           <a:p>
             <a:fld id="{501FE48C-6519-4B61-962B-C11787253B8E}" type="datetimeFigureOut">
               <a:rPr lang="he-IL" smtClean="0"/>
               <a:pPr/>
-              <a:t>כ"ז/סיון/תשפ"ד</a:t>
+              <a:t>י'/אב/תשפ"ד</a:t>
             </a:fld>
             <a:endParaRPr lang="he-IL"/>
           </a:p>
@@ -2490,36 +4192,17 @@
       </p:sp>
       <p:sp>
         <p:nvSpPr>
-          <p:cNvPr id="6" name="מציין מיקום של כותרת תחתונה 5"/>
+          <p:cNvPr id="18" name="מציין מיקום של מספר שקופית 17"/>
           <p:cNvSpPr>
             <a:spLocks noGrp="1"/>
           </p:cNvSpPr>
           <p:nvPr>
-            <p:ph type="ftr" sz="quarter" idx="11"/>
+            <p:ph type="sldNum" sz="quarter" idx="11"/>
           </p:nvPr>
         </p:nvSpPr>
         <p:spPr/>
         <p:txBody>
-          <a:bodyPr/>
-          <a:lstStyle/>
-          <a:p>
-            <a:endParaRPr lang="he-IL"/>
-          </a:p>
-        </p:txBody>
-      </p:sp>
-      <p:sp>
-        <p:nvSpPr>
-          <p:cNvPr id="7" name="מציין מיקום של מספר שקופית 6"/>
-          <p:cNvSpPr>
-            <a:spLocks noGrp="1"/>
-          </p:cNvSpPr>
-          <p:nvPr>
-            <p:ph type="sldNum" sz="quarter" idx="12"/>
-          </p:nvPr>
-        </p:nvSpPr>
-        <p:spPr/>
-        <p:txBody>
-          <a:bodyPr/>
+          <a:bodyPr rtlCol="0"/>
           <a:lstStyle/>
           <a:p>
             <a:fld id="{97EF3457-0598-4B1F-8552-586F45CFA51A}" type="slidenum">
@@ -2527,6 +4210,25 @@
               <a:pPr/>
               <a:t>‹#›</a:t>
             </a:fld>
+            <a:endParaRPr lang="he-IL"/>
+          </a:p>
+        </p:txBody>
+      </p:sp>
+      <p:sp>
+        <p:nvSpPr>
+          <p:cNvPr id="21" name="מציין מיקום של כותרת תחתונה 20"/>
+          <p:cNvSpPr>
+            <a:spLocks noGrp="1"/>
+          </p:cNvSpPr>
+          <p:nvPr>
+            <p:ph type="ftr" sz="quarter" idx="12"/>
+          </p:nvPr>
+        </p:nvSpPr>
+        <p:spPr/>
+        <p:txBody>
+          <a:bodyPr rtlCol="0"/>
+          <a:lstStyle/>
+          <a:p>
             <a:endParaRPr lang="he-IL"/>
           </a:p>
         </p:txBody>
@@ -2563,7 +4265,46 @@
       </p:grpSpPr>
       <p:sp>
         <p:nvSpPr>
-          <p:cNvPr id="2" name="מציין מיקום של כותרת 1"/>
+          <p:cNvPr id="16" name="מחבר ישר 15"/>
+          <p:cNvSpPr>
+            <a:spLocks noChangeShapeType="1"/>
+          </p:cNvSpPr>
+          <p:nvPr/>
+        </p:nvSpPr>
+        <p:spPr bwMode="auto">
+          <a:xfrm>
+            <a:off x="8763000" y="0"/>
+            <a:ext cx="0" cy="6858000"/>
+          </a:xfrm>
+          <a:prstGeom prst="line">
+            <a:avLst/>
+          </a:prstGeom>
+          <a:noFill/>
+          <a:ln w="38100" cap="flat" cmpd="sng" algn="ctr">
+            <a:solidFill>
+              <a:schemeClr val="accent1">
+                <a:tint val="60000"/>
+                <a:alpha val="93000"/>
+              </a:schemeClr>
+            </a:solidFill>
+            <a:prstDash val="solid"/>
+            <a:round/>
+            <a:headEnd type="none" w="med" len="med"/>
+            <a:tailEnd type="none" w="med" len="med"/>
+          </a:ln>
+          <a:effectLst/>
+        </p:spPr>
+        <p:txBody>
+          <a:bodyPr vert="horz" wrap="square" lIns="91440" tIns="45720" rIns="91440" bIns="45720" anchor="t" compatLnSpc="1"/>
+          <a:lstStyle/>
+          <a:p>
+            <a:endParaRPr kumimoji="0" lang="en-US" dirty="0"/>
+          </a:p>
+        </p:txBody>
+      </p:sp>
+      <p:sp>
+        <p:nvSpPr>
+          <p:cNvPr id="22" name="מציין מיקום של כותרת 21"/>
           <p:cNvSpPr>
             <a:spLocks noGrp="1"/>
           </p:cNvSpPr>
@@ -2574,29 +4315,29 @@
         <p:spPr>
           <a:xfrm>
             <a:off x="457200" y="274638"/>
-            <a:ext cx="8229600" cy="1143000"/>
+            <a:ext cx="7467600" cy="1143000"/>
           </a:xfrm>
           <a:prstGeom prst="rect">
             <a:avLst/>
           </a:prstGeom>
         </p:spPr>
         <p:txBody>
-          <a:bodyPr vert="horz" lIns="91440" tIns="45720" rIns="91440" bIns="45720" rtlCol="1" anchor="ctr">
+          <a:bodyPr vert="horz" anchor="b">
             <a:normAutofit/>
           </a:bodyPr>
           <a:lstStyle/>
           <a:p>
             <a:r>
-              <a:rPr lang="he-IL" smtClean="0"/>
+              <a:rPr kumimoji="0" lang="he-IL" smtClean="0"/>
               <a:t>לחץ כדי לערוך סגנון כותרת של תבנית בסיס</a:t>
             </a:r>
-            <a:endParaRPr lang="he-IL"/>
-          </a:p>
-        </p:txBody>
-      </p:sp>
-      <p:sp>
-        <p:nvSpPr>
-          <p:cNvPr id="3" name="מציין מיקום טקסט 2"/>
+            <a:endParaRPr kumimoji="0" lang="en-US"/>
+          </a:p>
+        </p:txBody>
+      </p:sp>
+      <p:sp>
+        <p:nvSpPr>
+          <p:cNvPr id="13" name="מציין מיקום טקסט 12"/>
           <p:cNvSpPr>
             <a:spLocks noGrp="1"/>
           </p:cNvSpPr>
@@ -2607,58 +4348,58 @@
         <p:spPr>
           <a:xfrm>
             <a:off x="457200" y="1600200"/>
-            <a:ext cx="8229600" cy="4525963"/>
+            <a:ext cx="7467600" cy="4873752"/>
           </a:xfrm>
           <a:prstGeom prst="rect">
             <a:avLst/>
           </a:prstGeom>
         </p:spPr>
         <p:txBody>
-          <a:bodyPr vert="horz" lIns="91440" tIns="45720" rIns="91440" bIns="45720" rtlCol="1">
+          <a:bodyPr vert="horz">
             <a:normAutofit/>
           </a:bodyPr>
           <a:lstStyle/>
           <a:p>
-            <a:pPr lvl="0"/>
-            <a:r>
-              <a:rPr lang="he-IL" smtClean="0"/>
+            <a:pPr lvl="0" eaLnBrk="1" latinLnBrk="0" hangingPunct="1"/>
+            <a:r>
+              <a:rPr kumimoji="0" lang="he-IL" smtClean="0"/>
               <a:t>לחץ כדי לערוך סגנונות טקסט של תבנית בסיס</a:t>
             </a:r>
           </a:p>
           <a:p>
-            <a:pPr lvl="1"/>
-            <a:r>
-              <a:rPr lang="he-IL" smtClean="0"/>
+            <a:pPr lvl="1" eaLnBrk="1" latinLnBrk="0" hangingPunct="1"/>
+            <a:r>
+              <a:rPr kumimoji="0" lang="he-IL" smtClean="0"/>
               <a:t>רמה שנייה</a:t>
             </a:r>
           </a:p>
           <a:p>
-            <a:pPr lvl="2"/>
-            <a:r>
-              <a:rPr lang="he-IL" smtClean="0"/>
+            <a:pPr lvl="2" eaLnBrk="1" latinLnBrk="0" hangingPunct="1"/>
+            <a:r>
+              <a:rPr kumimoji="0" lang="he-IL" smtClean="0"/>
               <a:t>רמה שלישית</a:t>
             </a:r>
           </a:p>
           <a:p>
-            <a:pPr lvl="3"/>
-            <a:r>
-              <a:rPr lang="he-IL" smtClean="0"/>
+            <a:pPr lvl="3" eaLnBrk="1" latinLnBrk="0" hangingPunct="1"/>
+            <a:r>
+              <a:rPr kumimoji="0" lang="he-IL" smtClean="0"/>
               <a:t>רמה רביעית</a:t>
             </a:r>
           </a:p>
           <a:p>
-            <a:pPr lvl="4"/>
-            <a:r>
-              <a:rPr lang="he-IL" smtClean="0"/>
+            <a:pPr lvl="4" eaLnBrk="1" latinLnBrk="0" hangingPunct="1"/>
+            <a:r>
+              <a:rPr kumimoji="0" lang="he-IL" smtClean="0"/>
               <a:t>רמה חמישית</a:t>
             </a:r>
-            <a:endParaRPr lang="he-IL"/>
-          </a:p>
-        </p:txBody>
-      </p:sp>
-      <p:sp>
-        <p:nvSpPr>
-          <p:cNvPr id="4" name="מציין מיקום של תאריך 3"/>
+            <a:endParaRPr kumimoji="0" lang="en-US"/>
+          </a:p>
+        </p:txBody>
+      </p:sp>
+      <p:sp>
+        <p:nvSpPr>
+          <p:cNvPr id="14" name="מציין מיקום של תאריך 13"/>
           <p:cNvSpPr>
             <a:spLocks noGrp="1"/>
           </p:cNvSpPr>
@@ -2667,23 +4408,21 @@
           </p:nvPr>
         </p:nvSpPr>
         <p:spPr>
-          <a:xfrm>
-            <a:off x="6553200" y="6356350"/>
-            <a:ext cx="2133600" cy="365125"/>
+          <a:xfrm rot="5400000">
+            <a:off x="7589520" y="1081851"/>
+            <a:ext cx="2011680" cy="384048"/>
           </a:xfrm>
           <a:prstGeom prst="rect">
             <a:avLst/>
           </a:prstGeom>
         </p:spPr>
         <p:txBody>
-          <a:bodyPr vert="horz" lIns="91440" tIns="45720" rIns="91440" bIns="45720" rtlCol="1" anchor="ctr"/>
+          <a:bodyPr vert="horz" anchor="ctr" anchorCtr="0"/>
           <a:lstStyle>
-            <a:lvl1pPr algn="r">
-              <a:defRPr sz="1200">
+            <a:lvl1pPr algn="r" eaLnBrk="1" latinLnBrk="0" hangingPunct="1">
+              <a:defRPr kumimoji="0" sz="1200">
                 <a:solidFill>
-                  <a:schemeClr val="tx1">
-                    <a:tint val="75000"/>
-                  </a:schemeClr>
+                  <a:schemeClr val="tx2"/>
                 </a:solidFill>
               </a:defRPr>
             </a:lvl1pPr>
@@ -2692,7 +4431,7 @@
             <a:fld id="{501FE48C-6519-4B61-962B-C11787253B8E}" type="datetimeFigureOut">
               <a:rPr lang="he-IL" smtClean="0"/>
               <a:pPr/>
-              <a:t>כ"ז/סיון/תשפ"ד</a:t>
+              <a:t>י'/אב/תשפ"ד</a:t>
             </a:fld>
             <a:endParaRPr lang="he-IL"/>
           </a:p>
@@ -2700,7 +4439,7 @@
       </p:sp>
       <p:sp>
         <p:nvSpPr>
-          <p:cNvPr id="5" name="מציין מיקום של כותרת תחתונה 4"/>
+          <p:cNvPr id="3" name="מציין מיקום של כותרת תחתונה 2"/>
           <p:cNvSpPr>
             <a:spLocks noGrp="1"/>
           </p:cNvSpPr>
@@ -2709,23 +4448,21 @@
           </p:nvPr>
         </p:nvSpPr>
         <p:spPr>
-          <a:xfrm>
-            <a:off x="3124200" y="6356350"/>
-            <a:ext cx="2895600" cy="365125"/>
+          <a:xfrm rot="5400000">
+            <a:off x="6990186" y="3737240"/>
+            <a:ext cx="3200400" cy="365760"/>
           </a:xfrm>
           <a:prstGeom prst="rect">
             <a:avLst/>
           </a:prstGeom>
         </p:spPr>
         <p:txBody>
-          <a:bodyPr vert="horz" lIns="91440" tIns="45720" rIns="91440" bIns="45720" rtlCol="1" anchor="ctr"/>
+          <a:bodyPr vert="horz" anchor="ctr" anchorCtr="0"/>
           <a:lstStyle>
-            <a:lvl1pPr algn="ctr">
-              <a:defRPr sz="1200">
+            <a:lvl1pPr algn="l" eaLnBrk="1" latinLnBrk="0" hangingPunct="1">
+              <a:defRPr kumimoji="0" sz="1200">
                 <a:solidFill>
-                  <a:schemeClr val="tx1">
-                    <a:tint val="75000"/>
-                  </a:schemeClr>
+                  <a:schemeClr val="tx2"/>
                 </a:solidFill>
               </a:defRPr>
             </a:lvl1pPr>
@@ -2737,7 +4474,209 @@
       </p:sp>
       <p:sp>
         <p:nvSpPr>
-          <p:cNvPr id="6" name="מציין מיקום של מספר שקופית 5"/>
+          <p:cNvPr id="7" name="מחבר ישר 6"/>
+          <p:cNvSpPr>
+            <a:spLocks noChangeShapeType="1"/>
+          </p:cNvSpPr>
+          <p:nvPr/>
+        </p:nvSpPr>
+        <p:spPr bwMode="auto">
+          <a:xfrm>
+            <a:off x="76200" y="0"/>
+            <a:ext cx="0" cy="6858000"/>
+          </a:xfrm>
+          <a:prstGeom prst="line">
+            <a:avLst/>
+          </a:prstGeom>
+          <a:noFill/>
+          <a:ln w="57150" cap="flat" cmpd="thickThin" algn="ctr">
+            <a:solidFill>
+              <a:schemeClr val="accent1">
+                <a:tint val="60000"/>
+              </a:schemeClr>
+            </a:solidFill>
+            <a:prstDash val="solid"/>
+            <a:round/>
+            <a:headEnd type="none" w="med" len="med"/>
+            <a:tailEnd type="none" w="med" len="med"/>
+          </a:ln>
+          <a:effectLst/>
+        </p:spPr>
+        <p:txBody>
+          <a:bodyPr vert="horz" wrap="square" lIns="91440" tIns="45720" rIns="91440" bIns="45720" anchor="t" compatLnSpc="1"/>
+          <a:lstStyle/>
+          <a:p>
+            <a:endParaRPr kumimoji="0" lang="en-US"/>
+          </a:p>
+        </p:txBody>
+      </p:sp>
+      <p:sp>
+        <p:nvSpPr>
+          <p:cNvPr id="9" name="מחבר ישר 8"/>
+          <p:cNvSpPr>
+            <a:spLocks noChangeShapeType="1"/>
+          </p:cNvSpPr>
+          <p:nvPr/>
+        </p:nvSpPr>
+        <p:spPr bwMode="auto">
+          <a:xfrm>
+            <a:off x="8991600" y="0"/>
+            <a:ext cx="0" cy="6858000"/>
+          </a:xfrm>
+          <a:prstGeom prst="line">
+            <a:avLst/>
+          </a:prstGeom>
+          <a:noFill/>
+          <a:ln w="19050" cap="flat" cmpd="sng" algn="ctr">
+            <a:solidFill>
+              <a:schemeClr val="accent1"/>
+            </a:solidFill>
+            <a:prstDash val="solid"/>
+            <a:round/>
+            <a:headEnd type="none" w="med" len="med"/>
+            <a:tailEnd type="none" w="med" len="med"/>
+          </a:ln>
+          <a:effectLst/>
+        </p:spPr>
+        <p:txBody>
+          <a:bodyPr vert="horz" wrap="square" lIns="91440" tIns="45720" rIns="91440" bIns="45720" anchor="t" compatLnSpc="1"/>
+          <a:lstStyle/>
+          <a:p>
+            <a:endParaRPr kumimoji="0" lang="en-US"/>
+          </a:p>
+        </p:txBody>
+      </p:sp>
+      <p:sp>
+        <p:nvSpPr>
+          <p:cNvPr id="10" name="מלבן 9"/>
+          <p:cNvSpPr/>
+          <p:nvPr/>
+        </p:nvSpPr>
+        <p:spPr bwMode="auto">
+          <a:xfrm>
+            <a:off x="8839200" y="0"/>
+            <a:ext cx="304800" cy="6858000"/>
+          </a:xfrm>
+          <a:prstGeom prst="rect">
+            <a:avLst/>
+          </a:prstGeom>
+          <a:solidFill>
+            <a:schemeClr val="accent1">
+              <a:tint val="60000"/>
+              <a:alpha val="87000"/>
+            </a:schemeClr>
+          </a:solidFill>
+          <a:ln w="38100" cap="rnd" cmpd="sng" algn="ctr">
+            <a:noFill/>
+            <a:prstDash val="solid"/>
+          </a:ln>
+          <a:effectLst/>
+        </p:spPr>
+        <p:style>
+          <a:lnRef idx="3">
+            <a:schemeClr val="lt1"/>
+          </a:lnRef>
+          <a:fillRef idx="1">
+            <a:schemeClr val="accent1"/>
+          </a:fillRef>
+          <a:effectRef idx="1">
+            <a:schemeClr val="accent1"/>
+          </a:effectRef>
+          <a:fontRef idx="minor">
+            <a:schemeClr val="lt1"/>
+          </a:fontRef>
+        </p:style>
+        <p:txBody>
+          <a:bodyPr anchor="ctr"/>
+          <a:lstStyle/>
+          <a:p>
+            <a:pPr algn="ctr" eaLnBrk="1" latinLnBrk="0" hangingPunct="1"/>
+            <a:endParaRPr kumimoji="0" lang="en-US"/>
+          </a:p>
+        </p:txBody>
+      </p:sp>
+      <p:sp>
+        <p:nvSpPr>
+          <p:cNvPr id="11" name="מחבר ישר 10"/>
+          <p:cNvSpPr>
+            <a:spLocks noChangeShapeType="1"/>
+          </p:cNvSpPr>
+          <p:nvPr/>
+        </p:nvSpPr>
+        <p:spPr bwMode="auto">
+          <a:xfrm>
+            <a:off x="8915400" y="0"/>
+            <a:ext cx="0" cy="6858000"/>
+          </a:xfrm>
+          <a:prstGeom prst="line">
+            <a:avLst/>
+          </a:prstGeom>
+          <a:noFill/>
+          <a:ln w="9525" cap="flat" cmpd="sng" algn="ctr">
+            <a:solidFill>
+              <a:schemeClr val="accent1"/>
+            </a:solidFill>
+            <a:prstDash val="solid"/>
+            <a:round/>
+            <a:headEnd type="none" w="med" len="med"/>
+            <a:tailEnd type="none" w="med" len="med"/>
+          </a:ln>
+          <a:effectLst/>
+        </p:spPr>
+        <p:txBody>
+          <a:bodyPr vert="horz" wrap="square" lIns="91440" tIns="45720" rIns="91440" bIns="45720" anchor="t" compatLnSpc="1"/>
+          <a:lstStyle/>
+          <a:p>
+            <a:endParaRPr kumimoji="0" lang="en-US"/>
+          </a:p>
+        </p:txBody>
+      </p:sp>
+      <p:sp>
+        <p:nvSpPr>
+          <p:cNvPr id="12" name="אליפסה 11"/>
+          <p:cNvSpPr/>
+          <p:nvPr/>
+        </p:nvSpPr>
+        <p:spPr>
+          <a:xfrm>
+            <a:off x="8156448" y="5715000"/>
+            <a:ext cx="548640" cy="548640"/>
+          </a:xfrm>
+          <a:prstGeom prst="ellipse">
+            <a:avLst/>
+          </a:prstGeom>
+          <a:ln w="38100" cap="rnd" cmpd="sng" algn="ctr">
+            <a:noFill/>
+            <a:prstDash val="solid"/>
+          </a:ln>
+          <a:effectLst/>
+        </p:spPr>
+        <p:style>
+          <a:lnRef idx="3">
+            <a:schemeClr val="lt1"/>
+          </a:lnRef>
+          <a:fillRef idx="1">
+            <a:schemeClr val="accent1"/>
+          </a:fillRef>
+          <a:effectRef idx="1">
+            <a:schemeClr val="accent1"/>
+          </a:effectRef>
+          <a:fontRef idx="minor">
+            <a:schemeClr val="lt1"/>
+          </a:fontRef>
+        </p:style>
+        <p:txBody>
+          <a:bodyPr anchor="ctr"/>
+          <a:lstStyle/>
+          <a:p>
+            <a:pPr algn="ctr" eaLnBrk="1" latinLnBrk="0" hangingPunct="1"/>
+            <a:endParaRPr kumimoji="0" lang="en-US" dirty="0"/>
+          </a:p>
+        </p:txBody>
+      </p:sp>
+      <p:sp>
+        <p:nvSpPr>
+          <p:cNvPr id="23" name="מציין מיקום של מספר שקופית 22"/>
           <p:cNvSpPr>
             <a:spLocks noGrp="1"/>
           </p:cNvSpPr>
@@ -2747,22 +4686,20 @@
         </p:nvSpPr>
         <p:spPr>
           <a:xfrm>
-            <a:off x="457200" y="6356350"/>
-            <a:ext cx="2133600" cy="365125"/>
+            <a:off x="8129016" y="5734050"/>
+            <a:ext cx="609600" cy="521208"/>
           </a:xfrm>
           <a:prstGeom prst="rect">
             <a:avLst/>
           </a:prstGeom>
         </p:spPr>
         <p:txBody>
-          <a:bodyPr vert="horz" lIns="91440" tIns="45720" rIns="91440" bIns="45720" rtlCol="1" anchor="ctr"/>
+          <a:bodyPr vert="horz" anchor="ctr"/>
           <a:lstStyle>
-            <a:lvl1pPr algn="l">
-              <a:defRPr sz="1200">
+            <a:lvl1pPr algn="ctr" eaLnBrk="1" latinLnBrk="0" hangingPunct="1">
+              <a:defRPr kumimoji="0" sz="1400" b="1">
                 <a:solidFill>
-                  <a:schemeClr val="tx1">
-                    <a:tint val="75000"/>
-                  </a:schemeClr>
+                  <a:srgbClr val="FFFFFF"/>
                 </a:solidFill>
               </a:defRPr>
             </a:lvl1pPr>
@@ -2781,28 +4718,28 @@
   </p:cSld>
   <p:clrMap bg1="lt1" tx1="dk1" bg2="lt2" tx2="dk2" accent1="accent1" accent2="accent2" accent3="accent3" accent4="accent4" accent5="accent5" accent6="accent6" hlink="hlink" folHlink="folHlink"/>
   <p:sldLayoutIdLst>
-    <p:sldLayoutId id="2147483709" r:id="rId1"/>
-    <p:sldLayoutId id="2147483710" r:id="rId2"/>
-    <p:sldLayoutId id="2147483711" r:id="rId3"/>
-    <p:sldLayoutId id="2147483712" r:id="rId4"/>
-    <p:sldLayoutId id="2147483713" r:id="rId5"/>
-    <p:sldLayoutId id="2147483714" r:id="rId6"/>
-    <p:sldLayoutId id="2147483715" r:id="rId7"/>
-    <p:sldLayoutId id="2147483716" r:id="rId8"/>
-    <p:sldLayoutId id="2147483717" r:id="rId9"/>
-    <p:sldLayoutId id="2147483718" r:id="rId10"/>
-    <p:sldLayoutId id="2147483719" r:id="rId11"/>
+    <p:sldLayoutId id="2147483733" r:id="rId1"/>
+    <p:sldLayoutId id="2147483734" r:id="rId2"/>
+    <p:sldLayoutId id="2147483735" r:id="rId3"/>
+    <p:sldLayoutId id="2147483736" r:id="rId4"/>
+    <p:sldLayoutId id="2147483737" r:id="rId5"/>
+    <p:sldLayoutId id="2147483738" r:id="rId6"/>
+    <p:sldLayoutId id="2147483739" r:id="rId7"/>
+    <p:sldLayoutId id="2147483740" r:id="rId8"/>
+    <p:sldLayoutId id="2147483741" r:id="rId9"/>
+    <p:sldLayoutId id="2147483742" r:id="rId10"/>
+    <p:sldLayoutId id="2147483743" r:id="rId11"/>
   </p:sldLayoutIdLst>
   <p:txStyles>
     <p:titleStyle>
-      <a:lvl1pPr algn="ctr" defTabSz="914400" rtl="1" eaLnBrk="1" latinLnBrk="0" hangingPunct="1">
+      <a:lvl1pPr algn="l" rtl="1" eaLnBrk="1" latinLnBrk="0" hangingPunct="1">
         <a:spcBef>
           <a:spcPct val="0"/>
         </a:spcBef>
         <a:buNone/>
-        <a:defRPr sz="4400" kern="1200">
+        <a:defRPr kumimoji="0" sz="3000" b="0" kern="1200" cap="small" baseline="0">
           <a:solidFill>
-            <a:schemeClr val="tx1"/>
+            <a:schemeClr val="tx2"/>
           </a:solidFill>
           <a:latin typeface="+mj-lt"/>
           <a:ea typeface="+mj-ea"/>
@@ -2811,13 +4748,17 @@
       </a:lvl1pPr>
     </p:titleStyle>
     <p:bodyStyle>
-      <a:lvl1pPr marL="342900" indent="-342900" algn="r" defTabSz="914400" rtl="1" eaLnBrk="1" latinLnBrk="0" hangingPunct="1">
+      <a:lvl1pPr marL="274320" indent="-274320" algn="r" rtl="1" eaLnBrk="1" latinLnBrk="0" hangingPunct="1">
         <a:spcBef>
-          <a:spcPct val="20000"/>
+          <a:spcPts val="600"/>
         </a:spcBef>
-        <a:buFont typeface="Arial" pitchFamily="34" charset="0"/>
-        <a:buChar char="•"/>
-        <a:defRPr sz="3200" kern="1200">
+        <a:buClr>
+          <a:schemeClr val="accent1"/>
+        </a:buClr>
+        <a:buSzPct val="70000"/>
+        <a:buFont typeface="Wingdings"/>
+        <a:buChar char=""/>
+        <a:defRPr kumimoji="0" sz="2400" kern="1200">
           <a:solidFill>
             <a:schemeClr val="tx1"/>
           </a:solidFill>
@@ -2826,13 +4767,17 @@
           <a:cs typeface="+mn-cs"/>
         </a:defRPr>
       </a:lvl1pPr>
-      <a:lvl2pPr marL="742950" indent="-285750" algn="r" defTabSz="914400" rtl="1" eaLnBrk="1" latinLnBrk="0" hangingPunct="1">
+      <a:lvl2pPr marL="640080" indent="-274320" algn="r" rtl="1" eaLnBrk="1" latinLnBrk="0" hangingPunct="1">
         <a:spcBef>
           <a:spcPct val="20000"/>
         </a:spcBef>
-        <a:buFont typeface="Arial" pitchFamily="34" charset="0"/>
-        <a:buChar char="–"/>
-        <a:defRPr sz="2800" kern="1200">
+        <a:buClr>
+          <a:schemeClr val="accent1"/>
+        </a:buClr>
+        <a:buSzPct val="80000"/>
+        <a:buFont typeface="Wingdings 2"/>
+        <a:buChar char=""/>
+        <a:defRPr kumimoji="0" sz="2100" kern="1200">
           <a:solidFill>
             <a:schemeClr val="tx1"/>
           </a:solidFill>
@@ -2841,13 +4786,19 @@
           <a:cs typeface="+mn-cs"/>
         </a:defRPr>
       </a:lvl2pPr>
-      <a:lvl3pPr marL="1143000" indent="-228600" algn="r" defTabSz="914400" rtl="1" eaLnBrk="1" latinLnBrk="0" hangingPunct="1">
+      <a:lvl3pPr marL="914400" indent="-182880" algn="r" rtl="1" eaLnBrk="1" latinLnBrk="0" hangingPunct="1">
         <a:spcBef>
           <a:spcPct val="20000"/>
         </a:spcBef>
-        <a:buFont typeface="Arial" pitchFamily="34" charset="0"/>
-        <a:buChar char="•"/>
-        <a:defRPr sz="2400" kern="1200">
+        <a:buClr>
+          <a:schemeClr val="accent1">
+            <a:shade val="75000"/>
+          </a:schemeClr>
+        </a:buClr>
+        <a:buSzPct val="60000"/>
+        <a:buFont typeface="Wingdings"/>
+        <a:buChar char=""/>
+        <a:defRPr kumimoji="0" sz="1800" kern="1200">
           <a:solidFill>
             <a:schemeClr val="tx1"/>
           </a:solidFill>
@@ -2856,13 +4807,19 @@
           <a:cs typeface="+mn-cs"/>
         </a:defRPr>
       </a:lvl3pPr>
-      <a:lvl4pPr marL="1600200" indent="-228600" algn="r" defTabSz="914400" rtl="1" eaLnBrk="1" latinLnBrk="0" hangingPunct="1">
+      <a:lvl4pPr marL="1188720" indent="-182880" algn="r" rtl="1" eaLnBrk="1" latinLnBrk="0" hangingPunct="1">
         <a:spcBef>
           <a:spcPct val="20000"/>
         </a:spcBef>
-        <a:buFont typeface="Arial" pitchFamily="34" charset="0"/>
-        <a:buChar char="–"/>
-        <a:defRPr sz="2000" kern="1200">
+        <a:buClr>
+          <a:schemeClr val="accent1">
+            <a:tint val="60000"/>
+          </a:schemeClr>
+        </a:buClr>
+        <a:buSzPct val="60000"/>
+        <a:buFont typeface="Wingdings"/>
+        <a:buChar char=""/>
+        <a:defRPr kumimoji="0" sz="1800" kern="1200">
           <a:solidFill>
             <a:schemeClr val="tx1"/>
           </a:solidFill>
@@ -2871,13 +4828,19 @@
           <a:cs typeface="+mn-cs"/>
         </a:defRPr>
       </a:lvl4pPr>
-      <a:lvl5pPr marL="2057400" indent="-228600" algn="r" defTabSz="914400" rtl="1" eaLnBrk="1" latinLnBrk="0" hangingPunct="1">
+      <a:lvl5pPr marL="1463040" indent="-182880" algn="r" rtl="1" eaLnBrk="1" latinLnBrk="0" hangingPunct="1">
         <a:spcBef>
           <a:spcPct val="20000"/>
         </a:spcBef>
-        <a:buFont typeface="Arial" pitchFamily="34" charset="0"/>
-        <a:buChar char="»"/>
-        <a:defRPr sz="2000" kern="1200">
+        <a:buClr>
+          <a:schemeClr val="accent2">
+            <a:tint val="60000"/>
+          </a:schemeClr>
+        </a:buClr>
+        <a:buSzPct val="68000"/>
+        <a:buFont typeface="Wingdings 2"/>
+        <a:buChar char=""/>
+        <a:defRPr kumimoji="0" sz="1600" kern="1200">
           <a:solidFill>
             <a:schemeClr val="tx1"/>
           </a:solidFill>
@@ -2886,13 +4849,134 @@
           <a:cs typeface="+mn-cs"/>
         </a:defRPr>
       </a:lvl5pPr>
-      <a:lvl6pPr marL="2514600" indent="-228600" algn="r" defTabSz="914400" rtl="1" eaLnBrk="1" latinLnBrk="0" hangingPunct="1">
+      <a:lvl6pPr marL="1737360" indent="-182880" algn="r" rtl="1" eaLnBrk="1" latinLnBrk="0" hangingPunct="1">
         <a:spcBef>
           <a:spcPct val="20000"/>
         </a:spcBef>
-        <a:buFont typeface="Arial" pitchFamily="34" charset="0"/>
+        <a:buClr>
+          <a:schemeClr val="accent1"/>
+        </a:buClr>
         <a:buChar char="•"/>
-        <a:defRPr sz="2000" kern="1200">
+        <a:defRPr kumimoji="0" sz="1600" kern="1200">
+          <a:solidFill>
+            <a:schemeClr val="tx2"/>
+          </a:solidFill>
+          <a:latin typeface="+mn-lt"/>
+          <a:ea typeface="+mn-ea"/>
+          <a:cs typeface="+mn-cs"/>
+        </a:defRPr>
+      </a:lvl6pPr>
+      <a:lvl7pPr marL="2011680" indent="-182880" algn="r" rtl="1" eaLnBrk="1" latinLnBrk="0" hangingPunct="1">
+        <a:spcBef>
+          <a:spcPct val="20000"/>
+        </a:spcBef>
+        <a:buClr>
+          <a:schemeClr val="accent1">
+            <a:tint val="60000"/>
+          </a:schemeClr>
+        </a:buClr>
+        <a:buSzPct val="60000"/>
+        <a:buFont typeface="Wingdings"/>
+        <a:buChar char=""/>
+        <a:defRPr kumimoji="0" sz="1400" kern="1200" baseline="0">
+          <a:solidFill>
+            <a:schemeClr val="tx2"/>
+          </a:solidFill>
+          <a:latin typeface="+mn-lt"/>
+          <a:ea typeface="+mn-ea"/>
+          <a:cs typeface="+mn-cs"/>
+        </a:defRPr>
+      </a:lvl7pPr>
+      <a:lvl8pPr marL="2286000" indent="-182880" algn="r" rtl="1" eaLnBrk="1" latinLnBrk="0" hangingPunct="1">
+        <a:spcBef>
+          <a:spcPct val="20000"/>
+        </a:spcBef>
+        <a:buClr>
+          <a:schemeClr val="accent2"/>
+        </a:buClr>
+        <a:buChar char="•"/>
+        <a:defRPr kumimoji="0" sz="1400" kern="1200" cap="small" baseline="0">
+          <a:solidFill>
+            <a:schemeClr val="tx2"/>
+          </a:solidFill>
+          <a:latin typeface="+mn-lt"/>
+          <a:ea typeface="+mn-ea"/>
+          <a:cs typeface="+mn-cs"/>
+        </a:defRPr>
+      </a:lvl8pPr>
+      <a:lvl9pPr marL="2560320" indent="-182880" algn="r" rtl="1" eaLnBrk="1" latinLnBrk="0" hangingPunct="1">
+        <a:spcBef>
+          <a:spcPct val="20000"/>
+        </a:spcBef>
+        <a:buClr>
+          <a:schemeClr val="accent1">
+            <a:shade val="75000"/>
+          </a:schemeClr>
+        </a:buClr>
+        <a:buChar char="•"/>
+        <a:defRPr kumimoji="0" sz="1400" kern="1200" baseline="0">
+          <a:solidFill>
+            <a:schemeClr val="tx2"/>
+          </a:solidFill>
+          <a:latin typeface="+mn-lt"/>
+          <a:ea typeface="+mn-ea"/>
+          <a:cs typeface="+mn-cs"/>
+        </a:defRPr>
+      </a:lvl9pPr>
+    </p:bodyStyle>
+    <p:otherStyle>
+      <a:lvl1pPr marL="0" algn="r" rtl="1" eaLnBrk="1" latinLnBrk="0" hangingPunct="1">
+        <a:defRPr kumimoji="0" kern="1200">
+          <a:solidFill>
+            <a:schemeClr val="tx1"/>
+          </a:solidFill>
+          <a:latin typeface="+mn-lt"/>
+          <a:ea typeface="+mn-ea"/>
+          <a:cs typeface="+mn-cs"/>
+        </a:defRPr>
+      </a:lvl1pPr>
+      <a:lvl2pPr marL="457200" algn="r" rtl="1" eaLnBrk="1" latinLnBrk="0" hangingPunct="1">
+        <a:defRPr kumimoji="0" kern="1200">
+          <a:solidFill>
+            <a:schemeClr val="tx1"/>
+          </a:solidFill>
+          <a:latin typeface="+mn-lt"/>
+          <a:ea typeface="+mn-ea"/>
+          <a:cs typeface="+mn-cs"/>
+        </a:defRPr>
+      </a:lvl2pPr>
+      <a:lvl3pPr marL="914400" algn="r" rtl="1" eaLnBrk="1" latinLnBrk="0" hangingPunct="1">
+        <a:defRPr kumimoji="0" kern="1200">
+          <a:solidFill>
+            <a:schemeClr val="tx1"/>
+          </a:solidFill>
+          <a:latin typeface="+mn-lt"/>
+          <a:ea typeface="+mn-ea"/>
+          <a:cs typeface="+mn-cs"/>
+        </a:defRPr>
+      </a:lvl3pPr>
+      <a:lvl4pPr marL="1371600" algn="r" rtl="1" eaLnBrk="1" latinLnBrk="0" hangingPunct="1">
+        <a:defRPr kumimoji="0" kern="1200">
+          <a:solidFill>
+            <a:schemeClr val="tx1"/>
+          </a:solidFill>
+          <a:latin typeface="+mn-lt"/>
+          <a:ea typeface="+mn-ea"/>
+          <a:cs typeface="+mn-cs"/>
+        </a:defRPr>
+      </a:lvl4pPr>
+      <a:lvl5pPr marL="1828800" algn="r" rtl="1" eaLnBrk="1" latinLnBrk="0" hangingPunct="1">
+        <a:defRPr kumimoji="0" kern="1200">
+          <a:solidFill>
+            <a:schemeClr val="tx1"/>
+          </a:solidFill>
+          <a:latin typeface="+mn-lt"/>
+          <a:ea typeface="+mn-ea"/>
+          <a:cs typeface="+mn-cs"/>
+        </a:defRPr>
+      </a:lvl5pPr>
+      <a:lvl6pPr marL="2286000" algn="r" rtl="1" eaLnBrk="1" latinLnBrk="0" hangingPunct="1">
+        <a:defRPr kumimoji="0" kern="1200">
           <a:solidFill>
             <a:schemeClr val="tx1"/>
           </a:solidFill>
@@ -2901,13 +4985,8 @@
           <a:cs typeface="+mn-cs"/>
         </a:defRPr>
       </a:lvl6pPr>
-      <a:lvl7pPr marL="2971800" indent="-228600" algn="r" defTabSz="914400" rtl="1" eaLnBrk="1" latinLnBrk="0" hangingPunct="1">
-        <a:spcBef>
-          <a:spcPct val="20000"/>
-        </a:spcBef>
-        <a:buFont typeface="Arial" pitchFamily="34" charset="0"/>
-        <a:buChar char="•"/>
-        <a:defRPr sz="2000" kern="1200">
+      <a:lvl7pPr marL="2743200" algn="r" rtl="1" eaLnBrk="1" latinLnBrk="0" hangingPunct="1">
+        <a:defRPr kumimoji="0" kern="1200">
           <a:solidFill>
             <a:schemeClr val="tx1"/>
           </a:solidFill>
@@ -2916,13 +4995,8 @@
           <a:cs typeface="+mn-cs"/>
         </a:defRPr>
       </a:lvl7pPr>
-      <a:lvl8pPr marL="3429000" indent="-228600" algn="r" defTabSz="914400" rtl="1" eaLnBrk="1" latinLnBrk="0" hangingPunct="1">
-        <a:spcBef>
-          <a:spcPct val="20000"/>
-        </a:spcBef>
-        <a:buFont typeface="Arial" pitchFamily="34" charset="0"/>
-        <a:buChar char="•"/>
-        <a:defRPr sz="2000" kern="1200">
+      <a:lvl8pPr marL="3200400" algn="r" rtl="1" eaLnBrk="1" latinLnBrk="0" hangingPunct="1">
+        <a:defRPr kumimoji="0" kern="1200">
           <a:solidFill>
             <a:schemeClr val="tx1"/>
           </a:solidFill>
@@ -2931,108 +5005,8 @@
           <a:cs typeface="+mn-cs"/>
         </a:defRPr>
       </a:lvl8pPr>
-      <a:lvl9pPr marL="3886200" indent="-228600" algn="r" defTabSz="914400" rtl="1" eaLnBrk="1" latinLnBrk="0" hangingPunct="1">
-        <a:spcBef>
-          <a:spcPct val="20000"/>
-        </a:spcBef>
-        <a:buFont typeface="Arial" pitchFamily="34" charset="0"/>
-        <a:buChar char="•"/>
-        <a:defRPr sz="2000" kern="1200">
-          <a:solidFill>
-            <a:schemeClr val="tx1"/>
-          </a:solidFill>
-          <a:latin typeface="+mn-lt"/>
-          <a:ea typeface="+mn-ea"/>
-          <a:cs typeface="+mn-cs"/>
-        </a:defRPr>
-      </a:lvl9pPr>
-    </p:bodyStyle>
-    <p:otherStyle>
-      <a:defPPr>
-        <a:defRPr lang="he-IL"/>
-      </a:defPPr>
-      <a:lvl1pPr marL="0" algn="r" defTabSz="914400" rtl="1" eaLnBrk="1" latinLnBrk="0" hangingPunct="1">
-        <a:defRPr sz="1800" kern="1200">
-          <a:solidFill>
-            <a:schemeClr val="tx1"/>
-          </a:solidFill>
-          <a:latin typeface="+mn-lt"/>
-          <a:ea typeface="+mn-ea"/>
-          <a:cs typeface="+mn-cs"/>
-        </a:defRPr>
-      </a:lvl1pPr>
-      <a:lvl2pPr marL="457200" algn="r" defTabSz="914400" rtl="1" eaLnBrk="1" latinLnBrk="0" hangingPunct="1">
-        <a:defRPr sz="1800" kern="1200">
-          <a:solidFill>
-            <a:schemeClr val="tx1"/>
-          </a:solidFill>
-          <a:latin typeface="+mn-lt"/>
-          <a:ea typeface="+mn-ea"/>
-          <a:cs typeface="+mn-cs"/>
-        </a:defRPr>
-      </a:lvl2pPr>
-      <a:lvl3pPr marL="914400" algn="r" defTabSz="914400" rtl="1" eaLnBrk="1" latinLnBrk="0" hangingPunct="1">
-        <a:defRPr sz="1800" kern="1200">
-          <a:solidFill>
-            <a:schemeClr val="tx1"/>
-          </a:solidFill>
-          <a:latin typeface="+mn-lt"/>
-          <a:ea typeface="+mn-ea"/>
-          <a:cs typeface="+mn-cs"/>
-        </a:defRPr>
-      </a:lvl3pPr>
-      <a:lvl4pPr marL="1371600" algn="r" defTabSz="914400" rtl="1" eaLnBrk="1" latinLnBrk="0" hangingPunct="1">
-        <a:defRPr sz="1800" kern="1200">
-          <a:solidFill>
-            <a:schemeClr val="tx1"/>
-          </a:solidFill>
-          <a:latin typeface="+mn-lt"/>
-          <a:ea typeface="+mn-ea"/>
-          <a:cs typeface="+mn-cs"/>
-        </a:defRPr>
-      </a:lvl4pPr>
-      <a:lvl5pPr marL="1828800" algn="r" defTabSz="914400" rtl="1" eaLnBrk="1" latinLnBrk="0" hangingPunct="1">
-        <a:defRPr sz="1800" kern="1200">
-          <a:solidFill>
-            <a:schemeClr val="tx1"/>
-          </a:solidFill>
-          <a:latin typeface="+mn-lt"/>
-          <a:ea typeface="+mn-ea"/>
-          <a:cs typeface="+mn-cs"/>
-        </a:defRPr>
-      </a:lvl5pPr>
-      <a:lvl6pPr marL="2286000" algn="r" defTabSz="914400" rtl="1" eaLnBrk="1" latinLnBrk="0" hangingPunct="1">
-        <a:defRPr sz="1800" kern="1200">
-          <a:solidFill>
-            <a:schemeClr val="tx1"/>
-          </a:solidFill>
-          <a:latin typeface="+mn-lt"/>
-          <a:ea typeface="+mn-ea"/>
-          <a:cs typeface="+mn-cs"/>
-        </a:defRPr>
-      </a:lvl6pPr>
-      <a:lvl7pPr marL="2743200" algn="r" defTabSz="914400" rtl="1" eaLnBrk="1" latinLnBrk="0" hangingPunct="1">
-        <a:defRPr sz="1800" kern="1200">
-          <a:solidFill>
-            <a:schemeClr val="tx1"/>
-          </a:solidFill>
-          <a:latin typeface="+mn-lt"/>
-          <a:ea typeface="+mn-ea"/>
-          <a:cs typeface="+mn-cs"/>
-        </a:defRPr>
-      </a:lvl7pPr>
-      <a:lvl8pPr marL="3200400" algn="r" defTabSz="914400" rtl="1" eaLnBrk="1" latinLnBrk="0" hangingPunct="1">
-        <a:defRPr sz="1800" kern="1200">
-          <a:solidFill>
-            <a:schemeClr val="tx1"/>
-          </a:solidFill>
-          <a:latin typeface="+mn-lt"/>
-          <a:ea typeface="+mn-ea"/>
-          <a:cs typeface="+mn-cs"/>
-        </a:defRPr>
-      </a:lvl8pPr>
-      <a:lvl9pPr marL="3657600" algn="r" defTabSz="914400" rtl="1" eaLnBrk="1" latinLnBrk="0" hangingPunct="1">
-        <a:defRPr sz="1800" kern="1200">
+      <a:lvl9pPr marL="3657600" algn="r" rtl="1" eaLnBrk="1" latinLnBrk="0" hangingPunct="1">
+        <a:defRPr kumimoji="0" kern="1200">
           <a:solidFill>
             <a:schemeClr val="tx1"/>
           </a:solidFill>
@@ -3085,6 +5059,7 @@
           </a:bodyPr>
           <a:lstStyle/>
           <a:p>
+            <a:pPr algn="ctr"/>
             <a:endParaRPr lang="he-IL" sz="4000" dirty="0" smtClean="0">
               <a:solidFill>
                 <a:schemeClr val="tx1">
@@ -3097,6 +5072,7 @@
             </a:endParaRPr>
           </a:p>
           <a:p>
+            <a:pPr algn="ctr"/>
             <a:endParaRPr lang="he-IL" sz="4000" dirty="0" smtClean="0">
               <a:solidFill>
                 <a:schemeClr val="tx1">
@@ -3109,6 +5085,7 @@
             </a:endParaRPr>
           </a:p>
           <a:p>
+            <a:pPr algn="ctr"/>
             <a:r>
               <a:rPr lang="he-IL" sz="4000" dirty="0" smtClean="0">
                 <a:solidFill>
@@ -3120,7 +5097,20 @@
                 <a:latin typeface="Aharoni" pitchFamily="2" charset="-79"/>
                 <a:cs typeface="Aharoni" pitchFamily="2" charset="-79"/>
               </a:rPr>
-              <a:t>מי אני?</a:t>
+              <a:t>מי </a:t>
+            </a:r>
+            <a:r>
+              <a:rPr lang="he-IL" sz="4000" dirty="0" smtClean="0">
+                <a:solidFill>
+                  <a:schemeClr val="tx1">
+                    <a:lumMod val="95000"/>
+                    <a:lumOff val="5000"/>
+                  </a:schemeClr>
+                </a:solidFill>
+                <a:latin typeface="Aharoni" pitchFamily="2" charset="-79"/>
+                <a:cs typeface="Aharoni" pitchFamily="2" charset="-79"/>
+              </a:rPr>
+              <a:t>אני?</a:t>
             </a:r>
             <a:r>
               <a:rPr lang="he-IL" sz="4000" dirty="0">
@@ -3218,99 +5208,87 @@
           <a:chExt cx="0" cy="0"/>
         </a:xfrm>
       </p:grpSpPr>
-      <p:sp>
-        <p:nvSpPr>
-          <p:cNvPr id="15366" name="AutoShape 6" descr="C:\Users\bestb\Desktop\lotus\logo.webp"/>
-          <p:cNvSpPr>
-            <a:spLocks noChangeAspect="1" noChangeArrowheads="1"/>
-          </p:cNvSpPr>
-          <p:nvPr/>
-        </p:nvSpPr>
+      <p:pic>
+        <p:nvPicPr>
+          <p:cNvPr id="2050" name="Picture 2" descr="C:\Users\bestb\Desktop\lotus\אורט.png"/>
+          <p:cNvPicPr>
+            <a:picLocks noChangeAspect="1" noChangeArrowheads="1"/>
+          </p:cNvPicPr>
+          <p:nvPr/>
+        </p:nvPicPr>
+        <p:blipFill>
+          <a:blip r:embed="rId2" cstate="print"/>
+          <a:srcRect/>
+          <a:stretch>
+            <a:fillRect/>
+          </a:stretch>
+        </p:blipFill>
         <p:spPr bwMode="auto">
           <a:xfrm>
-            <a:off x="8923338" y="-144463"/>
-            <a:ext cx="304800" cy="304801"/>
+            <a:off x="5257800" y="3429000"/>
+            <a:ext cx="3124200" cy="3051441"/>
           </a:xfrm>
           <a:prstGeom prst="rect">
             <a:avLst/>
           </a:prstGeom>
           <a:noFill/>
         </p:spPr>
-        <p:txBody>
-          <a:bodyPr vert="horz" wrap="square" lIns="91440" tIns="45720" rIns="91440" bIns="45720" numCol="1" anchor="t" anchorCtr="0" compatLnSpc="1">
-            <a:prstTxWarp prst="textNoShape">
-              <a:avLst/>
-            </a:prstTxWarp>
-          </a:bodyPr>
-          <a:lstStyle/>
-          <a:p>
-            <a:endParaRPr lang="he-IL"/>
-          </a:p>
-        </p:txBody>
-      </p:sp>
-      <p:sp>
-        <p:nvSpPr>
-          <p:cNvPr id="15368" name="AutoShape 8" descr="C:\Users\bestb\Desktop\lotus\logo.webp"/>
-          <p:cNvSpPr>
-            <a:spLocks noChangeAspect="1" noChangeArrowheads="1"/>
-          </p:cNvSpPr>
-          <p:nvPr/>
-        </p:nvSpPr>
+      </p:pic>
+      <p:pic>
+        <p:nvPicPr>
+          <p:cNvPr id="2051" name="Picture 3" descr="C:\Users\bestb\Desktop\lotus\1616060938.jpg"/>
+          <p:cNvPicPr>
+            <a:picLocks noChangeAspect="1" noChangeArrowheads="1"/>
+          </p:cNvPicPr>
+          <p:nvPr/>
+        </p:nvPicPr>
+        <p:blipFill>
+          <a:blip r:embed="rId3" cstate="print"/>
+          <a:srcRect/>
+          <a:stretch>
+            <a:fillRect/>
+          </a:stretch>
+        </p:blipFill>
         <p:spPr bwMode="auto">
           <a:xfrm>
-            <a:off x="8923338" y="-144463"/>
-            <a:ext cx="304800" cy="304801"/>
+            <a:off x="381000" y="381000"/>
+            <a:ext cx="4123046" cy="2743200"/>
           </a:xfrm>
           <a:prstGeom prst="rect">
             <a:avLst/>
           </a:prstGeom>
           <a:noFill/>
         </p:spPr>
-        <p:txBody>
-          <a:bodyPr vert="horz" wrap="square" lIns="91440" tIns="45720" rIns="91440" bIns="45720" numCol="1" anchor="t" anchorCtr="0" compatLnSpc="1">
-            <a:prstTxWarp prst="textNoShape">
-              <a:avLst/>
-            </a:prstTxWarp>
-          </a:bodyPr>
-          <a:lstStyle/>
-          <a:p>
-            <a:endParaRPr lang="he-IL"/>
-          </a:p>
-        </p:txBody>
-      </p:sp>
-      <p:sp>
-        <p:nvSpPr>
-          <p:cNvPr id="15370" name="AutoShape 10" descr="C:\Users\bestb\Desktop\lotus\logo.webp"/>
-          <p:cNvSpPr>
-            <a:spLocks noChangeAspect="1" noChangeArrowheads="1"/>
-          </p:cNvSpPr>
-          <p:nvPr/>
-        </p:nvSpPr>
+      </p:pic>
+      <p:pic>
+        <p:nvPicPr>
+          <p:cNvPr id="2052" name="Picture 4" descr="C:\Users\bestb\Desktop\lotus\תכנות.jpeg"/>
+          <p:cNvPicPr>
+            <a:picLocks noChangeAspect="1" noChangeArrowheads="1"/>
+          </p:cNvPicPr>
+          <p:nvPr/>
+        </p:nvPicPr>
+        <p:blipFill>
+          <a:blip r:embed="rId4" cstate="print"/>
+          <a:srcRect/>
+          <a:stretch>
+            <a:fillRect/>
+          </a:stretch>
+        </p:blipFill>
         <p:spPr bwMode="auto">
           <a:xfrm>
-            <a:off x="8923338" y="-144463"/>
-            <a:ext cx="304800" cy="304801"/>
+            <a:off x="457200" y="3640056"/>
+            <a:ext cx="4038600" cy="2687505"/>
           </a:xfrm>
           <a:prstGeom prst="rect">
             <a:avLst/>
           </a:prstGeom>
           <a:noFill/>
         </p:spPr>
-        <p:txBody>
-          <a:bodyPr vert="horz" wrap="square" lIns="91440" tIns="45720" rIns="91440" bIns="45720" numCol="1" anchor="t" anchorCtr="0" compatLnSpc="1">
-            <a:prstTxWarp prst="textNoShape">
-              <a:avLst/>
-            </a:prstTxWarp>
-          </a:bodyPr>
-          <a:lstStyle/>
-          <a:p>
-            <a:endParaRPr lang="he-IL"/>
-          </a:p>
-        </p:txBody>
-      </p:sp>
-      <p:sp>
-        <p:nvSpPr>
-          <p:cNvPr id="20" name="כותרת משנה 2"/>
+      </p:pic>
+      <p:sp>
+        <p:nvSpPr>
+          <p:cNvPr id="9" name="כותרת משנה 2"/>
           <p:cNvSpPr txBox="1">
             <a:spLocks/>
           </p:cNvSpPr>
@@ -3318,8 +5296,8 @@
         </p:nvSpPr>
         <p:spPr>
           <a:xfrm>
-            <a:off x="3124200" y="533400"/>
-            <a:ext cx="2514600" cy="1143000"/>
+            <a:off x="4953000" y="609600"/>
+            <a:ext cx="3886200" cy="2133600"/>
           </a:xfrm>
           <a:prstGeom prst="rect">
             <a:avLst/>
@@ -3347,6 +5325,19 @@
               <a:defRPr/>
             </a:pPr>
             <a:r>
+              <a:rPr lang="he-IL" sz="4000" noProof="0" dirty="0">
+                <a:solidFill>
+                  <a:schemeClr val="tx1">
+                    <a:lumMod val="95000"/>
+                    <a:lumOff val="5000"/>
+                  </a:schemeClr>
+                </a:solidFill>
+                <a:latin typeface="Aharoni" pitchFamily="2" charset="-79"/>
+                <a:cs typeface="Aharoni" pitchFamily="2" charset="-79"/>
+              </a:rPr>
+              <a:t> </a:t>
+            </a:r>
+            <a:r>
               <a:rPr lang="he-IL" sz="4000" noProof="0" dirty="0" smtClean="0">
                 <a:solidFill>
                   <a:schemeClr val="tx1">
@@ -3357,7 +5348,89 @@
                 <a:latin typeface="Aharoni" pitchFamily="2" charset="-79"/>
                 <a:cs typeface="Aharoni" pitchFamily="2" charset="-79"/>
               </a:rPr>
-              <a:t>הפרויקט שלי </a:t>
+              <a:t>תיכון בית </a:t>
+            </a:r>
+            <a:r>
+              <a:rPr lang="he-IL" sz="4000" noProof="0" dirty="0" err="1" smtClean="0">
+                <a:solidFill>
+                  <a:schemeClr val="tx1">
+                    <a:lumMod val="95000"/>
+                    <a:lumOff val="5000"/>
+                  </a:schemeClr>
+                </a:solidFill>
+                <a:latin typeface="Aharoni" pitchFamily="2" charset="-79"/>
+                <a:cs typeface="Aharoni" pitchFamily="2" charset="-79"/>
+              </a:rPr>
+              <a:t>ג'ן</a:t>
+            </a:r>
+            <a:r>
+              <a:rPr lang="he-IL" sz="4000" noProof="0" dirty="0" smtClean="0">
+                <a:solidFill>
+                  <a:schemeClr val="tx1">
+                    <a:lumMod val="95000"/>
+                    <a:lumOff val="5000"/>
+                  </a:schemeClr>
+                </a:solidFill>
+                <a:latin typeface="Aharoni" pitchFamily="2" charset="-79"/>
+                <a:cs typeface="Aharoni" pitchFamily="2" charset="-79"/>
+              </a:rPr>
+              <a:t> </a:t>
+            </a:r>
+          </a:p>
+          <a:p>
+            <a:pPr marL="342900" marR="0" lvl="0" indent="-342900" algn="ctr" defTabSz="914400" rtl="1" eaLnBrk="1" fontAlgn="auto" latinLnBrk="0" hangingPunct="1">
+              <a:lnSpc>
+                <a:spcPct val="100000"/>
+              </a:lnSpc>
+              <a:spcBef>
+                <a:spcPct val="20000"/>
+              </a:spcBef>
+              <a:spcAft>
+                <a:spcPts val="0"/>
+              </a:spcAft>
+              <a:buClrTx/>
+              <a:buSzTx/>
+              <a:tabLst/>
+              <a:defRPr/>
+            </a:pPr>
+            <a:r>
+              <a:rPr lang="he-IL" sz="4000" noProof="0" dirty="0" smtClean="0">
+                <a:solidFill>
+                  <a:schemeClr val="tx1">
+                    <a:lumMod val="95000"/>
+                    <a:lumOff val="5000"/>
+                  </a:schemeClr>
+                </a:solidFill>
+                <a:latin typeface="Aharoni" pitchFamily="2" charset="-79"/>
+                <a:cs typeface="Aharoni" pitchFamily="2" charset="-79"/>
+              </a:rPr>
+              <a:t>מגמת אלקטרוניקה </a:t>
+            </a:r>
+            <a:r>
+              <a:rPr lang="he-IL" sz="4000" noProof="0" dirty="0" err="1" smtClean="0">
+                <a:solidFill>
+                  <a:schemeClr val="tx1">
+                    <a:lumMod val="95000"/>
+                    <a:lumOff val="5000"/>
+                  </a:schemeClr>
+                </a:solidFill>
+                <a:latin typeface="Aharoni" pitchFamily="2" charset="-79"/>
+                <a:cs typeface="Aharoni" pitchFamily="2" charset="-79"/>
+              </a:rPr>
+              <a:t>פזיקה</a:t>
+            </a:r>
+            <a:r>
+              <a:rPr lang="he-IL" sz="4000" noProof="0" dirty="0" smtClean="0">
+                <a:solidFill>
+                  <a:schemeClr val="tx1">
+                    <a:lumMod val="95000"/>
+                    <a:lumOff val="5000"/>
+                  </a:schemeClr>
+                </a:solidFill>
+                <a:latin typeface="Aharoni" pitchFamily="2" charset="-79"/>
+                <a:cs typeface="Aharoni" pitchFamily="2" charset="-79"/>
+              </a:rPr>
+              <a:t> </a:t>
             </a:r>
             <a:endParaRPr kumimoji="0" lang="he-IL" sz="4000" b="0" i="0" u="none" strike="noStrike" kern="1200" cap="none" spc="0" normalizeH="0" baseline="0" noProof="0" dirty="0" smtClean="0">
               <a:ln>
@@ -3415,9 +5488,131 @@
           </a:p>
         </p:txBody>
       </p:sp>
-      <p:sp>
-        <p:nvSpPr>
-          <p:cNvPr id="21" name="כותרת משנה 2"/>
+    </p:spTree>
+  </p:cSld>
+  <p:clrMapOvr>
+    <a:masterClrMapping/>
+  </p:clrMapOvr>
+  <p:timing>
+    <p:tnLst>
+      <p:par>
+        <p:cTn id="1" dur="indefinite" restart="never" nodeType="tmRoot"/>
+      </p:par>
+    </p:tnLst>
+  </p:timing>
+</p:sld>
+</file>
+
+<file path=ppt/slides/slide3.xml><?xml version="1.0" encoding="utf-8"?>
+<p:sld xmlns:a="http://schemas.openxmlformats.org/drawingml/2006/main" xmlns:r="http://schemas.openxmlformats.org/officeDocument/2006/relationships" xmlns:p="http://schemas.openxmlformats.org/presentationml/2006/main">
+  <p:cSld>
+    <p:spTree>
+      <p:nvGrpSpPr>
+        <p:cNvPr id="1" name=""/>
+        <p:cNvGrpSpPr/>
+        <p:nvPr/>
+      </p:nvGrpSpPr>
+      <p:grpSpPr>
+        <a:xfrm>
+          <a:off x="0" y="0"/>
+          <a:ext cx="0" cy="0"/>
+          <a:chOff x="0" y="0"/>
+          <a:chExt cx="0" cy="0"/>
+        </a:xfrm>
+      </p:grpSpPr>
+      <p:sp>
+        <p:nvSpPr>
+          <p:cNvPr id="15366" name="AutoShape 6" descr="C:\Users\bestb\Desktop\lotus\logo.webp"/>
+          <p:cNvSpPr>
+            <a:spLocks noChangeAspect="1" noChangeArrowheads="1"/>
+          </p:cNvSpPr>
+          <p:nvPr/>
+        </p:nvSpPr>
+        <p:spPr bwMode="auto">
+          <a:xfrm>
+            <a:off x="8923338" y="-144463"/>
+            <a:ext cx="304800" cy="304801"/>
+          </a:xfrm>
+          <a:prstGeom prst="rect">
+            <a:avLst/>
+          </a:prstGeom>
+          <a:noFill/>
+        </p:spPr>
+        <p:txBody>
+          <a:bodyPr vert="horz" wrap="square" lIns="91440" tIns="45720" rIns="91440" bIns="45720" numCol="1" anchor="t" anchorCtr="0" compatLnSpc="1">
+            <a:prstTxWarp prst="textNoShape">
+              <a:avLst/>
+            </a:prstTxWarp>
+          </a:bodyPr>
+          <a:lstStyle/>
+          <a:p>
+            <a:endParaRPr lang="he-IL"/>
+          </a:p>
+        </p:txBody>
+      </p:sp>
+      <p:sp>
+        <p:nvSpPr>
+          <p:cNvPr id="15368" name="AutoShape 8" descr="C:\Users\bestb\Desktop\lotus\logo.webp"/>
+          <p:cNvSpPr>
+            <a:spLocks noChangeAspect="1" noChangeArrowheads="1"/>
+          </p:cNvSpPr>
+          <p:nvPr/>
+        </p:nvSpPr>
+        <p:spPr bwMode="auto">
+          <a:xfrm>
+            <a:off x="8923338" y="-144463"/>
+            <a:ext cx="304800" cy="304801"/>
+          </a:xfrm>
+          <a:prstGeom prst="rect">
+            <a:avLst/>
+          </a:prstGeom>
+          <a:noFill/>
+        </p:spPr>
+        <p:txBody>
+          <a:bodyPr vert="horz" wrap="square" lIns="91440" tIns="45720" rIns="91440" bIns="45720" numCol="1" anchor="t" anchorCtr="0" compatLnSpc="1">
+            <a:prstTxWarp prst="textNoShape">
+              <a:avLst/>
+            </a:prstTxWarp>
+          </a:bodyPr>
+          <a:lstStyle/>
+          <a:p>
+            <a:endParaRPr lang="he-IL"/>
+          </a:p>
+        </p:txBody>
+      </p:sp>
+      <p:sp>
+        <p:nvSpPr>
+          <p:cNvPr id="15370" name="AutoShape 10" descr="C:\Users\bestb\Desktop\lotus\logo.webp"/>
+          <p:cNvSpPr>
+            <a:spLocks noChangeAspect="1" noChangeArrowheads="1"/>
+          </p:cNvSpPr>
+          <p:nvPr/>
+        </p:nvSpPr>
+        <p:spPr bwMode="auto">
+          <a:xfrm>
+            <a:off x="8923338" y="-144463"/>
+            <a:ext cx="304800" cy="304801"/>
+          </a:xfrm>
+          <a:prstGeom prst="rect">
+            <a:avLst/>
+          </a:prstGeom>
+          <a:noFill/>
+        </p:spPr>
+        <p:txBody>
+          <a:bodyPr vert="horz" wrap="square" lIns="91440" tIns="45720" rIns="91440" bIns="45720" numCol="1" anchor="t" anchorCtr="0" compatLnSpc="1">
+            <a:prstTxWarp prst="textNoShape">
+              <a:avLst/>
+            </a:prstTxWarp>
+          </a:bodyPr>
+          <a:lstStyle/>
+          <a:p>
+            <a:endParaRPr lang="he-IL"/>
+          </a:p>
+        </p:txBody>
+      </p:sp>
+      <p:sp>
+        <p:nvSpPr>
+          <p:cNvPr id="20" name="כותרת משנה 2"/>
           <p:cNvSpPr txBox="1">
             <a:spLocks/>
           </p:cNvSpPr>
@@ -3425,8 +5620,8 @@
         </p:nvSpPr>
         <p:spPr>
           <a:xfrm>
-            <a:off x="1828800" y="3200400"/>
-            <a:ext cx="5638800" cy="3048000"/>
+            <a:off x="3124200" y="533400"/>
+            <a:ext cx="2514600" cy="1143000"/>
           </a:xfrm>
           <a:prstGeom prst="rect">
             <a:avLst/>
@@ -3454,92 +5649,27 @@
               <a:defRPr/>
             </a:pPr>
             <a:r>
-              <a:rPr lang="he-IL" sz="4000" dirty="0" smtClean="0">
+              <a:rPr lang="he-IL" sz="4000" noProof="0" dirty="0" smtClean="0">
                 <a:solidFill>
-                  <a:srgbClr val="002060"/>
+                  <a:schemeClr val="tx1">
+                    <a:lumMod val="95000"/>
+                    <a:lumOff val="5000"/>
+                  </a:schemeClr>
                 </a:solidFill>
                 <a:latin typeface="Aharoni" pitchFamily="2" charset="-79"/>
                 <a:cs typeface="Aharoni" pitchFamily="2" charset="-79"/>
               </a:rPr>
-              <a:t>פלטפורמה ליצירת</a:t>
-            </a:r>
-            <a:endParaRPr lang="en-US" sz="4000" dirty="0" smtClean="0">
-              <a:solidFill>
-                <a:srgbClr val="002060"/>
-              </a:solidFill>
-              <a:latin typeface="Aharoni" pitchFamily="2" charset="-79"/>
-              <a:cs typeface="Aharoni" pitchFamily="2" charset="-79"/>
-            </a:endParaRPr>
-          </a:p>
-          <a:p>
-            <a:pPr marL="342900" marR="0" lvl="0" indent="-342900" algn="ctr" defTabSz="914400" rtl="1" eaLnBrk="1" fontAlgn="auto" latinLnBrk="0" hangingPunct="1">
-              <a:lnSpc>
-                <a:spcPct val="100000"/>
-              </a:lnSpc>
-              <a:spcBef>
-                <a:spcPct val="20000"/>
-              </a:spcBef>
-              <a:spcAft>
-                <a:spcPts val="0"/>
-              </a:spcAft>
-              <a:buClrTx/>
-              <a:buSzTx/>
-              <a:tabLst/>
-              <a:defRPr/>
-            </a:pPr>
-            <a:r>
-              <a:rPr lang="he-IL" sz="4000" dirty="0" smtClean="0">
-                <a:solidFill>
-                  <a:srgbClr val="002060"/>
-                </a:solidFill>
-                <a:latin typeface="Aharoni" pitchFamily="2" charset="-79"/>
-                <a:cs typeface="Aharoni" pitchFamily="2" charset="-79"/>
-              </a:rPr>
-              <a:t> משחקים</a:t>
-            </a:r>
-          </a:p>
-          <a:p>
-            <a:pPr marL="342900" marR="0" lvl="0" indent="-342900" algn="ctr" defTabSz="914400" rtl="1" eaLnBrk="1" fontAlgn="auto" latinLnBrk="0" hangingPunct="1">
-              <a:lnSpc>
-                <a:spcPct val="100000"/>
-              </a:lnSpc>
-              <a:spcBef>
-                <a:spcPct val="20000"/>
-              </a:spcBef>
-              <a:spcAft>
-                <a:spcPts val="0"/>
-              </a:spcAft>
-              <a:buClrTx/>
-              <a:buSzTx/>
-              <a:tabLst/>
-              <a:defRPr/>
-            </a:pPr>
-            <a:r>
-              <a:rPr lang="he-IL" sz="4000" dirty="0" smtClean="0">
-                <a:solidFill>
-                  <a:srgbClr val="002060"/>
-                </a:solidFill>
-                <a:latin typeface="Aharoni" pitchFamily="2" charset="-79"/>
-                <a:cs typeface="Aharoni" pitchFamily="2" charset="-79"/>
-              </a:rPr>
-              <a:t>לילדים בגיל 6 עד 10 </a:t>
-            </a:r>
-            <a:r>
-              <a:rPr lang="he-IL" sz="4000" noProof="0" dirty="0" smtClean="0">
-                <a:solidFill>
-                  <a:srgbClr val="002060"/>
-                </a:solidFill>
-                <a:latin typeface="Aharoni" pitchFamily="2" charset="-79"/>
-                <a:cs typeface="Aharoni" pitchFamily="2" charset="-79"/>
-              </a:rPr>
-              <a:t> </a:t>
+              <a:t>הפרויקט שלי </a:t>
             </a:r>
             <a:endParaRPr kumimoji="0" lang="he-IL" sz="4000" b="0" i="0" u="none" strike="noStrike" kern="1200" cap="none" spc="0" normalizeH="0" baseline="0" noProof="0" dirty="0" smtClean="0">
               <a:ln>
                 <a:noFill/>
               </a:ln>
               <a:solidFill>
-                <a:srgbClr val="002060"/>
+                <a:schemeClr val="tx1">
+                  <a:lumMod val="95000"/>
+                  <a:lumOff val="5000"/>
+                </a:schemeClr>
               </a:solidFill>
               <a:effectLst/>
               <a:uLnTx/>
@@ -3587,145 +5717,9 @@
           </a:p>
         </p:txBody>
       </p:sp>
-      <p:pic>
-        <p:nvPicPr>
-          <p:cNvPr id="1026" name="Picture 2" descr="C:\Users\bestb\Desktop\lotus\gameCreator\view\public\media\Appbackgound\logo.png"/>
-          <p:cNvPicPr>
-            <a:picLocks noChangeAspect="1" noChangeArrowheads="1"/>
-          </p:cNvPicPr>
-          <p:nvPr/>
-        </p:nvPicPr>
-        <p:blipFill>
-          <a:blip r:embed="rId2" cstate="print"/>
-          <a:srcRect/>
-          <a:stretch>
-            <a:fillRect/>
-          </a:stretch>
-        </p:blipFill>
-        <p:spPr bwMode="auto">
-          <a:xfrm>
-            <a:off x="381000" y="609600"/>
-            <a:ext cx="8074025" cy="2560638"/>
-          </a:xfrm>
-          <a:prstGeom prst="rect">
-            <a:avLst/>
-          </a:prstGeom>
-          <a:noFill/>
-        </p:spPr>
-      </p:pic>
-    </p:spTree>
-  </p:cSld>
-  <p:clrMapOvr>
-    <a:masterClrMapping/>
-  </p:clrMapOvr>
-  <p:timing>
-    <p:tnLst>
-      <p:par>
-        <p:cTn id="1" dur="indefinite" restart="never" nodeType="tmRoot"/>
-      </p:par>
-    </p:tnLst>
-  </p:timing>
-</p:sld>
-</file>
-
-<file path=ppt/slides/slide3.xml><?xml version="1.0" encoding="utf-8"?>
-<p:sld xmlns:a="http://schemas.openxmlformats.org/drawingml/2006/main" xmlns:r="http://schemas.openxmlformats.org/officeDocument/2006/relationships" xmlns:p="http://schemas.openxmlformats.org/presentationml/2006/main">
-  <p:cSld>
-    <p:spTree>
-      <p:nvGrpSpPr>
-        <p:cNvPr id="1" name=""/>
-        <p:cNvGrpSpPr/>
-        <p:nvPr/>
-      </p:nvGrpSpPr>
-      <p:grpSpPr>
-        <a:xfrm>
-          <a:off x="0" y="0"/>
-          <a:ext cx="0" cy="0"/>
-          <a:chOff x="0" y="0"/>
-          <a:chExt cx="0" cy="0"/>
-        </a:xfrm>
-      </p:grpSpPr>
-      <p:pic>
-        <p:nvPicPr>
-          <p:cNvPr id="2050" name="Picture 2" descr="C:\Users\bestb\Desktop\lotus\אורט.png"/>
-          <p:cNvPicPr>
-            <a:picLocks noChangeAspect="1" noChangeArrowheads="1"/>
-          </p:cNvPicPr>
-          <p:nvPr/>
-        </p:nvPicPr>
-        <p:blipFill>
-          <a:blip r:embed="rId2" cstate="print"/>
-          <a:srcRect/>
-          <a:stretch>
-            <a:fillRect/>
-          </a:stretch>
-        </p:blipFill>
-        <p:spPr bwMode="auto">
-          <a:xfrm>
-            <a:off x="5257800" y="3429000"/>
-            <a:ext cx="3124200" cy="3051441"/>
-          </a:xfrm>
-          <a:prstGeom prst="rect">
-            <a:avLst/>
-          </a:prstGeom>
-          <a:noFill/>
-        </p:spPr>
-      </p:pic>
-      <p:pic>
-        <p:nvPicPr>
-          <p:cNvPr id="2051" name="Picture 3" descr="C:\Users\bestb\Desktop\lotus\1616060938.jpg"/>
-          <p:cNvPicPr>
-            <a:picLocks noChangeAspect="1" noChangeArrowheads="1"/>
-          </p:cNvPicPr>
-          <p:nvPr/>
-        </p:nvPicPr>
-        <p:blipFill>
-          <a:blip r:embed="rId3" cstate="print"/>
-          <a:srcRect/>
-          <a:stretch>
-            <a:fillRect/>
-          </a:stretch>
-        </p:blipFill>
-        <p:spPr bwMode="auto">
-          <a:xfrm>
-            <a:off x="381000" y="381000"/>
-            <a:ext cx="4123046" cy="2743200"/>
-          </a:xfrm>
-          <a:prstGeom prst="rect">
-            <a:avLst/>
-          </a:prstGeom>
-          <a:noFill/>
-        </p:spPr>
-      </p:pic>
-      <p:pic>
-        <p:nvPicPr>
-          <p:cNvPr id="2052" name="Picture 4" descr="C:\Users\bestb\Desktop\lotus\תכנות.jpeg"/>
-          <p:cNvPicPr>
-            <a:picLocks noChangeAspect="1" noChangeArrowheads="1"/>
-          </p:cNvPicPr>
-          <p:nvPr/>
-        </p:nvPicPr>
-        <p:blipFill>
-          <a:blip r:embed="rId4" cstate="print"/>
-          <a:srcRect/>
-          <a:stretch>
-            <a:fillRect/>
-          </a:stretch>
-        </p:blipFill>
-        <p:spPr bwMode="auto">
-          <a:xfrm>
-            <a:off x="457200" y="3640056"/>
-            <a:ext cx="4038600" cy="2687505"/>
-          </a:xfrm>
-          <a:prstGeom prst="rect">
-            <a:avLst/>
-          </a:prstGeom>
-          <a:noFill/>
-        </p:spPr>
-      </p:pic>
-      <p:sp>
-        <p:nvSpPr>
-          <p:cNvPr id="9" name="כותרת משנה 2"/>
+      <p:sp>
+        <p:nvSpPr>
+          <p:cNvPr id="21" name="כותרת משנה 2"/>
           <p:cNvSpPr txBox="1">
             <a:spLocks/>
           </p:cNvSpPr>
@@ -3733,8 +5727,8 @@
         </p:nvSpPr>
         <p:spPr>
           <a:xfrm>
-            <a:off x="4953000" y="609600"/>
-            <a:ext cx="3886200" cy="2133600"/>
+            <a:off x="1828800" y="3200400"/>
+            <a:ext cx="5638800" cy="3048000"/>
           </a:xfrm>
           <a:prstGeom prst="rect">
             <a:avLst/>
@@ -3762,57 +5756,22 @@
               <a:defRPr/>
             </a:pPr>
             <a:r>
-              <a:rPr lang="he-IL" sz="4000" noProof="0" dirty="0">
+              <a:rPr lang="he-IL" sz="4000" dirty="0" smtClean="0">
                 <a:solidFill>
-                  <a:schemeClr val="tx1">
-                    <a:lumMod val="95000"/>
-                    <a:lumOff val="5000"/>
-                  </a:schemeClr>
+                  <a:srgbClr val="002060"/>
                 </a:solidFill>
                 <a:latin typeface="Aharoni" pitchFamily="2" charset="-79"/>
                 <a:cs typeface="Aharoni" pitchFamily="2" charset="-79"/>
               </a:rPr>
-              <a:t> </a:t>
-            </a:r>
-            <a:r>
-              <a:rPr lang="he-IL" sz="4000" noProof="0" dirty="0" smtClean="0">
-                <a:solidFill>
-                  <a:schemeClr val="tx1">
-                    <a:lumMod val="95000"/>
-                    <a:lumOff val="5000"/>
-                  </a:schemeClr>
-                </a:solidFill>
-                <a:latin typeface="Aharoni" pitchFamily="2" charset="-79"/>
-                <a:cs typeface="Aharoni" pitchFamily="2" charset="-79"/>
-              </a:rPr>
-              <a:t>תיכון בית </a:t>
-            </a:r>
-            <a:r>
-              <a:rPr lang="he-IL" sz="4000" noProof="0" dirty="0" err="1" smtClean="0">
-                <a:solidFill>
-                  <a:schemeClr val="tx1">
-                    <a:lumMod val="95000"/>
-                    <a:lumOff val="5000"/>
-                  </a:schemeClr>
-                </a:solidFill>
-                <a:latin typeface="Aharoni" pitchFamily="2" charset="-79"/>
-                <a:cs typeface="Aharoni" pitchFamily="2" charset="-79"/>
-              </a:rPr>
-              <a:t>ג'ן</a:t>
-            </a:r>
-            <a:r>
-              <a:rPr lang="he-IL" sz="4000" noProof="0" dirty="0" smtClean="0">
-                <a:solidFill>
-                  <a:schemeClr val="tx1">
-                    <a:lumMod val="95000"/>
-                    <a:lumOff val="5000"/>
-                  </a:schemeClr>
-                </a:solidFill>
-                <a:latin typeface="Aharoni" pitchFamily="2" charset="-79"/>
-                <a:cs typeface="Aharoni" pitchFamily="2" charset="-79"/>
-              </a:rPr>
-              <a:t> </a:t>
-            </a:r>
+              <a:t>פלטפורמה ליצירת</a:t>
+            </a:r>
+            <a:endParaRPr lang="en-US" sz="4000" dirty="0" smtClean="0">
+              <a:solidFill>
+                <a:srgbClr val="002060"/>
+              </a:solidFill>
+              <a:latin typeface="Aharoni" pitchFamily="2" charset="-79"/>
+              <a:cs typeface="Aharoni" pitchFamily="2" charset="-79"/>
+            </a:endParaRPr>
           </a:p>
           <a:p>
             <a:pPr marL="342900" marR="0" lvl="0" indent="-342900" algn="ctr" defTabSz="914400" rtl="1" eaLnBrk="1" fontAlgn="auto" latinLnBrk="0" hangingPunct="1">
@@ -3831,38 +5790,46 @@
               <a:defRPr/>
             </a:pPr>
             <a:r>
-              <a:rPr lang="he-IL" sz="4000" noProof="0" dirty="0" smtClean="0">
+              <a:rPr lang="he-IL" sz="4000" dirty="0" smtClean="0">
                 <a:solidFill>
-                  <a:schemeClr val="tx1">
-                    <a:lumMod val="95000"/>
-                    <a:lumOff val="5000"/>
-                  </a:schemeClr>
+                  <a:srgbClr val="002060"/>
                 </a:solidFill>
                 <a:latin typeface="Aharoni" pitchFamily="2" charset="-79"/>
                 <a:cs typeface="Aharoni" pitchFamily="2" charset="-79"/>
               </a:rPr>
-              <a:t>מגמת אלקטרוניקה </a:t>
-            </a:r>
-            <a:r>
-              <a:rPr lang="he-IL" sz="4000" noProof="0" dirty="0" err="1" smtClean="0">
+              <a:t> משחקים</a:t>
+            </a:r>
+          </a:p>
+          <a:p>
+            <a:pPr marL="342900" marR="0" lvl="0" indent="-342900" algn="ctr" defTabSz="914400" rtl="1" eaLnBrk="1" fontAlgn="auto" latinLnBrk="0" hangingPunct="1">
+              <a:lnSpc>
+                <a:spcPct val="100000"/>
+              </a:lnSpc>
+              <a:spcBef>
+                <a:spcPct val="20000"/>
+              </a:spcBef>
+              <a:spcAft>
+                <a:spcPts val="0"/>
+              </a:spcAft>
+              <a:buClrTx/>
+              <a:buSzTx/>
+              <a:tabLst/>
+              <a:defRPr/>
+            </a:pPr>
+            <a:r>
+              <a:rPr lang="he-IL" sz="4000" dirty="0" smtClean="0">
                 <a:solidFill>
-                  <a:schemeClr val="tx1">
-                    <a:lumMod val="95000"/>
-                    <a:lumOff val="5000"/>
-                  </a:schemeClr>
+                  <a:srgbClr val="002060"/>
                 </a:solidFill>
                 <a:latin typeface="Aharoni" pitchFamily="2" charset="-79"/>
                 <a:cs typeface="Aharoni" pitchFamily="2" charset="-79"/>
               </a:rPr>
-              <a:t>פזיקה</a:t>
+              <a:t>לילדים בגיל 6 עד 10 </a:t>
             </a:r>
             <a:r>
               <a:rPr lang="he-IL" sz="4000" noProof="0" dirty="0" smtClean="0">
                 <a:solidFill>
-                  <a:schemeClr val="tx1">
-                    <a:lumMod val="95000"/>
-                    <a:lumOff val="5000"/>
-                  </a:schemeClr>
+                  <a:srgbClr val="002060"/>
                 </a:solidFill>
                 <a:latin typeface="Aharoni" pitchFamily="2" charset="-79"/>
                 <a:cs typeface="Aharoni" pitchFamily="2" charset="-79"/>
@@ -3874,10 +5841,7 @@
                 <a:noFill/>
               </a:ln>
               <a:solidFill>
-                <a:schemeClr val="tx1">
-                  <a:lumMod val="95000"/>
-                  <a:lumOff val="5000"/>
-                </a:schemeClr>
+                <a:srgbClr val="002060"/>
               </a:solidFill>
               <a:effectLst/>
               <a:uLnTx/>
@@ -3925,6 +5889,32 @@
           </a:p>
         </p:txBody>
       </p:sp>
+      <p:pic>
+        <p:nvPicPr>
+          <p:cNvPr id="1026" name="Picture 2" descr="C:\Users\bestb\Desktop\lotus\gameCreator\view\public\media\Appbackgound\logo.png"/>
+          <p:cNvPicPr>
+            <a:picLocks noChangeAspect="1" noChangeArrowheads="1"/>
+          </p:cNvPicPr>
+          <p:nvPr/>
+        </p:nvPicPr>
+        <p:blipFill>
+          <a:blip r:embed="rId2" cstate="print"/>
+          <a:srcRect/>
+          <a:stretch>
+            <a:fillRect/>
+          </a:stretch>
+        </p:blipFill>
+        <p:spPr bwMode="auto">
+          <a:xfrm>
+            <a:off x="381000" y="609600"/>
+            <a:ext cx="8074025" cy="2560638"/>
+          </a:xfrm>
+          <a:prstGeom prst="rect">
+            <a:avLst/>
+          </a:prstGeom>
+          <a:noFill/>
+        </p:spPr>
+      </p:pic>
     </p:spTree>
   </p:cSld>
   <p:clrMapOvr>
@@ -4139,7 +6129,7 @@
             <a:spLocks noGrp="1"/>
           </p:cNvSpPr>
           <p:nvPr>
-            <p:ph idx="1"/>
+            <p:ph sz="quarter" idx="1"/>
           </p:nvPr>
         </p:nvSpPr>
         <p:spPr/>
@@ -4300,9 +6290,9 @@
 </file>
 
 <file path=ppt/theme/theme1.xml><?xml version="1.0" encoding="utf-8"?>
-<a:theme xmlns:a="http://schemas.openxmlformats.org/drawingml/2006/main" name="ערכת נושא Office">
+<a:theme xmlns:a="http://schemas.openxmlformats.org/drawingml/2006/main" name="חלון">
   <a:themeElements>
-    <a:clrScheme name="Office">
+    <a:clrScheme name="חלון">
       <a:dk1>
         <a:sysClr val="windowText" lastClr="000000"/>
       </a:dk1>
@@ -4310,48 +6300,48 @@
         <a:sysClr val="window" lastClr="FFFFFF"/>
       </a:lt1>
       <a:dk2>
-        <a:srgbClr val="1F497D"/>
+        <a:srgbClr val="575F6D"/>
       </a:dk2>
       <a:lt2>
-        <a:srgbClr val="EEECE1"/>
+        <a:srgbClr val="FFF39D"/>
       </a:lt2>
       <a:accent1>
-        <a:srgbClr val="4F81BD"/>
+        <a:srgbClr val="FE8637"/>
       </a:accent1>
       <a:accent2>
-        <a:srgbClr val="C0504D"/>
+        <a:srgbClr val="7598D9"/>
       </a:accent2>
       <a:accent3>
-        <a:srgbClr val="9BBB59"/>
+        <a:srgbClr val="B32C16"/>
       </a:accent3>
       <a:accent4>
-        <a:srgbClr val="8064A2"/>
+        <a:srgbClr val="F5CD2D"/>
       </a:accent4>
       <a:accent5>
-        <a:srgbClr val="4BACC6"/>
+        <a:srgbClr val="AEBAD5"/>
       </a:accent5>
       <a:accent6>
-        <a:srgbClr val="F79646"/>
+        <a:srgbClr val="777C84"/>
       </a:accent6>
       <a:hlink>
-        <a:srgbClr val="0000FF"/>
+        <a:srgbClr val="D2611C"/>
       </a:hlink>
       <a:folHlink>
-        <a:srgbClr val="800080"/>
+        <a:srgbClr val="3B435B"/>
       </a:folHlink>
     </a:clrScheme>
-    <a:fontScheme name="Office">
+    <a:fontScheme name="חלון">
       <a:majorFont>
-        <a:latin typeface="Calibri"/>
+        <a:latin typeface="Century Schoolbook"/>
         <a:ea typeface=""/>
         <a:cs typeface=""/>
-        <a:font script="Jpan" typeface="ＭＳ Ｐゴシック"/>
-        <a:font script="Hang" typeface="맑은 고딕"/>
-        <a:font script="Hans" typeface="宋体"/>
+        <a:font script="Jpan" typeface="ＭＳ Ｐ明朝"/>
+        <a:font script="Hang" typeface="휴먼매직체"/>
+        <a:font script="Hans" typeface="华文楷体"/>
         <a:font script="Hant" typeface="新細明體"/>
         <a:font script="Arab" typeface="Times New Roman"/>
         <a:font script="Hebr" typeface="Times New Roman"/>
-        <a:font script="Thai" typeface="Angsana New"/>
+        <a:font script="Thai" typeface="KodchiangUPC"/>
         <a:font script="Ethi" typeface="Nyala"/>
         <a:font script="Beng" typeface="Vrinda"/>
         <a:font script="Gujr" typeface="Shruti"/>
@@ -4376,20 +6366,20 @@
         <a:font script="Uigh" typeface="Microsoft Uighur"/>
       </a:majorFont>
       <a:minorFont>
-        <a:latin typeface="Calibri"/>
+        <a:latin typeface="Century Schoolbook"/>
         <a:ea typeface=""/>
         <a:cs typeface=""/>
-        <a:font script="Jpan" typeface="ＭＳ Ｐゴシック"/>
-        <a:font script="Hang" typeface="맑은 고딕"/>
+        <a:font script="Jpan" typeface="ＭＳ Ｐ明朝"/>
+        <a:font script="Hang" typeface="휴먼매직체"/>
         <a:font script="Hans" typeface="宋体"/>
         <a:font script="Hant" typeface="新細明體"/>
-        <a:font script="Arab" typeface="Arial"/>
-        <a:font script="Hebr" typeface="Arial"/>
-        <a:font script="Thai" typeface="Cordia New"/>
+        <a:font script="Arab" typeface="Times New Roman"/>
+        <a:font script="Hebr" typeface="Times New Roman"/>
+        <a:font script="Thai" typeface="KodchiangUPC"/>
         <a:font script="Ethi" typeface="Nyala"/>
         <a:font script="Beng" typeface="Vrinda"/>
         <a:font script="Gujr" typeface="Shruti"/>
-        <a:font script="Khmr" typeface="DaunPenh"/>
+        <a:font script="Khmr" typeface="MoolBoran"/>
         <a:font script="Knda" typeface="Tunga"/>
         <a:font script="Guru" typeface="Raavi"/>
         <a:font script="Cans" typeface="Euphemia"/>
@@ -4406,11 +6396,11 @@
         <a:font script="Laoo" typeface="DokChampa"/>
         <a:font script="Sinh" typeface="Iskoola Pota"/>
         <a:font script="Mong" typeface="Mongolian Baiti"/>
-        <a:font script="Viet" typeface="Arial"/>
+        <a:font script="Viet" typeface="Times New Roman"/>
         <a:font script="Uigh" typeface="Microsoft Uighur"/>
       </a:minorFont>
     </a:fontScheme>
-    <a:fmtScheme name="Office">
+    <a:fmtScheme name="חלון">
       <a:fillStyleLst>
         <a:solidFill>
           <a:schemeClr val="phClr"/>
@@ -4419,55 +6409,71 @@
           <a:gsLst>
             <a:gs pos="0">
               <a:schemeClr val="phClr">
-                <a:tint val="50000"/>
-                <a:satMod val="300000"/>
+                <a:tint val="35000"/>
+                <a:satMod val="260000"/>
               </a:schemeClr>
             </a:gs>
-            <a:gs pos="35000">
+            <a:gs pos="30000">
               <a:schemeClr val="phClr">
-                <a:tint val="37000"/>
-                <a:satMod val="300000"/>
+                <a:tint val="38000"/>
+                <a:satMod val="260000"/>
+              </a:schemeClr>
+            </a:gs>
+            <a:gs pos="75000">
+              <a:schemeClr val="phClr">
+                <a:tint val="55000"/>
+                <a:satMod val="255000"/>
               </a:schemeClr>
             </a:gs>
             <a:gs pos="100000">
               <a:schemeClr val="phClr">
-                <a:tint val="15000"/>
-                <a:satMod val="350000"/>
+                <a:tint val="70000"/>
+                <a:satMod val="255000"/>
               </a:schemeClr>
             </a:gs>
           </a:gsLst>
-          <a:lin ang="16200000" scaled="1"/>
+          <a:path path="circle">
+            <a:fillToRect l="5000" t="100000" r="120000" b="10000"/>
+          </a:path>
         </a:gradFill>
         <a:gradFill rotWithShape="1">
           <a:gsLst>
             <a:gs pos="0">
               <a:schemeClr val="phClr">
-                <a:shade val="51000"/>
-                <a:satMod val="130000"/>
+                <a:shade val="63000"/>
+                <a:satMod val="165000"/>
               </a:schemeClr>
             </a:gs>
-            <a:gs pos="80000">
+            <a:gs pos="30000">
               <a:schemeClr val="phClr">
-                <a:shade val="93000"/>
-                <a:satMod val="130000"/>
+                <a:shade val="58000"/>
+                <a:satMod val="165000"/>
+              </a:schemeClr>
+            </a:gs>
+            <a:gs pos="75000">
+              <a:schemeClr val="phClr">
+                <a:shade val="30000"/>
+                <a:satMod val="175000"/>
               </a:schemeClr>
             </a:gs>
             <a:gs pos="100000">
               <a:schemeClr val="phClr">
-                <a:shade val="94000"/>
-                <a:satMod val="135000"/>
+                <a:shade val="15000"/>
+                <a:satMod val="175000"/>
               </a:schemeClr>
             </a:gs>
           </a:gsLst>
-          <a:lin ang="16200000" scaled="0"/>
+          <a:path path="circle">
+            <a:fillToRect l="5000" t="100000" r="120000" b="10000"/>
+          </a:path>
         </a:gradFill>
       </a:fillStyleLst>
       <a:lnStyleLst>
-        <a:ln w="9525" cap="flat" cmpd="sng" algn="ctr">
+        <a:ln w="12700" cap="flat" cmpd="sng" algn="ctr">
           <a:solidFill>
             <a:schemeClr val="phClr">
-              <a:shade val="95000"/>
-              <a:satMod val="105000"/>
+              <a:shade val="70000"/>
+              <a:satMod val="150000"/>
             </a:schemeClr>
           </a:solidFill>
           <a:prstDash val="solid"/>
@@ -4478,7 +6484,7 @@
           </a:solidFill>
           <a:prstDash val="solid"/>
         </a:ln>
-        <a:ln w="38100" cap="flat" cmpd="sng" algn="ctr">
+        <a:ln w="34925" cap="flat" cmpd="sng" algn="ctr">
           <a:solidFill>
             <a:schemeClr val="phClr"/>
           </a:solidFill>
@@ -4488,27 +6494,27 @@
       <a:effectStyleLst>
         <a:effectStyle>
           <a:effectLst>
-            <a:outerShdw blurRad="40000" dist="20000" dir="5400000" rotWithShape="0">
+            <a:outerShdw blurRad="50800" dist="25000" dir="5400000" rotWithShape="0">
               <a:srgbClr val="000000">
-                <a:alpha val="38000"/>
+                <a:alpha val="40000"/>
               </a:srgbClr>
             </a:outerShdw>
           </a:effectLst>
         </a:effectStyle>
         <a:effectStyle>
           <a:effectLst>
-            <a:outerShdw blurRad="40000" dist="23000" dir="5400000" rotWithShape="0">
+            <a:outerShdw blurRad="50800" dist="20000" dir="5400000" rotWithShape="0">
               <a:srgbClr val="000000">
-                <a:alpha val="35000"/>
+                <a:alpha val="42000"/>
               </a:srgbClr>
             </a:outerShdw>
           </a:effectLst>
         </a:effectStyle>
         <a:effectStyle>
           <a:effectLst>
-            <a:outerShdw blurRad="40000" dist="23000" dir="5400000" rotWithShape="0">
+            <a:outerShdw blurRad="50800" dist="20000" dir="5400000" rotWithShape="0">
               <a:srgbClr val="000000">
-                <a:alpha val="35000"/>
+                <a:alpha val="42000"/>
               </a:srgbClr>
             </a:outerShdw>
           </a:effectLst>
@@ -4516,12 +6522,15 @@
             <a:camera prst="orthographicFront">
               <a:rot lat="0" lon="0" rev="0"/>
             </a:camera>
-            <a:lightRig rig="threePt" dir="t">
-              <a:rot lat="0" lon="0" rev="1200000"/>
+            <a:lightRig rig="balanced" dir="t">
+              <a:rot lat="0" lon="0" rev="0"/>
             </a:lightRig>
           </a:scene3d>
           <a:sp3d>
-            <a:bevelT w="63500" h="25400"/>
+            <a:bevelT w="47625" h="69850"/>
+            <a:contourClr>
+              <a:schemeClr val="lt1"/>
+            </a:contourClr>
           </a:sp3d>
         </a:effectStyle>
       </a:effectStyleLst>
@@ -4533,47 +6542,38 @@
           <a:gsLst>
             <a:gs pos="0">
               <a:schemeClr val="phClr">
-                <a:tint val="40000"/>
-                <a:satMod val="350000"/>
+                <a:shade val="58000"/>
+                <a:satMod val="125000"/>
               </a:schemeClr>
             </a:gs>
             <a:gs pos="40000">
               <a:schemeClr val="phClr">
-                <a:tint val="45000"/>
-                <a:shade val="99000"/>
-                <a:satMod val="350000"/>
+                <a:tint val="90000"/>
+                <a:shade val="90000"/>
+                <a:satMod val="120000"/>
               </a:schemeClr>
             </a:gs>
             <a:gs pos="100000">
               <a:schemeClr val="phClr">
-                <a:shade val="20000"/>
-                <a:satMod val="255000"/>
+                <a:tint val="50000"/>
               </a:schemeClr>
             </a:gs>
           </a:gsLst>
-          <a:path path="circle">
-            <a:fillToRect l="50000" t="-80000" r="50000" b="180000"/>
-          </a:path>
+          <a:lin ang="16200000" scaled="1"/>
         </a:gradFill>
-        <a:gradFill rotWithShape="1">
-          <a:gsLst>
-            <a:gs pos="0">
+        <a:blipFill>
+          <a:blip xmlns:r="http://schemas.openxmlformats.org/officeDocument/2006/relationships" r:embed="rId1">
+            <a:duotone>
               <a:schemeClr val="phClr">
-                <a:tint val="80000"/>
-                <a:satMod val="300000"/>
+                <a:shade val="80000"/>
               </a:schemeClr>
-            </a:gs>
-            <a:gs pos="100000">
               <a:schemeClr val="phClr">
-                <a:shade val="30000"/>
-                <a:satMod val="200000"/>
+                <a:tint val="91000"/>
               </a:schemeClr>
-            </a:gs>
-          </a:gsLst>
-          <a:path path="circle">
-            <a:fillToRect l="50000" t="50000" r="50000" b="50000"/>
-          </a:path>
-        </a:gradFill>
+            </a:duotone>
+          </a:blip>
+          <a:tile tx="0" ty="0" sx="40000" sy="50000" flip="y" algn="tl"/>
+        </a:blipFill>
       </a:bgFillStyleLst>
     </a:fmtScheme>
   </a:themeElements>
